--- a/survey_doc/230119_人工酵素設計_進捗報告_rev.0.pptx
+++ b/survey_doc/230119_人工酵素設計_進捗報告_rev.0.pptx
@@ -5,7 +5,7 @@
     <p:sldMasterId id="2147483756" r:id="rId1"/>
   </p:sldMasterIdLst>
   <p:notesMasterIdLst>
-    <p:notesMasterId r:id="rId16"/>
+    <p:notesMasterId r:id="rId19"/>
   </p:notesMasterIdLst>
   <p:sldIdLst>
     <p:sldId id="269" r:id="rId2"/>
@@ -13,15 +13,18 @@
     <p:sldId id="3912" r:id="rId4"/>
     <p:sldId id="3965" r:id="rId5"/>
     <p:sldId id="3974" r:id="rId6"/>
-    <p:sldId id="3975" r:id="rId7"/>
-    <p:sldId id="3973" r:id="rId8"/>
-    <p:sldId id="3972" r:id="rId9"/>
-    <p:sldId id="3951" r:id="rId10"/>
-    <p:sldId id="3959" r:id="rId11"/>
-    <p:sldId id="3960" r:id="rId12"/>
-    <p:sldId id="3961" r:id="rId13"/>
-    <p:sldId id="3963" r:id="rId14"/>
-    <p:sldId id="3964" r:id="rId15"/>
+    <p:sldId id="3978" r:id="rId7"/>
+    <p:sldId id="3975" r:id="rId8"/>
+    <p:sldId id="3977" r:id="rId9"/>
+    <p:sldId id="3973" r:id="rId10"/>
+    <p:sldId id="3976" r:id="rId11"/>
+    <p:sldId id="3972" r:id="rId12"/>
+    <p:sldId id="3951" r:id="rId13"/>
+    <p:sldId id="3959" r:id="rId14"/>
+    <p:sldId id="3960" r:id="rId15"/>
+    <p:sldId id="3961" r:id="rId16"/>
+    <p:sldId id="3963" r:id="rId17"/>
+    <p:sldId id="3964" r:id="rId18"/>
   </p:sldIdLst>
   <p:sldSz cx="12192000" cy="6858000"/>
   <p:notesSz cx="6858000" cy="9144000"/>
@@ -130,8 +133,11 @@
             <p14:sldId id="3912"/>
             <p14:sldId id="3965"/>
             <p14:sldId id="3974"/>
+            <p14:sldId id="3978"/>
             <p14:sldId id="3975"/>
+            <p14:sldId id="3977"/>
             <p14:sldId id="3973"/>
+            <p14:sldId id="3976"/>
             <p14:sldId id="3972"/>
             <p14:sldId id="3951"/>
           </p14:sldIdLst>
@@ -173,6 +179,662 @@
 </p:cmAuthorLst>
 </file>
 
+<file path=ppt/revisionInfo.xml><?xml version="1.0" encoding="utf-8"?>
+<p1510:revInfo xmlns:a="http://schemas.openxmlformats.org/drawingml/2006/main" xmlns:r="http://schemas.openxmlformats.org/officeDocument/2006/relationships" xmlns:p1510="http://schemas.microsoft.com/office/powerpoint/2015/10/main">
+  <p1510:revLst>
+    <p1510:client id="{7C5D8B76-2662-4886-A4A0-F79F0FB7B8AE}" v="68" dt="2023-01-14T11:11:34.601"/>
+  </p1510:revLst>
+</p1510:revInfo>
+</file>
+
+<file path=ppt/changesInfos/changesInfo1.xml><?xml version="1.0" encoding="utf-8"?>
+<pc:chgInfo xmlns:a="http://schemas.openxmlformats.org/drawingml/2006/main" xmlns:r="http://schemas.openxmlformats.org/officeDocument/2006/relationships" xmlns:ac="http://schemas.microsoft.com/office/drawing/2013/main/command" xmlns:pc="http://schemas.microsoft.com/office/powerpoint/2013/main/command">
+  <pc:docChgLst>
+    <pc:chgData name="熊谷 渉" userId="b7a4e8598c9bd55e" providerId="LiveId" clId="{7C5D8B76-2662-4886-A4A0-F79F0FB7B8AE}"/>
+    <pc:docChg chg="undo custSel addSld modSld sldOrd">
+      <pc:chgData name="熊谷 渉" userId="b7a4e8598c9bd55e" providerId="LiveId" clId="{7C5D8B76-2662-4886-A4A0-F79F0FB7B8AE}" dt="2023-01-14T11:11:49" v="2717" actId="20577"/>
+      <pc:docMkLst>
+        <pc:docMk/>
+      </pc:docMkLst>
+      <pc:sldChg chg="delSp modSp mod ord">
+        <pc:chgData name="熊谷 渉" userId="b7a4e8598c9bd55e" providerId="LiveId" clId="{7C5D8B76-2662-4886-A4A0-F79F0FB7B8AE}" dt="2023-01-14T10:20:38.325" v="1641"/>
+        <pc:sldMkLst>
+          <pc:docMk/>
+          <pc:sldMk cId="184465634" sldId="3973"/>
+        </pc:sldMkLst>
+        <pc:spChg chg="mod">
+          <ac:chgData name="熊谷 渉" userId="b7a4e8598c9bd55e" providerId="LiveId" clId="{7C5D8B76-2662-4886-A4A0-F79F0FB7B8AE}" dt="2023-01-14T10:20:19.537" v="1637" actId="20577"/>
+          <ac:spMkLst>
+            <pc:docMk/>
+            <pc:sldMk cId="184465634" sldId="3973"/>
+            <ac:spMk id="10" creationId="{0B741DA3-801A-4F30-83B2-12C70BEDD5CB}"/>
+          </ac:spMkLst>
+        </pc:spChg>
+        <pc:spChg chg="del mod">
+          <ac:chgData name="熊谷 渉" userId="b7a4e8598c9bd55e" providerId="LiveId" clId="{7C5D8B76-2662-4886-A4A0-F79F0FB7B8AE}" dt="2023-01-14T10:20:21.263" v="1639" actId="478"/>
+          <ac:spMkLst>
+            <pc:docMk/>
+            <pc:sldMk cId="184465634" sldId="3973"/>
+            <ac:spMk id="12" creationId="{59949D2D-0CC5-4040-B841-D1F010150859}"/>
+          </ac:spMkLst>
+        </pc:spChg>
+        <pc:graphicFrameChg chg="modGraphic">
+          <ac:chgData name="熊谷 渉" userId="b7a4e8598c9bd55e" providerId="LiveId" clId="{7C5D8B76-2662-4886-A4A0-F79F0FB7B8AE}" dt="2023-01-14T09:50:40.527" v="1316" actId="20577"/>
+          <ac:graphicFrameMkLst>
+            <pc:docMk/>
+            <pc:sldMk cId="184465634" sldId="3973"/>
+            <ac:graphicFrameMk id="13" creationId="{95626A72-8902-4E2C-A575-E86608577BED}"/>
+          </ac:graphicFrameMkLst>
+        </pc:graphicFrameChg>
+      </pc:sldChg>
+      <pc:sldChg chg="addSp delSp modSp mod">
+        <pc:chgData name="熊谷 渉" userId="b7a4e8598c9bd55e" providerId="LiveId" clId="{7C5D8B76-2662-4886-A4A0-F79F0FB7B8AE}" dt="2023-01-14T11:05:15.238" v="2415" actId="20577"/>
+        <pc:sldMkLst>
+          <pc:docMk/>
+          <pc:sldMk cId="2378184945" sldId="3974"/>
+        </pc:sldMkLst>
+        <pc:spChg chg="add mod">
+          <ac:chgData name="熊谷 渉" userId="b7a4e8598c9bd55e" providerId="LiveId" clId="{7C5D8B76-2662-4886-A4A0-F79F0FB7B8AE}" dt="2023-01-14T10:34:38.942" v="1692" actId="1076"/>
+          <ac:spMkLst>
+            <pc:docMk/>
+            <pc:sldMk cId="2378184945" sldId="3974"/>
+            <ac:spMk id="6" creationId="{6DDA8FED-BADC-8F4D-778B-838C6B01651C}"/>
+          </ac:spMkLst>
+        </pc:spChg>
+        <pc:spChg chg="add mod">
+          <ac:chgData name="熊谷 渉" userId="b7a4e8598c9bd55e" providerId="LiveId" clId="{7C5D8B76-2662-4886-A4A0-F79F0FB7B8AE}" dt="2023-01-14T10:34:43.697" v="1704" actId="20577"/>
+          <ac:spMkLst>
+            <pc:docMk/>
+            <pc:sldMk cId="2378184945" sldId="3974"/>
+            <ac:spMk id="7" creationId="{D42F769B-EBD2-628D-543D-35540070A928}"/>
+          </ac:spMkLst>
+        </pc:spChg>
+        <pc:spChg chg="add del mod">
+          <ac:chgData name="熊谷 渉" userId="b7a4e8598c9bd55e" providerId="LiveId" clId="{7C5D8B76-2662-4886-A4A0-F79F0FB7B8AE}" dt="2023-01-14T10:46:41.628" v="2200" actId="478"/>
+          <ac:spMkLst>
+            <pc:docMk/>
+            <pc:sldMk cId="2378184945" sldId="3974"/>
+            <ac:spMk id="8" creationId="{6966222D-28B8-D451-F1E2-3CF3194EF990}"/>
+          </ac:spMkLst>
+        </pc:spChg>
+        <pc:spChg chg="mod">
+          <ac:chgData name="熊谷 渉" userId="b7a4e8598c9bd55e" providerId="LiveId" clId="{7C5D8B76-2662-4886-A4A0-F79F0FB7B8AE}" dt="2023-01-14T09:17:35.845" v="9"/>
+          <ac:spMkLst>
+            <pc:docMk/>
+            <pc:sldMk cId="2378184945" sldId="3974"/>
+            <ac:spMk id="9" creationId="{6A12ED93-5A32-429E-8F43-0502CA99D038}"/>
+          </ac:spMkLst>
+        </pc:spChg>
+        <pc:spChg chg="mod">
+          <ac:chgData name="熊谷 渉" userId="b7a4e8598c9bd55e" providerId="LiveId" clId="{7C5D8B76-2662-4886-A4A0-F79F0FB7B8AE}" dt="2023-01-14T11:05:15.238" v="2415" actId="20577"/>
+          <ac:spMkLst>
+            <pc:docMk/>
+            <pc:sldMk cId="2378184945" sldId="3974"/>
+            <ac:spMk id="10" creationId="{0B741DA3-801A-4F30-83B2-12C70BEDD5CB}"/>
+          </ac:spMkLst>
+        </pc:spChg>
+        <pc:spChg chg="add mod">
+          <ac:chgData name="熊谷 渉" userId="b7a4e8598c9bd55e" providerId="LiveId" clId="{7C5D8B76-2662-4886-A4A0-F79F0FB7B8AE}" dt="2023-01-14T10:35:36.925" v="1796" actId="120"/>
+          <ac:spMkLst>
+            <pc:docMk/>
+            <pc:sldMk cId="2378184945" sldId="3974"/>
+            <ac:spMk id="12" creationId="{19DD5C56-7402-0F9B-233F-8824BFD9A128}"/>
+          </ac:spMkLst>
+        </pc:spChg>
+        <pc:spChg chg="mod">
+          <ac:chgData name="熊谷 渉" userId="b7a4e8598c9bd55e" providerId="LiveId" clId="{7C5D8B76-2662-4886-A4A0-F79F0FB7B8AE}" dt="2023-01-14T10:08:37.842" v="1415" actId="1076"/>
+          <ac:spMkLst>
+            <pc:docMk/>
+            <pc:sldMk cId="2378184945" sldId="3974"/>
+            <ac:spMk id="13" creationId="{D0AD64C4-152C-4148-9D32-1F55ECAE245A}"/>
+          </ac:spMkLst>
+        </pc:spChg>
+        <pc:spChg chg="add mod">
+          <ac:chgData name="熊谷 渉" userId="b7a4e8598c9bd55e" providerId="LiveId" clId="{7C5D8B76-2662-4886-A4A0-F79F0FB7B8AE}" dt="2023-01-14T10:36:23.944" v="1907" actId="14100"/>
+          <ac:spMkLst>
+            <pc:docMk/>
+            <pc:sldMk cId="2378184945" sldId="3974"/>
+            <ac:spMk id="14" creationId="{8B04965F-2C3F-8864-7646-053C2C8C1FD0}"/>
+          </ac:spMkLst>
+        </pc:spChg>
+        <pc:spChg chg="add mod">
+          <ac:chgData name="熊谷 渉" userId="b7a4e8598c9bd55e" providerId="LiveId" clId="{7C5D8B76-2662-4886-A4A0-F79F0FB7B8AE}" dt="2023-01-14T11:01:30.483" v="2396" actId="1038"/>
+          <ac:spMkLst>
+            <pc:docMk/>
+            <pc:sldMk cId="2378184945" sldId="3974"/>
+            <ac:spMk id="15" creationId="{3B9816A9-0547-89E3-6D84-D30986995500}"/>
+          </ac:spMkLst>
+        </pc:spChg>
+        <pc:spChg chg="add mod">
+          <ac:chgData name="熊谷 渉" userId="b7a4e8598c9bd55e" providerId="LiveId" clId="{7C5D8B76-2662-4886-A4A0-F79F0FB7B8AE}" dt="2023-01-14T11:02:51.755" v="2406" actId="20577"/>
+          <ac:spMkLst>
+            <pc:docMk/>
+            <pc:sldMk cId="2378184945" sldId="3974"/>
+            <ac:spMk id="16" creationId="{86380B7C-A8A4-4912-E0E7-1F57142149D2}"/>
+          </ac:spMkLst>
+        </pc:spChg>
+        <pc:spChg chg="add mod">
+          <ac:chgData name="熊谷 渉" userId="b7a4e8598c9bd55e" providerId="LiveId" clId="{7C5D8B76-2662-4886-A4A0-F79F0FB7B8AE}" dt="2023-01-14T10:51:37.839" v="2353" actId="20577"/>
+          <ac:spMkLst>
+            <pc:docMk/>
+            <pc:sldMk cId="2378184945" sldId="3974"/>
+            <ac:spMk id="17" creationId="{A3322EA4-8A01-1B91-8DDD-D0235215FDEA}"/>
+          </ac:spMkLst>
+        </pc:spChg>
+        <pc:spChg chg="add mod">
+          <ac:chgData name="熊谷 渉" userId="b7a4e8598c9bd55e" providerId="LiveId" clId="{7C5D8B76-2662-4886-A4A0-F79F0FB7B8AE}" dt="2023-01-14T11:05:05.656" v="2414" actId="14100"/>
+          <ac:spMkLst>
+            <pc:docMk/>
+            <pc:sldMk cId="2378184945" sldId="3974"/>
+            <ac:spMk id="18" creationId="{07892CE4-C4EF-07F0-BAC1-3C186BA6EB28}"/>
+          </ac:spMkLst>
+        </pc:spChg>
+        <pc:spChg chg="add mod">
+          <ac:chgData name="熊谷 渉" userId="b7a4e8598c9bd55e" providerId="LiveId" clId="{7C5D8B76-2662-4886-A4A0-F79F0FB7B8AE}" dt="2023-01-14T10:51:02.425" v="2258" actId="1076"/>
+          <ac:spMkLst>
+            <pc:docMk/>
+            <pc:sldMk cId="2378184945" sldId="3974"/>
+            <ac:spMk id="19" creationId="{4028523D-5A93-A137-036D-304A94A7D2BC}"/>
+          </ac:spMkLst>
+        </pc:spChg>
+        <pc:picChg chg="add del">
+          <ac:chgData name="熊谷 渉" userId="b7a4e8598c9bd55e" providerId="LiveId" clId="{7C5D8B76-2662-4886-A4A0-F79F0FB7B8AE}" dt="2023-01-14T10:08:34.620" v="1414" actId="478"/>
+          <ac:picMkLst>
+            <pc:docMk/>
+            <pc:sldMk cId="2378184945" sldId="3974"/>
+            <ac:picMk id="4" creationId="{DDA194A8-BA0D-CEAB-8A49-B330A55F9895}"/>
+          </ac:picMkLst>
+        </pc:picChg>
+        <pc:picChg chg="del">
+          <ac:chgData name="熊谷 渉" userId="b7a4e8598c9bd55e" providerId="LiveId" clId="{7C5D8B76-2662-4886-A4A0-F79F0FB7B8AE}" dt="2023-01-14T10:08:34.620" v="1414" actId="478"/>
+          <ac:picMkLst>
+            <pc:docMk/>
+            <pc:sldMk cId="2378184945" sldId="3974"/>
+            <ac:picMk id="5" creationId="{CE7ED794-519B-4410-8A30-59841D1FF7AA}"/>
+          </ac:picMkLst>
+        </pc:picChg>
+      </pc:sldChg>
+      <pc:sldChg chg="addSp delSp modSp mod">
+        <pc:chgData name="熊谷 渉" userId="b7a4e8598c9bd55e" providerId="LiveId" clId="{7C5D8B76-2662-4886-A4A0-F79F0FB7B8AE}" dt="2023-01-14T10:28:06.733" v="1665" actId="1037"/>
+        <pc:sldMkLst>
+          <pc:docMk/>
+          <pc:sldMk cId="3673451005" sldId="3975"/>
+        </pc:sldMkLst>
+        <pc:spChg chg="add mod">
+          <ac:chgData name="熊谷 渉" userId="b7a4e8598c9bd55e" providerId="LiveId" clId="{7C5D8B76-2662-4886-A4A0-F79F0FB7B8AE}" dt="2023-01-14T09:39:32.310" v="914" actId="12788"/>
+          <ac:spMkLst>
+            <pc:docMk/>
+            <pc:sldMk cId="3673451005" sldId="3975"/>
+            <ac:spMk id="4" creationId="{3B46268F-CBB4-369C-C084-4CE62C40E512}"/>
+          </ac:spMkLst>
+        </pc:spChg>
+        <pc:spChg chg="add mod">
+          <ac:chgData name="熊谷 渉" userId="b7a4e8598c9bd55e" providerId="LiveId" clId="{7C5D8B76-2662-4886-A4A0-F79F0FB7B8AE}" dt="2023-01-14T09:39:38.820" v="915" actId="12788"/>
+          <ac:spMkLst>
+            <pc:docMk/>
+            <pc:sldMk cId="3673451005" sldId="3975"/>
+            <ac:spMk id="5" creationId="{7EB78BB3-D597-B04D-60CC-CA0A1E0CADA3}"/>
+          </ac:spMkLst>
+        </pc:spChg>
+        <pc:spChg chg="add mod">
+          <ac:chgData name="熊谷 渉" userId="b7a4e8598c9bd55e" providerId="LiveId" clId="{7C5D8B76-2662-4886-A4A0-F79F0FB7B8AE}" dt="2023-01-14T09:40:07.738" v="917" actId="207"/>
+          <ac:spMkLst>
+            <pc:docMk/>
+            <pc:sldMk cId="3673451005" sldId="3975"/>
+            <ac:spMk id="6" creationId="{3E22C6F3-38E1-72E9-0AC1-ECA0F8E84931}"/>
+          </ac:spMkLst>
+        </pc:spChg>
+        <pc:spChg chg="add mod">
+          <ac:chgData name="熊谷 渉" userId="b7a4e8598c9bd55e" providerId="LiveId" clId="{7C5D8B76-2662-4886-A4A0-F79F0FB7B8AE}" dt="2023-01-14T09:40:07.738" v="917" actId="207"/>
+          <ac:spMkLst>
+            <pc:docMk/>
+            <pc:sldMk cId="3673451005" sldId="3975"/>
+            <ac:spMk id="7" creationId="{F37CB302-DF1B-4AAD-DAC7-240100E86637}"/>
+          </ac:spMkLst>
+        </pc:spChg>
+        <pc:spChg chg="add mod">
+          <ac:chgData name="熊谷 渉" userId="b7a4e8598c9bd55e" providerId="LiveId" clId="{7C5D8B76-2662-4886-A4A0-F79F0FB7B8AE}" dt="2023-01-14T09:40:07.738" v="917" actId="207"/>
+          <ac:spMkLst>
+            <pc:docMk/>
+            <pc:sldMk cId="3673451005" sldId="3975"/>
+            <ac:spMk id="8" creationId="{42CCB16E-3122-B24D-FCC4-10B4DB90DEEA}"/>
+          </ac:spMkLst>
+        </pc:spChg>
+        <pc:spChg chg="add mod">
+          <ac:chgData name="熊谷 渉" userId="b7a4e8598c9bd55e" providerId="LiveId" clId="{7C5D8B76-2662-4886-A4A0-F79F0FB7B8AE}" dt="2023-01-14T09:40:07.738" v="917" actId="207"/>
+          <ac:spMkLst>
+            <pc:docMk/>
+            <pc:sldMk cId="3673451005" sldId="3975"/>
+            <ac:spMk id="9" creationId="{EDA317AF-709E-9D50-73E9-BC548BDB6A18}"/>
+          </ac:spMkLst>
+        </pc:spChg>
+        <pc:spChg chg="mod">
+          <ac:chgData name="熊谷 渉" userId="b7a4e8598c9bd55e" providerId="LiveId" clId="{7C5D8B76-2662-4886-A4A0-F79F0FB7B8AE}" dt="2023-01-14T09:39:25.715" v="913" actId="12788"/>
+          <ac:spMkLst>
+            <pc:docMk/>
+            <pc:sldMk cId="3673451005" sldId="3975"/>
+            <ac:spMk id="12" creationId="{59949D2D-0CC5-4040-B841-D1F010150859}"/>
+          </ac:spMkLst>
+        </pc:spChg>
+        <pc:spChg chg="add mod">
+          <ac:chgData name="熊谷 渉" userId="b7a4e8598c9bd55e" providerId="LiveId" clId="{7C5D8B76-2662-4886-A4A0-F79F0FB7B8AE}" dt="2023-01-14T09:48:40.072" v="1211" actId="1037"/>
+          <ac:spMkLst>
+            <pc:docMk/>
+            <pc:sldMk cId="3673451005" sldId="3975"/>
+            <ac:spMk id="14" creationId="{F3A07F2B-A804-E17B-0E5A-58E8CDED45E9}"/>
+          </ac:spMkLst>
+        </pc:spChg>
+        <pc:spChg chg="add mod">
+          <ac:chgData name="熊谷 渉" userId="b7a4e8598c9bd55e" providerId="LiveId" clId="{7C5D8B76-2662-4886-A4A0-F79F0FB7B8AE}" dt="2023-01-14T09:57:26.232" v="1320" actId="20577"/>
+          <ac:spMkLst>
+            <pc:docMk/>
+            <pc:sldMk cId="3673451005" sldId="3975"/>
+            <ac:spMk id="15" creationId="{83FC32FC-7D09-C995-59A8-F470EACFBD1F}"/>
+          </ac:spMkLst>
+        </pc:spChg>
+        <pc:spChg chg="add mod">
+          <ac:chgData name="熊谷 渉" userId="b7a4e8598c9bd55e" providerId="LiveId" clId="{7C5D8B76-2662-4886-A4A0-F79F0FB7B8AE}" dt="2023-01-14T09:39:38.820" v="915" actId="12788"/>
+          <ac:spMkLst>
+            <pc:docMk/>
+            <pc:sldMk cId="3673451005" sldId="3975"/>
+            <ac:spMk id="16" creationId="{563D3A38-D472-1967-40F0-1F4D30F41FD6}"/>
+          </ac:spMkLst>
+        </pc:spChg>
+        <pc:spChg chg="add mod">
+          <ac:chgData name="熊谷 渉" userId="b7a4e8598c9bd55e" providerId="LiveId" clId="{7C5D8B76-2662-4886-A4A0-F79F0FB7B8AE}" dt="2023-01-14T09:39:38.820" v="915" actId="12788"/>
+          <ac:spMkLst>
+            <pc:docMk/>
+            <pc:sldMk cId="3673451005" sldId="3975"/>
+            <ac:spMk id="17" creationId="{69A55C33-9327-8844-C129-520687B2C7F6}"/>
+          </ac:spMkLst>
+        </pc:spChg>
+        <pc:spChg chg="add mod">
+          <ac:chgData name="熊谷 渉" userId="b7a4e8598c9bd55e" providerId="LiveId" clId="{7C5D8B76-2662-4886-A4A0-F79F0FB7B8AE}" dt="2023-01-14T09:49:01.087" v="1223" actId="1036"/>
+          <ac:spMkLst>
+            <pc:docMk/>
+            <pc:sldMk cId="3673451005" sldId="3975"/>
+            <ac:spMk id="18" creationId="{86245838-AF75-9CF2-F932-E8FB077F2286}"/>
+          </ac:spMkLst>
+        </pc:spChg>
+        <pc:spChg chg="add mod">
+          <ac:chgData name="熊谷 渉" userId="b7a4e8598c9bd55e" providerId="LiveId" clId="{7C5D8B76-2662-4886-A4A0-F79F0FB7B8AE}" dt="2023-01-14T09:49:53.214" v="1260" actId="1036"/>
+          <ac:spMkLst>
+            <pc:docMk/>
+            <pc:sldMk cId="3673451005" sldId="3975"/>
+            <ac:spMk id="19" creationId="{DA30046F-3AE2-5AFD-3B3C-9409DA425D5F}"/>
+          </ac:spMkLst>
+        </pc:spChg>
+        <pc:spChg chg="add mod">
+          <ac:chgData name="熊谷 渉" userId="b7a4e8598c9bd55e" providerId="LiveId" clId="{7C5D8B76-2662-4886-A4A0-F79F0FB7B8AE}" dt="2023-01-14T10:19:47.448" v="1605" actId="1076"/>
+          <ac:spMkLst>
+            <pc:docMk/>
+            <pc:sldMk cId="3673451005" sldId="3975"/>
+            <ac:spMk id="20" creationId="{D041FA21-53FB-6729-0947-DBEBBD231DB9}"/>
+          </ac:spMkLst>
+        </pc:spChg>
+        <pc:spChg chg="add mod">
+          <ac:chgData name="熊谷 渉" userId="b7a4e8598c9bd55e" providerId="LiveId" clId="{7C5D8B76-2662-4886-A4A0-F79F0FB7B8AE}" dt="2023-01-14T09:39:38.820" v="915" actId="12788"/>
+          <ac:spMkLst>
+            <pc:docMk/>
+            <pc:sldMk cId="3673451005" sldId="3975"/>
+            <ac:spMk id="21" creationId="{8B7981B1-BB46-E8B2-990B-34D2B372C0C6}"/>
+          </ac:spMkLst>
+        </pc:spChg>
+        <pc:spChg chg="add mod">
+          <ac:chgData name="熊谷 渉" userId="b7a4e8598c9bd55e" providerId="LiveId" clId="{7C5D8B76-2662-4886-A4A0-F79F0FB7B8AE}" dt="2023-01-14T09:39:25.715" v="913" actId="12788"/>
+          <ac:spMkLst>
+            <pc:docMk/>
+            <pc:sldMk cId="3673451005" sldId="3975"/>
+            <ac:spMk id="22" creationId="{A1580EB1-7E57-F2AE-0E5F-604ED0ECC98E}"/>
+          </ac:spMkLst>
+        </pc:spChg>
+        <pc:spChg chg="add mod">
+          <ac:chgData name="熊谷 渉" userId="b7a4e8598c9bd55e" providerId="LiveId" clId="{7C5D8B76-2662-4886-A4A0-F79F0FB7B8AE}" dt="2023-01-14T09:39:32.310" v="914" actId="12788"/>
+          <ac:spMkLst>
+            <pc:docMk/>
+            <pc:sldMk cId="3673451005" sldId="3975"/>
+            <ac:spMk id="23" creationId="{4061F82F-A16A-FE98-06F8-AD32A44A056A}"/>
+          </ac:spMkLst>
+        </pc:spChg>
+        <pc:spChg chg="add mod">
+          <ac:chgData name="熊谷 渉" userId="b7a4e8598c9bd55e" providerId="LiveId" clId="{7C5D8B76-2662-4886-A4A0-F79F0FB7B8AE}" dt="2023-01-14T09:39:38.820" v="915" actId="12788"/>
+          <ac:spMkLst>
+            <pc:docMk/>
+            <pc:sldMk cId="3673451005" sldId="3975"/>
+            <ac:spMk id="24" creationId="{9153209A-0DA0-C157-1911-CAAAC38A7918}"/>
+          </ac:spMkLst>
+        </pc:spChg>
+        <pc:spChg chg="add del mod">
+          <ac:chgData name="熊谷 渉" userId="b7a4e8598c9bd55e" providerId="LiveId" clId="{7C5D8B76-2662-4886-A4A0-F79F0FB7B8AE}" dt="2023-01-14T09:35:37.473" v="657" actId="478"/>
+          <ac:spMkLst>
+            <pc:docMk/>
+            <pc:sldMk cId="3673451005" sldId="3975"/>
+            <ac:spMk id="25" creationId="{01A8D345-DD16-574D-5524-1240EE5C01A2}"/>
+          </ac:spMkLst>
+        </pc:spChg>
+        <pc:spChg chg="add del mod">
+          <ac:chgData name="熊谷 渉" userId="b7a4e8598c9bd55e" providerId="LiveId" clId="{7C5D8B76-2662-4886-A4A0-F79F0FB7B8AE}" dt="2023-01-14T09:36:40.039" v="754" actId="478"/>
+          <ac:spMkLst>
+            <pc:docMk/>
+            <pc:sldMk cId="3673451005" sldId="3975"/>
+            <ac:spMk id="26" creationId="{4B996275-C478-BD8C-CB67-B5495C677C55}"/>
+          </ac:spMkLst>
+        </pc:spChg>
+        <pc:spChg chg="add mod">
+          <ac:chgData name="熊谷 渉" userId="b7a4e8598c9bd55e" providerId="LiveId" clId="{7C5D8B76-2662-4886-A4A0-F79F0FB7B8AE}" dt="2023-01-14T09:39:54.027" v="916" actId="14100"/>
+          <ac:spMkLst>
+            <pc:docMk/>
+            <pc:sldMk cId="3673451005" sldId="3975"/>
+            <ac:spMk id="27" creationId="{FEE387B8-94B3-B120-BE2B-54F3C1572AC3}"/>
+          </ac:spMkLst>
+        </pc:spChg>
+        <pc:spChg chg="add mod">
+          <ac:chgData name="熊谷 渉" userId="b7a4e8598c9bd55e" providerId="LiveId" clId="{7C5D8B76-2662-4886-A4A0-F79F0FB7B8AE}" dt="2023-01-14T09:38:03.416" v="864" actId="1036"/>
+          <ac:spMkLst>
+            <pc:docMk/>
+            <pc:sldMk cId="3673451005" sldId="3975"/>
+            <ac:spMk id="28" creationId="{42CA9D9E-A7C6-0170-F3DF-0D0AD0F20249}"/>
+          </ac:spMkLst>
+        </pc:spChg>
+        <pc:spChg chg="add mod">
+          <ac:chgData name="熊谷 渉" userId="b7a4e8598c9bd55e" providerId="LiveId" clId="{7C5D8B76-2662-4886-A4A0-F79F0FB7B8AE}" dt="2023-01-14T09:44:34.760" v="1047" actId="1076"/>
+          <ac:spMkLst>
+            <pc:docMk/>
+            <pc:sldMk cId="3673451005" sldId="3975"/>
+            <ac:spMk id="29" creationId="{1F4B2947-34E6-546F-34EC-DCCEAA70B21F}"/>
+          </ac:spMkLst>
+        </pc:spChg>
+        <pc:spChg chg="add mod">
+          <ac:chgData name="熊谷 渉" userId="b7a4e8598c9bd55e" providerId="LiveId" clId="{7C5D8B76-2662-4886-A4A0-F79F0FB7B8AE}" dt="2023-01-14T09:49:11.090" v="1240" actId="1036"/>
+          <ac:spMkLst>
+            <pc:docMk/>
+            <pc:sldMk cId="3673451005" sldId="3975"/>
+            <ac:spMk id="30" creationId="{6F79AC5A-D5A5-DD82-8E01-E8B8C6C4307D}"/>
+          </ac:spMkLst>
+        </pc:spChg>
+        <pc:spChg chg="add mod">
+          <ac:chgData name="熊谷 渉" userId="b7a4e8598c9bd55e" providerId="LiveId" clId="{7C5D8B76-2662-4886-A4A0-F79F0FB7B8AE}" dt="2023-01-14T10:28:06.733" v="1665" actId="1037"/>
+          <ac:spMkLst>
+            <pc:docMk/>
+            <pc:sldMk cId="3673451005" sldId="3975"/>
+            <ac:spMk id="31" creationId="{1DD92357-DCD2-065E-084B-D60541DE9B5B}"/>
+          </ac:spMkLst>
+        </pc:spChg>
+        <pc:graphicFrameChg chg="add del mod modGraphic">
+          <ac:chgData name="熊谷 渉" userId="b7a4e8598c9bd55e" providerId="LiveId" clId="{7C5D8B76-2662-4886-A4A0-F79F0FB7B8AE}" dt="2023-01-14T09:23:57.803" v="331" actId="478"/>
+          <ac:graphicFrameMkLst>
+            <pc:docMk/>
+            <pc:sldMk cId="3673451005" sldId="3975"/>
+            <ac:graphicFrameMk id="2" creationId="{6345040B-D5AC-C246-8EDF-DBFFB47C8238}"/>
+          </ac:graphicFrameMkLst>
+        </pc:graphicFrameChg>
+        <pc:graphicFrameChg chg="del modGraphic">
+          <ac:chgData name="熊谷 渉" userId="b7a4e8598c9bd55e" providerId="LiveId" clId="{7C5D8B76-2662-4886-A4A0-F79F0FB7B8AE}" dt="2023-01-14T09:20:27.117" v="107" actId="478"/>
+          <ac:graphicFrameMkLst>
+            <pc:docMk/>
+            <pc:sldMk cId="3673451005" sldId="3975"/>
+            <ac:graphicFrameMk id="13" creationId="{95626A72-8902-4E2C-A575-E86608577BED}"/>
+          </ac:graphicFrameMkLst>
+        </pc:graphicFrameChg>
+      </pc:sldChg>
+      <pc:sldChg chg="modSp add mod">
+        <pc:chgData name="熊谷 渉" userId="b7a4e8598c9bd55e" providerId="LiveId" clId="{7C5D8B76-2662-4886-A4A0-F79F0FB7B8AE}" dt="2023-01-14T09:46:45.446" v="1086" actId="20577"/>
+        <pc:sldMkLst>
+          <pc:docMk/>
+          <pc:sldMk cId="1944795493" sldId="3976"/>
+        </pc:sldMkLst>
+        <pc:spChg chg="mod">
+          <ac:chgData name="熊谷 渉" userId="b7a4e8598c9bd55e" providerId="LiveId" clId="{7C5D8B76-2662-4886-A4A0-F79F0FB7B8AE}" dt="2023-01-14T09:46:45.446" v="1086" actId="20577"/>
+          <ac:spMkLst>
+            <pc:docMk/>
+            <pc:sldMk cId="1944795493" sldId="3976"/>
+            <ac:spMk id="10" creationId="{0B741DA3-801A-4F30-83B2-12C70BEDD5CB}"/>
+          </ac:spMkLst>
+        </pc:spChg>
+      </pc:sldChg>
+      <pc:sldChg chg="addSp delSp modSp add mod ord">
+        <pc:chgData name="熊谷 渉" userId="b7a4e8598c9bd55e" providerId="LiveId" clId="{7C5D8B76-2662-4886-A4A0-F79F0FB7B8AE}" dt="2023-01-14T10:27:48.725" v="1659" actId="20577"/>
+        <pc:sldMkLst>
+          <pc:docMk/>
+          <pc:sldMk cId="1253658750" sldId="3977"/>
+        </pc:sldMkLst>
+        <pc:spChg chg="add mod">
+          <ac:chgData name="熊谷 渉" userId="b7a4e8598c9bd55e" providerId="LiveId" clId="{7C5D8B76-2662-4886-A4A0-F79F0FB7B8AE}" dt="2023-01-14T10:09:58.262" v="1519" actId="1037"/>
+          <ac:spMkLst>
+            <pc:docMk/>
+            <pc:sldMk cId="1253658750" sldId="3977"/>
+            <ac:spMk id="2" creationId="{BEB23D2D-D88E-6478-A270-4E95385758B4}"/>
+          </ac:spMkLst>
+        </pc:spChg>
+        <pc:spChg chg="add del mod">
+          <ac:chgData name="熊谷 渉" userId="b7a4e8598c9bd55e" providerId="LiveId" clId="{7C5D8B76-2662-4886-A4A0-F79F0FB7B8AE}" dt="2023-01-14T10:10:20.764" v="1577" actId="478"/>
+          <ac:spMkLst>
+            <pc:docMk/>
+            <pc:sldMk cId="1253658750" sldId="3977"/>
+            <ac:spMk id="7" creationId="{625C9C0D-7AEE-6C21-5036-766CBD451D45}"/>
+          </ac:spMkLst>
+        </pc:spChg>
+        <pc:spChg chg="del">
+          <ac:chgData name="熊谷 渉" userId="b7a4e8598c9bd55e" providerId="LiveId" clId="{7C5D8B76-2662-4886-A4A0-F79F0FB7B8AE}" dt="2023-01-14T10:10:19.483" v="1576" actId="478"/>
+          <ac:spMkLst>
+            <pc:docMk/>
+            <pc:sldMk cId="1253658750" sldId="3977"/>
+            <ac:spMk id="9" creationId="{6A12ED93-5A32-429E-8F43-0502CA99D038}"/>
+          </ac:spMkLst>
+        </pc:spChg>
+        <pc:spChg chg="mod">
+          <ac:chgData name="熊谷 渉" userId="b7a4e8598c9bd55e" providerId="LiveId" clId="{7C5D8B76-2662-4886-A4A0-F79F0FB7B8AE}" dt="2023-01-14T10:27:48.725" v="1659" actId="20577"/>
+          <ac:spMkLst>
+            <pc:docMk/>
+            <pc:sldMk cId="1253658750" sldId="3977"/>
+            <ac:spMk id="10" creationId="{0B741DA3-801A-4F30-83B2-12C70BEDD5CB}"/>
+          </ac:spMkLst>
+        </pc:spChg>
+        <pc:spChg chg="mod">
+          <ac:chgData name="熊谷 渉" userId="b7a4e8598c9bd55e" providerId="LiveId" clId="{7C5D8B76-2662-4886-A4A0-F79F0FB7B8AE}" dt="2023-01-14T10:10:43.209" v="1603" actId="20577"/>
+          <ac:spMkLst>
+            <pc:docMk/>
+            <pc:sldMk cId="1253658750" sldId="3977"/>
+            <ac:spMk id="13" creationId="{D0AD64C4-152C-4148-9D32-1F55ECAE245A}"/>
+          </ac:spMkLst>
+        </pc:spChg>
+        <pc:picChg chg="mod">
+          <ac:chgData name="熊谷 渉" userId="b7a4e8598c9bd55e" providerId="LiveId" clId="{7C5D8B76-2662-4886-A4A0-F79F0FB7B8AE}" dt="2023-01-14T10:08:18.875" v="1412" actId="1076"/>
+          <ac:picMkLst>
+            <pc:docMk/>
+            <pc:sldMk cId="1253658750" sldId="3977"/>
+            <ac:picMk id="4" creationId="{DDA194A8-BA0D-CEAB-8A49-B330A55F9895}"/>
+          </ac:picMkLst>
+        </pc:picChg>
+        <pc:picChg chg="del mod">
+          <ac:chgData name="熊谷 渉" userId="b7a4e8598c9bd55e" providerId="LiveId" clId="{7C5D8B76-2662-4886-A4A0-F79F0FB7B8AE}" dt="2023-01-14T10:08:09.871" v="1407" actId="478"/>
+          <ac:picMkLst>
+            <pc:docMk/>
+            <pc:sldMk cId="1253658750" sldId="3977"/>
+            <ac:picMk id="1026" creationId="{11094E3E-40CF-4B0B-8935-AD76837BAB76}"/>
+          </ac:picMkLst>
+        </pc:picChg>
+      </pc:sldChg>
+      <pc:sldChg chg="addSp delSp modSp add mod">
+        <pc:chgData name="熊谷 渉" userId="b7a4e8598c9bd55e" providerId="LiveId" clId="{7C5D8B76-2662-4886-A4A0-F79F0FB7B8AE}" dt="2023-01-14T11:11:49" v="2717" actId="20577"/>
+        <pc:sldMkLst>
+          <pc:docMk/>
+          <pc:sldMk cId="1774681092" sldId="3978"/>
+        </pc:sldMkLst>
+        <pc:spChg chg="add mod">
+          <ac:chgData name="熊谷 渉" userId="b7a4e8598c9bd55e" providerId="LiveId" clId="{7C5D8B76-2662-4886-A4A0-F79F0FB7B8AE}" dt="2023-01-14T11:08:53.459" v="2455" actId="571"/>
+          <ac:spMkLst>
+            <pc:docMk/>
+            <pc:sldMk cId="1774681092" sldId="3978"/>
+            <ac:spMk id="2" creationId="{EFC8C298-D1F7-998C-89E4-BC910103CCDB}"/>
+          </ac:spMkLst>
+        </pc:spChg>
+        <pc:spChg chg="add mod">
+          <ac:chgData name="熊谷 渉" userId="b7a4e8598c9bd55e" providerId="LiveId" clId="{7C5D8B76-2662-4886-A4A0-F79F0FB7B8AE}" dt="2023-01-14T11:10:03.250" v="2598" actId="1036"/>
+          <ac:spMkLst>
+            <pc:docMk/>
+            <pc:sldMk cId="1774681092" sldId="3978"/>
+            <ac:spMk id="4" creationId="{7638479E-B4FE-6DCF-102C-5B7B950AE0F3}"/>
+          </ac:spMkLst>
+        </pc:spChg>
+        <pc:spChg chg="add mod">
+          <ac:chgData name="熊谷 渉" userId="b7a4e8598c9bd55e" providerId="LiveId" clId="{7C5D8B76-2662-4886-A4A0-F79F0FB7B8AE}" dt="2023-01-14T11:09:32.550" v="2547" actId="1076"/>
+          <ac:spMkLst>
+            <pc:docMk/>
+            <pc:sldMk cId="1774681092" sldId="3978"/>
+            <ac:spMk id="5" creationId="{17958545-6096-C539-1D41-4CCB67CB4C2C}"/>
+          </ac:spMkLst>
+        </pc:spChg>
+        <pc:spChg chg="add mod">
+          <ac:chgData name="熊谷 渉" userId="b7a4e8598c9bd55e" providerId="LiveId" clId="{7C5D8B76-2662-4886-A4A0-F79F0FB7B8AE}" dt="2023-01-14T11:11:49" v="2717" actId="20577"/>
+          <ac:spMkLst>
+            <pc:docMk/>
+            <pc:sldMk cId="1774681092" sldId="3978"/>
+            <ac:spMk id="6" creationId="{1D0A04E0-2497-9477-4995-F4B3FD17FBA4}"/>
+          </ac:spMkLst>
+        </pc:spChg>
+        <pc:spChg chg="del">
+          <ac:chgData name="熊谷 渉" userId="b7a4e8598c9bd55e" providerId="LiveId" clId="{7C5D8B76-2662-4886-A4A0-F79F0FB7B8AE}" dt="2023-01-14T11:09:34.810" v="2548" actId="478"/>
+          <ac:spMkLst>
+            <pc:docMk/>
+            <pc:sldMk cId="1774681092" sldId="3978"/>
+            <ac:spMk id="6" creationId="{6DDA8FED-BADC-8F4D-778B-838C6B01651C}"/>
+          </ac:spMkLst>
+        </pc:spChg>
+        <pc:spChg chg="del">
+          <ac:chgData name="熊谷 渉" userId="b7a4e8598c9bd55e" providerId="LiveId" clId="{7C5D8B76-2662-4886-A4A0-F79F0FB7B8AE}" dt="2023-01-14T11:09:34.810" v="2548" actId="478"/>
+          <ac:spMkLst>
+            <pc:docMk/>
+            <pc:sldMk cId="1774681092" sldId="3978"/>
+            <ac:spMk id="7" creationId="{D42F769B-EBD2-628D-543D-35540070A928}"/>
+          </ac:spMkLst>
+        </pc:spChg>
+        <pc:spChg chg="add mod">
+          <ac:chgData name="熊谷 渉" userId="b7a4e8598c9bd55e" providerId="LiveId" clId="{7C5D8B76-2662-4886-A4A0-F79F0FB7B8AE}" dt="2023-01-14T11:09:48.870" v="2565" actId="1036"/>
+          <ac:spMkLst>
+            <pc:docMk/>
+            <pc:sldMk cId="1774681092" sldId="3978"/>
+            <ac:spMk id="8" creationId="{9A7F31F6-8473-D860-EF9F-E68BAFCBDC73}"/>
+          </ac:spMkLst>
+        </pc:spChg>
+        <pc:spChg chg="mod">
+          <ac:chgData name="熊谷 渉" userId="b7a4e8598c9bd55e" providerId="LiveId" clId="{7C5D8B76-2662-4886-A4A0-F79F0FB7B8AE}" dt="2023-01-14T11:08:30.184" v="2433" actId="20577"/>
+          <ac:spMkLst>
+            <pc:docMk/>
+            <pc:sldMk cId="1774681092" sldId="3978"/>
+            <ac:spMk id="10" creationId="{0B741DA3-801A-4F30-83B2-12C70BEDD5CB}"/>
+          </ac:spMkLst>
+        </pc:spChg>
+        <pc:spChg chg="mod">
+          <ac:chgData name="熊谷 渉" userId="b7a4e8598c9bd55e" providerId="LiveId" clId="{7C5D8B76-2662-4886-A4A0-F79F0FB7B8AE}" dt="2023-01-14T11:08:51.879" v="2454" actId="20577"/>
+          <ac:spMkLst>
+            <pc:docMk/>
+            <pc:sldMk cId="1774681092" sldId="3978"/>
+            <ac:spMk id="12" creationId="{19DD5C56-7402-0F9B-233F-8824BFD9A128}"/>
+          </ac:spMkLst>
+        </pc:spChg>
+        <pc:spChg chg="del">
+          <ac:chgData name="熊谷 渉" userId="b7a4e8598c9bd55e" providerId="LiveId" clId="{7C5D8B76-2662-4886-A4A0-F79F0FB7B8AE}" dt="2023-01-14T11:08:33.335" v="2435" actId="478"/>
+          <ac:spMkLst>
+            <pc:docMk/>
+            <pc:sldMk cId="1774681092" sldId="3978"/>
+            <ac:spMk id="13" creationId="{D0AD64C4-152C-4148-9D32-1F55ECAE245A}"/>
+          </ac:spMkLst>
+        </pc:spChg>
+        <pc:spChg chg="del">
+          <ac:chgData name="熊谷 渉" userId="b7a4e8598c9bd55e" providerId="LiveId" clId="{7C5D8B76-2662-4886-A4A0-F79F0FB7B8AE}" dt="2023-01-14T11:09:34.810" v="2548" actId="478"/>
+          <ac:spMkLst>
+            <pc:docMk/>
+            <pc:sldMk cId="1774681092" sldId="3978"/>
+            <ac:spMk id="14" creationId="{8B04965F-2C3F-8864-7646-053C2C8C1FD0}"/>
+          </ac:spMkLst>
+        </pc:spChg>
+        <pc:spChg chg="del">
+          <ac:chgData name="熊谷 渉" userId="b7a4e8598c9bd55e" providerId="LiveId" clId="{7C5D8B76-2662-4886-A4A0-F79F0FB7B8AE}" dt="2023-01-14T11:09:34.810" v="2548" actId="478"/>
+          <ac:spMkLst>
+            <pc:docMk/>
+            <pc:sldMk cId="1774681092" sldId="3978"/>
+            <ac:spMk id="15" creationId="{3B9816A9-0547-89E3-6D84-D30986995500}"/>
+          </ac:spMkLst>
+        </pc:spChg>
+        <pc:spChg chg="del">
+          <ac:chgData name="熊谷 渉" userId="b7a4e8598c9bd55e" providerId="LiveId" clId="{7C5D8B76-2662-4886-A4A0-F79F0FB7B8AE}" dt="2023-01-14T11:09:34.810" v="2548" actId="478"/>
+          <ac:spMkLst>
+            <pc:docMk/>
+            <pc:sldMk cId="1774681092" sldId="3978"/>
+            <ac:spMk id="16" creationId="{86380B7C-A8A4-4912-E0E7-1F57142149D2}"/>
+          </ac:spMkLst>
+        </pc:spChg>
+        <pc:spChg chg="del">
+          <ac:chgData name="熊谷 渉" userId="b7a4e8598c9bd55e" providerId="LiveId" clId="{7C5D8B76-2662-4886-A4A0-F79F0FB7B8AE}" dt="2023-01-14T11:09:34.810" v="2548" actId="478"/>
+          <ac:spMkLst>
+            <pc:docMk/>
+            <pc:sldMk cId="1774681092" sldId="3978"/>
+            <ac:spMk id="17" creationId="{A3322EA4-8A01-1B91-8DDD-D0235215FDEA}"/>
+          </ac:spMkLst>
+        </pc:spChg>
+        <pc:spChg chg="del">
+          <ac:chgData name="熊谷 渉" userId="b7a4e8598c9bd55e" providerId="LiveId" clId="{7C5D8B76-2662-4886-A4A0-F79F0FB7B8AE}" dt="2023-01-14T11:09:34.810" v="2548" actId="478"/>
+          <ac:spMkLst>
+            <pc:docMk/>
+            <pc:sldMk cId="1774681092" sldId="3978"/>
+            <ac:spMk id="18" creationId="{07892CE4-C4EF-07F0-BAC1-3C186BA6EB28}"/>
+          </ac:spMkLst>
+        </pc:spChg>
+        <pc:spChg chg="del">
+          <ac:chgData name="熊谷 渉" userId="b7a4e8598c9bd55e" providerId="LiveId" clId="{7C5D8B76-2662-4886-A4A0-F79F0FB7B8AE}" dt="2023-01-14T11:09:34.810" v="2548" actId="478"/>
+          <ac:spMkLst>
+            <pc:docMk/>
+            <pc:sldMk cId="1774681092" sldId="3978"/>
+            <ac:spMk id="19" creationId="{4028523D-5A93-A137-036D-304A94A7D2BC}"/>
+          </ac:spMkLst>
+        </pc:spChg>
+        <pc:spChg chg="add mod">
+          <ac:chgData name="熊谷 渉" userId="b7a4e8598c9bd55e" providerId="LiveId" clId="{7C5D8B76-2662-4886-A4A0-F79F0FB7B8AE}" dt="2023-01-14T11:09:54.314" v="2576" actId="20577"/>
+          <ac:spMkLst>
+            <pc:docMk/>
+            <pc:sldMk cId="1774681092" sldId="3978"/>
+            <ac:spMk id="20" creationId="{C59268C8-C806-CE8C-26B4-33789A8B6C77}"/>
+          </ac:spMkLst>
+        </pc:spChg>
+        <pc:spChg chg="add mod">
+          <ac:chgData name="熊谷 渉" userId="b7a4e8598c9bd55e" providerId="LiveId" clId="{7C5D8B76-2662-4886-A4A0-F79F0FB7B8AE}" dt="2023-01-14T11:10:19.529" v="2614" actId="1076"/>
+          <ac:spMkLst>
+            <pc:docMk/>
+            <pc:sldMk cId="1774681092" sldId="3978"/>
+            <ac:spMk id="21" creationId="{F3FA656D-6869-705D-9977-B994A54498DF}"/>
+          </ac:spMkLst>
+        </pc:spChg>
+        <pc:spChg chg="add mod">
+          <ac:chgData name="熊谷 渉" userId="b7a4e8598c9bd55e" providerId="LiveId" clId="{7C5D8B76-2662-4886-A4A0-F79F0FB7B8AE}" dt="2023-01-14T11:10:16.659" v="2612" actId="1076"/>
+          <ac:spMkLst>
+            <pc:docMk/>
+            <pc:sldMk cId="1774681092" sldId="3978"/>
+            <ac:spMk id="22" creationId="{468FB539-4689-24F2-26E4-4BB893129ACA}"/>
+          </ac:spMkLst>
+        </pc:spChg>
+        <pc:spChg chg="add mod">
+          <ac:chgData name="熊谷 渉" userId="b7a4e8598c9bd55e" providerId="LiveId" clId="{7C5D8B76-2662-4886-A4A0-F79F0FB7B8AE}" dt="2023-01-14T11:10:31.878" v="2625" actId="20577"/>
+          <ac:spMkLst>
+            <pc:docMk/>
+            <pc:sldMk cId="1774681092" sldId="3978"/>
+            <ac:spMk id="23" creationId="{5628B61A-527E-8370-9C23-3C9471CB6821}"/>
+          </ac:spMkLst>
+        </pc:spChg>
+        <pc:picChg chg="del">
+          <ac:chgData name="熊谷 渉" userId="b7a4e8598c9bd55e" providerId="LiveId" clId="{7C5D8B76-2662-4886-A4A0-F79F0FB7B8AE}" dt="2023-01-14T11:08:31.699" v="2434" actId="478"/>
+          <ac:picMkLst>
+            <pc:docMk/>
+            <pc:sldMk cId="1774681092" sldId="3978"/>
+            <ac:picMk id="1026" creationId="{11094E3E-40CF-4B0B-8935-AD76837BAB76}"/>
+          </ac:picMkLst>
+        </pc:picChg>
+      </pc:sldChg>
+    </pc:docChg>
+  </pc:docChgLst>
+</pc:chgInfo>
+</file>
+
 <file path=ppt/notesMasters/notesMaster1.xml><?xml version="1.0" encoding="utf-8"?>
 <p:notesMaster xmlns:a="http://schemas.openxmlformats.org/drawingml/2006/main" xmlns:r="http://schemas.openxmlformats.org/officeDocument/2006/relationships" xmlns:p="http://schemas.openxmlformats.org/presentationml/2006/main">
   <p:cSld>
@@ -255,7 +917,7 @@
           <a:p>
             <a:fld id="{82150B36-03E6-4D3A-8098-12EB1C30C067}" type="datetimeFigureOut">
               <a:rPr kumimoji="1" lang="ja-JP" altLang="en-US" smtClean="0"/>
-              <a:t>2023/1/13</a:t>
+              <a:t>2023/1/14</a:t>
             </a:fld>
             <a:endParaRPr kumimoji="1" lang="ja-JP" altLang="en-US"/>
           </a:p>
@@ -684,37 +1346,52 @@
           <a:p>
             <a:r>
               <a:rPr kumimoji="1" lang="ja-JP" altLang="en-US" dirty="0"/>
-              <a:t>そこで、サプライチェーン全体から見たときの技術候補を調査し、その周辺知識を得ることが、この項目の目的です。</a:t>
+              <a:t>③ー１は、セルラーゼ製剤という特定用途に対して、実現方法、技術、特許状況を調べる項目です。</a:t>
             </a:r>
             <a:endParaRPr kumimoji="1" lang="en-US" altLang="ja-JP" dirty="0"/>
           </a:p>
           <a:p>
             <a:r>
               <a:rPr kumimoji="1" lang="ja-JP" altLang="en-US" dirty="0"/>
-              <a:t>例えば、生物触媒の使用を前提とした生産現場では、共通して探索アプローチから設計アプローチに代替する可能性がありますが、アプリケーションによって他の要素技術よりもその価値が大きいことがあるのかという事例を調べることが考えられます。</a:t>
+              <a:t>セルラーゼ製剤は、製造プロセス中でバイオマスから加水分解して糖に変換する、糖化工程で使用されます。</a:t>
             </a:r>
             <a:endParaRPr kumimoji="1" lang="en-US" altLang="ja-JP" dirty="0"/>
           </a:p>
           <a:p>
             <a:r>
               <a:rPr kumimoji="1" lang="ja-JP" altLang="en-US" dirty="0"/>
-              <a:t>他にも、探索・設計アプローチにしても、欠かせない技術があるはずです。</a:t>
+              <a:t>セルラーゼ製剤は、基質への吸着や分解などの機能を持った複数の酵素をカクテルとして混合させて、糖化性能を高めたものです。</a:t>
             </a:r>
             <a:endParaRPr kumimoji="1" lang="en-US" altLang="ja-JP" dirty="0"/>
           </a:p>
           <a:p>
             <a:r>
               <a:rPr kumimoji="1" lang="ja-JP" altLang="en-US" dirty="0"/>
-              <a:t>例えば、目的分子への反応経路が未知の場合は、逆合成解析やゲノムスケールでの代謝経路の把握が必要ですし、反応経路と酵素遺伝子の両方が既知の場合は、これらの経路を含む高生産系の細胞・微生物設計などが必要です。</a:t>
+              <a:t>一方、統合プロセス化技術</a:t>
+            </a:r>
+            <a:r>
+              <a:rPr kumimoji="1" lang="en-US" altLang="ja-JP" dirty="0"/>
+              <a:t>CBP</a:t>
+            </a:r>
+            <a:r>
+              <a:rPr kumimoji="1" lang="ja-JP" altLang="en-US" dirty="0"/>
+              <a:t>もあります。これは、微生物に機能を付与することで、前処理・糖化・発酵プロセスを統合することを狙っています。</a:t>
             </a:r>
             <a:endParaRPr kumimoji="1" lang="en-US" altLang="ja-JP" dirty="0"/>
           </a:p>
           <a:p>
             <a:r>
               <a:rPr kumimoji="1" lang="ja-JP" altLang="en-US" dirty="0"/>
-              <a:t>このように、次期テーマを見据えて、必要な材料を見つけていきたいです。</a:t>
-            </a:r>
-            <a:endParaRPr kumimoji="1" lang="en-US" altLang="ja-JP" dirty="0"/>
+              <a:t>このように、バイオマス分解から製造するプロセスの上で、セルラーゼ製剤や</a:t>
+            </a:r>
+            <a:r>
+              <a:rPr kumimoji="1" lang="en-US" altLang="ja-JP" dirty="0"/>
+              <a:t>CBP</a:t>
+            </a:r>
+            <a:r>
+              <a:rPr kumimoji="1" lang="ja-JP" altLang="en-US" dirty="0"/>
+              <a:t>の役割や期待度を明らかにしたいと考えています。</a:t>
+            </a:r>
           </a:p>
         </p:txBody>
       </p:sp>
@@ -736,6 +1413,346 @@
             <a:fld id="{234BF75D-FAA7-4C74-927E-D481AAC481B6}" type="slidenum">
               <a:rPr kumimoji="1" lang="ja-JP" altLang="en-US" smtClean="0"/>
               <a:t>14</a:t>
+            </a:fld>
+            <a:endParaRPr kumimoji="1" lang="ja-JP" altLang="en-US"/>
+          </a:p>
+        </p:txBody>
+      </p:sp>
+    </p:spTree>
+    <p:extLst>
+      <p:ext uri="{BB962C8B-B14F-4D97-AF65-F5344CB8AC3E}">
+        <p14:creationId xmlns:p14="http://schemas.microsoft.com/office/powerpoint/2010/main" val="3304715318"/>
+      </p:ext>
+    </p:extLst>
+  </p:cSld>
+  <p:clrMapOvr>
+    <a:masterClrMapping/>
+  </p:clrMapOvr>
+</p:notes>
+</file>
+
+<file path=ppt/notesSlides/notesSlide11.xml><?xml version="1.0" encoding="utf-8"?>
+<p:notes xmlns:a="http://schemas.openxmlformats.org/drawingml/2006/main" xmlns:r="http://schemas.openxmlformats.org/officeDocument/2006/relationships" xmlns:p="http://schemas.openxmlformats.org/presentationml/2006/main">
+  <p:cSld>
+    <p:spTree>
+      <p:nvGrpSpPr>
+        <p:cNvPr id="1" name=""/>
+        <p:cNvGrpSpPr/>
+        <p:nvPr/>
+      </p:nvGrpSpPr>
+      <p:grpSpPr>
+        <a:xfrm>
+          <a:off x="0" y="0"/>
+          <a:ext cx="0" cy="0"/>
+          <a:chOff x="0" y="0"/>
+          <a:chExt cx="0" cy="0"/>
+        </a:xfrm>
+      </p:grpSpPr>
+      <p:sp>
+        <p:nvSpPr>
+          <p:cNvPr id="2" name="スライド イメージ プレースホルダー 1"/>
+          <p:cNvSpPr>
+            <a:spLocks noGrp="1" noRot="1" noChangeAspect="1"/>
+          </p:cNvSpPr>
+          <p:nvPr>
+            <p:ph type="sldImg"/>
+          </p:nvPr>
+        </p:nvSpPr>
+        <p:spPr/>
+      </p:sp>
+      <p:sp>
+        <p:nvSpPr>
+          <p:cNvPr id="3" name="ノート プレースホルダー 2"/>
+          <p:cNvSpPr>
+            <a:spLocks noGrp="1"/>
+          </p:cNvSpPr>
+          <p:nvPr>
+            <p:ph type="body" idx="1"/>
+          </p:nvPr>
+        </p:nvSpPr>
+        <p:spPr/>
+        <p:txBody>
+          <a:bodyPr/>
+          <a:lstStyle/>
+          <a:p>
+            <a:r>
+              <a:rPr kumimoji="1" lang="ja-JP" altLang="en-US" dirty="0"/>
+              <a:t>セルラーゼ製剤にフォーカスする中で、人工酵素設計技術の適用価値を探ることも目的です。</a:t>
+            </a:r>
+            <a:endParaRPr kumimoji="1" lang="en-US" altLang="ja-JP" dirty="0"/>
+          </a:p>
+          <a:p>
+            <a:r>
+              <a:rPr kumimoji="1" lang="ja-JP" altLang="en-US" dirty="0"/>
+              <a:t>論文や特許を調査することで、セルラーゼ製剤開発における方法や性能、課題を調べたり、業界構造を調べようと考えています。</a:t>
+            </a:r>
+            <a:endParaRPr kumimoji="1" lang="en-US" altLang="ja-JP" dirty="0"/>
+          </a:p>
+          <a:p>
+            <a:r>
+              <a:rPr kumimoji="1" lang="ja-JP" altLang="en-US" dirty="0"/>
+              <a:t>その中で、セルラーゼの人工設計技術がどのような優位性があるのかを整理します。</a:t>
+            </a:r>
+            <a:endParaRPr kumimoji="1" lang="en-US" altLang="ja-JP" dirty="0"/>
+          </a:p>
+          <a:p>
+            <a:r>
+              <a:rPr kumimoji="1" lang="ja-JP" altLang="en-US" dirty="0"/>
+              <a:t>これは、酵素改変の報告事例もいくつかありますが、糖化工程全体では、カクテル混合比率や前処理、酵素濃度と反応速度の関係など、様々な課題があげられます。</a:t>
+            </a:r>
+            <a:endParaRPr kumimoji="1" lang="en-US" altLang="ja-JP" dirty="0"/>
+          </a:p>
+          <a:p>
+            <a:r>
+              <a:rPr kumimoji="1" lang="ja-JP" altLang="en-US" dirty="0"/>
+              <a:t>この課題の中で、酵素を高度に改変・設計する技術の優位性はどれだけあるのかを俯瞰して見定めたいと考えています。</a:t>
+            </a:r>
+          </a:p>
+        </p:txBody>
+      </p:sp>
+      <p:sp>
+        <p:nvSpPr>
+          <p:cNvPr id="4" name="スライド番号プレースホルダー 3"/>
+          <p:cNvSpPr>
+            <a:spLocks noGrp="1"/>
+          </p:cNvSpPr>
+          <p:nvPr>
+            <p:ph type="sldNum" sz="quarter" idx="5"/>
+          </p:nvPr>
+        </p:nvSpPr>
+        <p:spPr/>
+        <p:txBody>
+          <a:bodyPr/>
+          <a:lstStyle/>
+          <a:p>
+            <a:fld id="{234BF75D-FAA7-4C74-927E-D481AAC481B6}" type="slidenum">
+              <a:rPr kumimoji="1" lang="ja-JP" altLang="en-US" smtClean="0"/>
+              <a:t>15</a:t>
+            </a:fld>
+            <a:endParaRPr kumimoji="1" lang="ja-JP" altLang="en-US"/>
+          </a:p>
+        </p:txBody>
+      </p:sp>
+    </p:spTree>
+    <p:extLst>
+      <p:ext uri="{BB962C8B-B14F-4D97-AF65-F5344CB8AC3E}">
+        <p14:creationId xmlns:p14="http://schemas.microsoft.com/office/powerpoint/2010/main" val="1236370655"/>
+      </p:ext>
+    </p:extLst>
+  </p:cSld>
+  <p:clrMapOvr>
+    <a:masterClrMapping/>
+  </p:clrMapOvr>
+</p:notes>
+</file>
+
+<file path=ppt/notesSlides/notesSlide12.xml><?xml version="1.0" encoding="utf-8"?>
+<p:notes xmlns:a="http://schemas.openxmlformats.org/drawingml/2006/main" xmlns:r="http://schemas.openxmlformats.org/officeDocument/2006/relationships" xmlns:p="http://schemas.openxmlformats.org/presentationml/2006/main">
+  <p:cSld>
+    <p:spTree>
+      <p:nvGrpSpPr>
+        <p:cNvPr id="1" name=""/>
+        <p:cNvGrpSpPr/>
+        <p:nvPr/>
+      </p:nvGrpSpPr>
+      <p:grpSpPr>
+        <a:xfrm>
+          <a:off x="0" y="0"/>
+          <a:ext cx="0" cy="0"/>
+          <a:chOff x="0" y="0"/>
+          <a:chExt cx="0" cy="0"/>
+        </a:xfrm>
+      </p:grpSpPr>
+      <p:sp>
+        <p:nvSpPr>
+          <p:cNvPr id="2" name="スライド イメージ プレースホルダー 1"/>
+          <p:cNvSpPr>
+            <a:spLocks noGrp="1" noRot="1" noChangeAspect="1"/>
+          </p:cNvSpPr>
+          <p:nvPr>
+            <p:ph type="sldImg"/>
+          </p:nvPr>
+        </p:nvSpPr>
+        <p:spPr/>
+      </p:sp>
+      <p:sp>
+        <p:nvSpPr>
+          <p:cNvPr id="3" name="ノート プレースホルダー 2"/>
+          <p:cNvSpPr>
+            <a:spLocks noGrp="1"/>
+          </p:cNvSpPr>
+          <p:nvPr>
+            <p:ph type="body" idx="1"/>
+          </p:nvPr>
+        </p:nvSpPr>
+        <p:spPr/>
+        <p:txBody>
+          <a:bodyPr/>
+          <a:lstStyle/>
+          <a:p>
+            <a:r>
+              <a:rPr kumimoji="1" lang="ja-JP" altLang="en-US" dirty="0"/>
+              <a:t>③ー２は、もっと俯瞰した、高い視座での調査です。</a:t>
+            </a:r>
+            <a:endParaRPr kumimoji="1" lang="en-US" altLang="ja-JP" dirty="0"/>
+          </a:p>
+          <a:p>
+            <a:r>
+              <a:rPr kumimoji="1" lang="ja-JP" altLang="en-US" dirty="0"/>
+              <a:t>バイオ系物質生産は多様な目的があって、イノベでもいくつか関連テーマがあります。</a:t>
+            </a:r>
+            <a:endParaRPr kumimoji="1" lang="en-US" altLang="ja-JP" dirty="0"/>
+          </a:p>
+          <a:p>
+            <a:r>
+              <a:rPr kumimoji="1" lang="ja-JP" altLang="en-US" dirty="0"/>
+              <a:t>しかし、右図のような共通するバリューチェーンを想定すると、設計技術は共通性が高く、適用される可能性があります。</a:t>
+            </a:r>
+            <a:endParaRPr kumimoji="1" lang="en-US" altLang="ja-JP" dirty="0"/>
+          </a:p>
+          <a:p>
+            <a:r>
+              <a:rPr kumimoji="1" lang="ja-JP" altLang="en-US" dirty="0"/>
+              <a:t>一方、これまでのテーマでは、設計技術単体では到達できない何かしらの壁があり、実験技術を含めて、他にも必要な要素があることを実感しました。</a:t>
+            </a:r>
+            <a:endParaRPr kumimoji="1" lang="en-US" altLang="ja-JP" dirty="0"/>
+          </a:p>
+        </p:txBody>
+      </p:sp>
+      <p:sp>
+        <p:nvSpPr>
+          <p:cNvPr id="4" name="スライド番号プレースホルダー 3"/>
+          <p:cNvSpPr>
+            <a:spLocks noGrp="1"/>
+          </p:cNvSpPr>
+          <p:nvPr>
+            <p:ph type="sldNum" sz="quarter" idx="5"/>
+          </p:nvPr>
+        </p:nvSpPr>
+        <p:spPr/>
+        <p:txBody>
+          <a:bodyPr/>
+          <a:lstStyle/>
+          <a:p>
+            <a:fld id="{234BF75D-FAA7-4C74-927E-D481AAC481B6}" type="slidenum">
+              <a:rPr kumimoji="1" lang="ja-JP" altLang="en-US" smtClean="0"/>
+              <a:t>16</a:t>
+            </a:fld>
+            <a:endParaRPr kumimoji="1" lang="ja-JP" altLang="en-US"/>
+          </a:p>
+        </p:txBody>
+      </p:sp>
+    </p:spTree>
+    <p:extLst>
+      <p:ext uri="{BB962C8B-B14F-4D97-AF65-F5344CB8AC3E}">
+        <p14:creationId xmlns:p14="http://schemas.microsoft.com/office/powerpoint/2010/main" val="3234932474"/>
+      </p:ext>
+    </p:extLst>
+  </p:cSld>
+  <p:clrMapOvr>
+    <a:masterClrMapping/>
+  </p:clrMapOvr>
+</p:notes>
+</file>
+
+<file path=ppt/notesSlides/notesSlide13.xml><?xml version="1.0" encoding="utf-8"?>
+<p:notes xmlns:a="http://schemas.openxmlformats.org/drawingml/2006/main" xmlns:r="http://schemas.openxmlformats.org/officeDocument/2006/relationships" xmlns:p="http://schemas.openxmlformats.org/presentationml/2006/main">
+  <p:cSld>
+    <p:spTree>
+      <p:nvGrpSpPr>
+        <p:cNvPr id="1" name=""/>
+        <p:cNvGrpSpPr/>
+        <p:nvPr/>
+      </p:nvGrpSpPr>
+      <p:grpSpPr>
+        <a:xfrm>
+          <a:off x="0" y="0"/>
+          <a:ext cx="0" cy="0"/>
+          <a:chOff x="0" y="0"/>
+          <a:chExt cx="0" cy="0"/>
+        </a:xfrm>
+      </p:grpSpPr>
+      <p:sp>
+        <p:nvSpPr>
+          <p:cNvPr id="2" name="スライド イメージ プレースホルダー 1"/>
+          <p:cNvSpPr>
+            <a:spLocks noGrp="1" noRot="1" noChangeAspect="1"/>
+          </p:cNvSpPr>
+          <p:nvPr>
+            <p:ph type="sldImg"/>
+          </p:nvPr>
+        </p:nvSpPr>
+        <p:spPr/>
+      </p:sp>
+      <p:sp>
+        <p:nvSpPr>
+          <p:cNvPr id="3" name="ノート プレースホルダー 2"/>
+          <p:cNvSpPr>
+            <a:spLocks noGrp="1"/>
+          </p:cNvSpPr>
+          <p:nvPr>
+            <p:ph type="body" idx="1"/>
+          </p:nvPr>
+        </p:nvSpPr>
+        <p:spPr/>
+        <p:txBody>
+          <a:bodyPr/>
+          <a:lstStyle/>
+          <a:p>
+            <a:r>
+              <a:rPr kumimoji="1" lang="ja-JP" altLang="en-US" dirty="0"/>
+              <a:t>そこで、サプライチェーン全体から見たときの技術候補を調査し、その周辺知識を得ることが、この項目の目的です。</a:t>
+            </a:r>
+            <a:endParaRPr kumimoji="1" lang="en-US" altLang="ja-JP" dirty="0"/>
+          </a:p>
+          <a:p>
+            <a:r>
+              <a:rPr kumimoji="1" lang="ja-JP" altLang="en-US" dirty="0"/>
+              <a:t>例えば、生物触媒の使用を前提とした生産現場では、共通して探索アプローチから設計アプローチに代替する可能性がありますが、アプリケーションによって他の要素技術よりもその価値が大きいことがあるのかという事例を調べることが考えられます。</a:t>
+            </a:r>
+            <a:endParaRPr kumimoji="1" lang="en-US" altLang="ja-JP" dirty="0"/>
+          </a:p>
+          <a:p>
+            <a:r>
+              <a:rPr kumimoji="1" lang="ja-JP" altLang="en-US" dirty="0"/>
+              <a:t>他にも、探索・設計アプローチにしても、欠かせない技術があるはずです。</a:t>
+            </a:r>
+            <a:endParaRPr kumimoji="1" lang="en-US" altLang="ja-JP" dirty="0"/>
+          </a:p>
+          <a:p>
+            <a:r>
+              <a:rPr kumimoji="1" lang="ja-JP" altLang="en-US" dirty="0"/>
+              <a:t>例えば、目的分子への反応経路が未知の場合は、逆合成解析やゲノムスケールでの代謝経路の把握が必要ですし、反応経路と酵素遺伝子の両方が既知の場合は、これらの経路を含む高生産系の細胞・微生物設計などが必要です。</a:t>
+            </a:r>
+            <a:endParaRPr kumimoji="1" lang="en-US" altLang="ja-JP" dirty="0"/>
+          </a:p>
+          <a:p>
+            <a:r>
+              <a:rPr kumimoji="1" lang="ja-JP" altLang="en-US" dirty="0"/>
+              <a:t>このように、次期テーマを見据えて、必要な材料を見つけていきたいです。</a:t>
+            </a:r>
+            <a:endParaRPr kumimoji="1" lang="en-US" altLang="ja-JP" dirty="0"/>
+          </a:p>
+        </p:txBody>
+      </p:sp>
+      <p:sp>
+        <p:nvSpPr>
+          <p:cNvPr id="4" name="スライド番号プレースホルダー 3"/>
+          <p:cNvSpPr>
+            <a:spLocks noGrp="1"/>
+          </p:cNvSpPr>
+          <p:nvPr>
+            <p:ph type="sldNum" sz="quarter" idx="5"/>
+          </p:nvPr>
+        </p:nvSpPr>
+        <p:spPr/>
+        <p:txBody>
+          <a:bodyPr/>
+          <a:lstStyle/>
+          <a:p>
+            <a:fld id="{234BF75D-FAA7-4C74-927E-D481AAC481B6}" type="slidenum">
+              <a:rPr kumimoji="1" lang="ja-JP" altLang="en-US" smtClean="0"/>
+              <a:t>17</a:t>
             </a:fld>
             <a:endParaRPr kumimoji="1" lang="ja-JP" altLang="en-US"/>
           </a:p>
@@ -1092,7 +2109,7 @@
     </p:spTree>
     <p:extLst>
       <p:ext uri="{BB962C8B-B14F-4D97-AF65-F5344CB8AC3E}">
-        <p14:creationId xmlns:p14="http://schemas.microsoft.com/office/powerpoint/2010/main" val="3090010874"/>
+        <p14:creationId xmlns:p14="http://schemas.microsoft.com/office/powerpoint/2010/main" val="1787243599"/>
       </p:ext>
     </p:extLst>
   </p:cSld>
@@ -1208,7 +2225,7 @@
     </p:spTree>
     <p:extLst>
       <p:ext uri="{BB962C8B-B14F-4D97-AF65-F5344CB8AC3E}">
-        <p14:creationId xmlns:p14="http://schemas.microsoft.com/office/powerpoint/2010/main" val="1745463491"/>
+        <p14:creationId xmlns:p14="http://schemas.microsoft.com/office/powerpoint/2010/main" val="3090010874"/>
       </p:ext>
     </p:extLst>
   </p:cSld>
@@ -1324,7 +2341,7 @@
     </p:spTree>
     <p:extLst>
       <p:ext uri="{BB962C8B-B14F-4D97-AF65-F5344CB8AC3E}">
-        <p14:creationId xmlns:p14="http://schemas.microsoft.com/office/powerpoint/2010/main" val="1762340923"/>
+        <p14:creationId xmlns:p14="http://schemas.microsoft.com/office/powerpoint/2010/main" val="3211495471"/>
       </p:ext>
     </p:extLst>
   </p:cSld>
@@ -1380,52 +2397,37 @@
           <a:p>
             <a:r>
               <a:rPr kumimoji="1" lang="ja-JP" altLang="en-US" dirty="0"/>
-              <a:t>③ー１は、セルラーゼ製剤という特定用途に対して、実現方法、技術、特許状況を調べる項目です。</a:t>
+              <a:t>そこで、サプライチェーン全体から見たときの技術候補を調査し、その周辺知識を得ることが、この項目の目的です。</a:t>
             </a:r>
             <a:endParaRPr kumimoji="1" lang="en-US" altLang="ja-JP" dirty="0"/>
           </a:p>
           <a:p>
             <a:r>
               <a:rPr kumimoji="1" lang="ja-JP" altLang="en-US" dirty="0"/>
-              <a:t>セルラーゼ製剤は、製造プロセス中でバイオマスから加水分解して糖に変換する、糖化工程で使用されます。</a:t>
+              <a:t>例えば、生物触媒の使用を前提とした生産現場では、共通して探索アプローチから設計アプローチに代替する可能性がありますが、アプリケーションによって他の要素技術よりもその価値が大きいことがあるのかという事例を調べることが考えられます。</a:t>
             </a:r>
             <a:endParaRPr kumimoji="1" lang="en-US" altLang="ja-JP" dirty="0"/>
           </a:p>
           <a:p>
             <a:r>
               <a:rPr kumimoji="1" lang="ja-JP" altLang="en-US" dirty="0"/>
-              <a:t>セルラーゼ製剤は、基質への吸着や分解などの機能を持った複数の酵素をカクテルとして混合させて、糖化性能を高めたものです。</a:t>
+              <a:t>他にも、探索・設計アプローチにしても、欠かせない技術があるはずです。</a:t>
             </a:r>
             <a:endParaRPr kumimoji="1" lang="en-US" altLang="ja-JP" dirty="0"/>
           </a:p>
           <a:p>
             <a:r>
               <a:rPr kumimoji="1" lang="ja-JP" altLang="en-US" dirty="0"/>
-              <a:t>一方、統合プロセス化技術</a:t>
-            </a:r>
-            <a:r>
-              <a:rPr kumimoji="1" lang="en-US" altLang="ja-JP" dirty="0"/>
-              <a:t>CBP</a:t>
-            </a:r>
+              <a:t>例えば、目的分子への反応経路が未知の場合は、逆合成解析やゲノムスケールでの代謝経路の把握が必要ですし、反応経路と酵素遺伝子の両方が既知の場合は、これらの経路を含む高生産系の細胞・微生物設計などが必要です。</a:t>
+            </a:r>
+            <a:endParaRPr kumimoji="1" lang="en-US" altLang="ja-JP" dirty="0"/>
+          </a:p>
+          <a:p>
             <a:r>
               <a:rPr kumimoji="1" lang="ja-JP" altLang="en-US" dirty="0"/>
-              <a:t>もあります。これは、微生物に機能を付与することで、前処理・糖化・発酵プロセスを統合することを狙っています。</a:t>
+              <a:t>このように、次期テーマを見据えて、必要な材料を見つけていきたいです。</a:t>
             </a:r>
             <a:endParaRPr kumimoji="1" lang="en-US" altLang="ja-JP" dirty="0"/>
-          </a:p>
-          <a:p>
-            <a:r>
-              <a:rPr kumimoji="1" lang="ja-JP" altLang="en-US" dirty="0"/>
-              <a:t>このように、バイオマス分解から製造するプロセスの上で、セルラーゼ製剤や</a:t>
-            </a:r>
-            <a:r>
-              <a:rPr kumimoji="1" lang="en-US" altLang="ja-JP" dirty="0"/>
-              <a:t>CBP</a:t>
-            </a:r>
-            <a:r>
-              <a:rPr kumimoji="1" lang="ja-JP" altLang="en-US" dirty="0"/>
-              <a:t>の役割や期待度を明らかにしたいと考えています。</a:t>
-            </a:r>
           </a:p>
         </p:txBody>
       </p:sp>
@@ -1446,7 +2448,7 @@
           <a:p>
             <a:fld id="{234BF75D-FAA7-4C74-927E-D481AAC481B6}" type="slidenum">
               <a:rPr kumimoji="1" lang="ja-JP" altLang="en-US" smtClean="0"/>
-              <a:t>11</a:t>
+              <a:t>9</a:t>
             </a:fld>
             <a:endParaRPr kumimoji="1" lang="ja-JP" altLang="en-US"/>
           </a:p>
@@ -1455,7 +2457,7 @@
     </p:spTree>
     <p:extLst>
       <p:ext uri="{BB962C8B-B14F-4D97-AF65-F5344CB8AC3E}">
-        <p14:creationId xmlns:p14="http://schemas.microsoft.com/office/powerpoint/2010/main" val="3304715318"/>
+        <p14:creationId xmlns:p14="http://schemas.microsoft.com/office/powerpoint/2010/main" val="1745463491"/>
       </p:ext>
     </p:extLst>
   </p:cSld>
@@ -1511,36 +2513,37 @@
           <a:p>
             <a:r>
               <a:rPr kumimoji="1" lang="ja-JP" altLang="en-US" dirty="0"/>
-              <a:t>セルラーゼ製剤にフォーカスする中で、人工酵素設計技術の適用価値を探ることも目的です。</a:t>
+              <a:t>そこで、サプライチェーン全体から見たときの技術候補を調査し、その周辺知識を得ることが、この項目の目的です。</a:t>
             </a:r>
             <a:endParaRPr kumimoji="1" lang="en-US" altLang="ja-JP" dirty="0"/>
           </a:p>
           <a:p>
             <a:r>
               <a:rPr kumimoji="1" lang="ja-JP" altLang="en-US" dirty="0"/>
-              <a:t>論文や特許を調査することで、セルラーゼ製剤開発における方法や性能、課題を調べたり、業界構造を調べようと考えています。</a:t>
+              <a:t>例えば、生物触媒の使用を前提とした生産現場では、共通して探索アプローチから設計アプローチに代替する可能性がありますが、アプリケーションによって他の要素技術よりもその価値が大きいことがあるのかという事例を調べることが考えられます。</a:t>
             </a:r>
             <a:endParaRPr kumimoji="1" lang="en-US" altLang="ja-JP" dirty="0"/>
           </a:p>
           <a:p>
             <a:r>
               <a:rPr kumimoji="1" lang="ja-JP" altLang="en-US" dirty="0"/>
-              <a:t>その中で、セルラーゼの人工設計技術がどのような優位性があるのかを整理します。</a:t>
+              <a:t>他にも、探索・設計アプローチにしても、欠かせない技術があるはずです。</a:t>
             </a:r>
             <a:endParaRPr kumimoji="1" lang="en-US" altLang="ja-JP" dirty="0"/>
           </a:p>
           <a:p>
             <a:r>
               <a:rPr kumimoji="1" lang="ja-JP" altLang="en-US" dirty="0"/>
-              <a:t>これは、酵素改変の報告事例もいくつかありますが、糖化工程全体では、カクテル混合比率や前処理、酵素濃度と反応速度の関係など、様々な課題があげられます。</a:t>
+              <a:t>例えば、目的分子への反応経路が未知の場合は、逆合成解析やゲノムスケールでの代謝経路の把握が必要ですし、反応経路と酵素遺伝子の両方が既知の場合は、これらの経路を含む高生産系の細胞・微生物設計などが必要です。</a:t>
             </a:r>
             <a:endParaRPr kumimoji="1" lang="en-US" altLang="ja-JP" dirty="0"/>
           </a:p>
           <a:p>
             <a:r>
               <a:rPr kumimoji="1" lang="ja-JP" altLang="en-US" dirty="0"/>
-              <a:t>この課題の中で、酵素を高度に改変・設計する技術の優位性はどれだけあるのかを俯瞰して見定めたいと考えています。</a:t>
-            </a:r>
+              <a:t>このように、次期テーマを見据えて、必要な材料を見つけていきたいです。</a:t>
+            </a:r>
+            <a:endParaRPr kumimoji="1" lang="en-US" altLang="ja-JP" dirty="0"/>
           </a:p>
         </p:txBody>
       </p:sp>
@@ -1561,7 +2564,7 @@
           <a:p>
             <a:fld id="{234BF75D-FAA7-4C74-927E-D481AAC481B6}" type="slidenum">
               <a:rPr kumimoji="1" lang="ja-JP" altLang="en-US" smtClean="0"/>
-              <a:t>12</a:t>
+              <a:t>10</a:t>
             </a:fld>
             <a:endParaRPr kumimoji="1" lang="ja-JP" altLang="en-US"/>
           </a:p>
@@ -1570,7 +2573,7 @@
     </p:spTree>
     <p:extLst>
       <p:ext uri="{BB962C8B-B14F-4D97-AF65-F5344CB8AC3E}">
-        <p14:creationId xmlns:p14="http://schemas.microsoft.com/office/powerpoint/2010/main" val="1236370655"/>
+        <p14:creationId xmlns:p14="http://schemas.microsoft.com/office/powerpoint/2010/main" val="874348334"/>
       </p:ext>
     </p:extLst>
   </p:cSld>
@@ -1626,28 +2629,35 @@
           <a:p>
             <a:r>
               <a:rPr kumimoji="1" lang="ja-JP" altLang="en-US" dirty="0"/>
-              <a:t>③ー２は、もっと俯瞰した、高い視座での調査です。</a:t>
+              <a:t>そこで、サプライチェーン全体から見たときの技術候補を調査し、その周辺知識を得ることが、この項目の目的です。</a:t>
             </a:r>
             <a:endParaRPr kumimoji="1" lang="en-US" altLang="ja-JP" dirty="0"/>
           </a:p>
           <a:p>
             <a:r>
               <a:rPr kumimoji="1" lang="ja-JP" altLang="en-US" dirty="0"/>
-              <a:t>バイオ系物質生産は多様な目的があって、イノベでもいくつか関連テーマがあります。</a:t>
+              <a:t>例えば、生物触媒の使用を前提とした生産現場では、共通して探索アプローチから設計アプローチに代替する可能性がありますが、アプリケーションによって他の要素技術よりもその価値が大きいことがあるのかという事例を調べることが考えられます。</a:t>
             </a:r>
             <a:endParaRPr kumimoji="1" lang="en-US" altLang="ja-JP" dirty="0"/>
           </a:p>
           <a:p>
             <a:r>
               <a:rPr kumimoji="1" lang="ja-JP" altLang="en-US" dirty="0"/>
-              <a:t>しかし、右図のような共通するバリューチェーンを想定すると、設計技術は共通性が高く、適用される可能性があります。</a:t>
+              <a:t>他にも、探索・設計アプローチにしても、欠かせない技術があるはずです。</a:t>
             </a:r>
             <a:endParaRPr kumimoji="1" lang="en-US" altLang="ja-JP" dirty="0"/>
           </a:p>
           <a:p>
             <a:r>
               <a:rPr kumimoji="1" lang="ja-JP" altLang="en-US" dirty="0"/>
-              <a:t>一方、これまでのテーマでは、設計技術単体では到達できない何かしらの壁があり、実験技術を含めて、他にも必要な要素があることを実感しました。</a:t>
+              <a:t>例えば、目的分子への反応経路が未知の場合は、逆合成解析やゲノムスケールでの代謝経路の把握が必要ですし、反応経路と酵素遺伝子の両方が既知の場合は、これらの経路を含む高生産系の細胞・微生物設計などが必要です。</a:t>
+            </a:r>
+            <a:endParaRPr kumimoji="1" lang="en-US" altLang="ja-JP" dirty="0"/>
+          </a:p>
+          <a:p>
+            <a:r>
+              <a:rPr kumimoji="1" lang="ja-JP" altLang="en-US" dirty="0"/>
+              <a:t>このように、次期テーマを見据えて、必要な材料を見つけていきたいです。</a:t>
             </a:r>
             <a:endParaRPr kumimoji="1" lang="en-US" altLang="ja-JP" dirty="0"/>
           </a:p>
@@ -1670,7 +2680,7 @@
           <a:p>
             <a:fld id="{234BF75D-FAA7-4C74-927E-D481AAC481B6}" type="slidenum">
               <a:rPr kumimoji="1" lang="ja-JP" altLang="en-US" smtClean="0"/>
-              <a:t>13</a:t>
+              <a:t>11</a:t>
             </a:fld>
             <a:endParaRPr kumimoji="1" lang="ja-JP" altLang="en-US"/>
           </a:p>
@@ -1679,7 +2689,7 @@
     </p:spTree>
     <p:extLst>
       <p:ext uri="{BB962C8B-B14F-4D97-AF65-F5344CB8AC3E}">
-        <p14:creationId xmlns:p14="http://schemas.microsoft.com/office/powerpoint/2010/main" val="3234932474"/>
+        <p14:creationId xmlns:p14="http://schemas.microsoft.com/office/powerpoint/2010/main" val="1762340923"/>
       </p:ext>
     </p:extLst>
   </p:cSld>
@@ -10979,758 +11989,10 @@
       </p:sp>
       <p:sp>
         <p:nvSpPr>
-          <p:cNvPr id="7" name="テキスト プレースホルダー 3">
-            <a:extLst>
-              <a:ext uri="{FF2B5EF4-FFF2-40B4-BE49-F238E27FC236}">
-                <a16:creationId xmlns:a16="http://schemas.microsoft.com/office/drawing/2014/main" id="{291F981B-B4AE-4FD4-9296-21C8B50480E4}"/>
-              </a:ext>
-            </a:extLst>
-          </p:cNvPr>
-          <p:cNvSpPr>
-            <a:spLocks noGrp="1"/>
-          </p:cNvSpPr>
-          <p:nvPr>
-            <p:ph type="body" sz="quarter" idx="11"/>
-          </p:nvPr>
-        </p:nvSpPr>
-        <p:spPr>
-          <a:xfrm>
-            <a:off x="517056" y="1071368"/>
-            <a:ext cx="11170120" cy="575888"/>
-          </a:xfrm>
-        </p:spPr>
-        <p:txBody>
-          <a:bodyPr/>
-          <a:lstStyle/>
-          <a:p>
-            <a:pPr marL="457200" indent="-457200">
-              <a:buFont typeface="Wingdings" panose="05000000000000000000" pitchFamily="2" charset="2"/>
-              <a:buChar char="n"/>
-            </a:pPr>
-            <a:r>
-              <a:rPr kumimoji="1" lang="en-US" altLang="ja-JP" sz="2800" dirty="0">
-                <a:solidFill>
-                  <a:schemeClr val="accent1"/>
-                </a:solidFill>
-              </a:rPr>
-              <a:t>FY22</a:t>
-            </a:r>
-            <a:r>
-              <a:rPr kumimoji="1" lang="ja-JP" altLang="en-US" sz="2800" dirty="0">
-                <a:solidFill>
-                  <a:schemeClr val="accent1"/>
-                </a:solidFill>
-              </a:rPr>
-              <a:t>下期の調査は、相互関連性と優先度が高い項目に限定する。</a:t>
-            </a:r>
-            <a:endParaRPr lang="en-US" altLang="ja-JP" sz="1800" dirty="0">
-              <a:solidFill>
-                <a:schemeClr val="accent1"/>
-              </a:solidFill>
-            </a:endParaRPr>
-          </a:p>
-        </p:txBody>
-      </p:sp>
-      <p:sp>
-        <p:nvSpPr>
-          <p:cNvPr id="2" name="正方形/長方形 1">
-            <a:extLst>
-              <a:ext uri="{FF2B5EF4-FFF2-40B4-BE49-F238E27FC236}">
-                <a16:creationId xmlns:a16="http://schemas.microsoft.com/office/drawing/2014/main" id="{F2194457-9556-42A1-886A-657DF2908DEE}"/>
-              </a:ext>
-            </a:extLst>
-          </p:cNvPr>
-          <p:cNvSpPr/>
-          <p:nvPr/>
-        </p:nvSpPr>
-        <p:spPr>
-          <a:xfrm>
-            <a:off x="589196" y="2035922"/>
-            <a:ext cx="4497154" cy="428351"/>
-          </a:xfrm>
-          <a:prstGeom prst="rect">
-            <a:avLst/>
-          </a:prstGeom>
-          <a:solidFill>
-            <a:schemeClr val="accent1"/>
-          </a:solidFill>
-        </p:spPr>
-        <p:style>
-          <a:lnRef idx="2">
-            <a:schemeClr val="accent1">
-              <a:shade val="50000"/>
-            </a:schemeClr>
-          </a:lnRef>
-          <a:fillRef idx="1">
-            <a:schemeClr val="accent1"/>
-          </a:fillRef>
-          <a:effectRef idx="0">
-            <a:schemeClr val="accent1"/>
-          </a:effectRef>
-          <a:fontRef idx="minor">
-            <a:schemeClr val="lt1"/>
-          </a:fontRef>
-        </p:style>
-        <p:txBody>
-          <a:bodyPr rtlCol="0" anchor="ctr"/>
-          <a:lstStyle/>
-          <a:p>
-            <a:pPr algn="ctr"/>
-            <a:r>
-              <a:rPr kumimoji="1" lang="ja-JP" altLang="en-US" dirty="0">
-                <a:solidFill>
-                  <a:schemeClr val="bg1"/>
-                </a:solidFill>
-              </a:rPr>
-              <a:t>②セルロース分解酵素の実験検証</a:t>
-            </a:r>
-          </a:p>
-        </p:txBody>
-      </p:sp>
-      <p:sp>
-        <p:nvSpPr>
-          <p:cNvPr id="9" name="正方形/長方形 8">
-            <a:extLst>
-              <a:ext uri="{FF2B5EF4-FFF2-40B4-BE49-F238E27FC236}">
-                <a16:creationId xmlns:a16="http://schemas.microsoft.com/office/drawing/2014/main" id="{FE282B96-CEA2-4154-AEF4-E2B3E42F264F}"/>
-              </a:ext>
-            </a:extLst>
-          </p:cNvPr>
-          <p:cNvSpPr/>
-          <p:nvPr/>
-        </p:nvSpPr>
-        <p:spPr>
-          <a:xfrm>
-            <a:off x="6789971" y="2035922"/>
-            <a:ext cx="4497154" cy="428351"/>
-          </a:xfrm>
-          <a:prstGeom prst="rect">
-            <a:avLst/>
-          </a:prstGeom>
-          <a:solidFill>
-            <a:schemeClr val="accent1"/>
-          </a:solidFill>
-        </p:spPr>
-        <p:style>
-          <a:lnRef idx="2">
-            <a:schemeClr val="accent1">
-              <a:shade val="50000"/>
-            </a:schemeClr>
-          </a:lnRef>
-          <a:fillRef idx="1">
-            <a:schemeClr val="accent1"/>
-          </a:fillRef>
-          <a:effectRef idx="0">
-            <a:schemeClr val="accent1"/>
-          </a:effectRef>
-          <a:fontRef idx="minor">
-            <a:schemeClr val="lt1"/>
-          </a:fontRef>
-        </p:style>
-        <p:txBody>
-          <a:bodyPr rtlCol="0" anchor="ctr"/>
-          <a:lstStyle/>
-          <a:p>
-            <a:pPr algn="ctr"/>
-            <a:r>
-              <a:rPr kumimoji="1" lang="ja-JP" altLang="en-US" dirty="0">
-                <a:solidFill>
-                  <a:schemeClr val="bg1"/>
-                </a:solidFill>
-              </a:rPr>
-              <a:t>③ー１セルラーゼ製剤の調査</a:t>
-            </a:r>
-          </a:p>
-        </p:txBody>
-      </p:sp>
-      <p:sp>
-        <p:nvSpPr>
-          <p:cNvPr id="11" name="正方形/長方形 10">
-            <a:extLst>
-              <a:ext uri="{FF2B5EF4-FFF2-40B4-BE49-F238E27FC236}">
-                <a16:creationId xmlns:a16="http://schemas.microsoft.com/office/drawing/2014/main" id="{B0D900E2-77B1-42E7-BF3B-6F6977E5EE0F}"/>
-              </a:ext>
-            </a:extLst>
-          </p:cNvPr>
-          <p:cNvSpPr/>
-          <p:nvPr/>
-        </p:nvSpPr>
-        <p:spPr>
-          <a:xfrm>
-            <a:off x="3547385" y="4615630"/>
-            <a:ext cx="4791695" cy="428351"/>
-          </a:xfrm>
-          <a:prstGeom prst="rect">
-            <a:avLst/>
-          </a:prstGeom>
-          <a:solidFill>
-            <a:schemeClr val="accent1"/>
-          </a:solidFill>
-        </p:spPr>
-        <p:style>
-          <a:lnRef idx="2">
-            <a:schemeClr val="accent1">
-              <a:shade val="50000"/>
-            </a:schemeClr>
-          </a:lnRef>
-          <a:fillRef idx="1">
-            <a:schemeClr val="accent1"/>
-          </a:fillRef>
-          <a:effectRef idx="0">
-            <a:schemeClr val="accent1"/>
-          </a:effectRef>
-          <a:fontRef idx="minor">
-            <a:schemeClr val="lt1"/>
-          </a:fontRef>
-        </p:style>
-        <p:txBody>
-          <a:bodyPr rtlCol="0" anchor="ctr"/>
-          <a:lstStyle/>
-          <a:p>
-            <a:pPr algn="ctr"/>
-            <a:r>
-              <a:rPr kumimoji="1" lang="ja-JP" altLang="en-US" dirty="0">
-                <a:solidFill>
-                  <a:schemeClr val="bg1"/>
-                </a:solidFill>
-              </a:rPr>
-              <a:t>③ー２バイオ系物質生産における要素技術調査</a:t>
-            </a:r>
-          </a:p>
-        </p:txBody>
-      </p:sp>
-      <p:sp>
-        <p:nvSpPr>
-          <p:cNvPr id="12" name="テキスト ボックス 11">
-            <a:extLst>
-              <a:ext uri="{FF2B5EF4-FFF2-40B4-BE49-F238E27FC236}">
-                <a16:creationId xmlns:a16="http://schemas.microsoft.com/office/drawing/2014/main" id="{C7C0D27B-2CE9-4EED-B06E-220486F54052}"/>
-              </a:ext>
-            </a:extLst>
-          </p:cNvPr>
-          <p:cNvSpPr txBox="1"/>
-          <p:nvPr/>
-        </p:nvSpPr>
-        <p:spPr>
-          <a:xfrm>
-            <a:off x="545128" y="2614965"/>
-            <a:ext cx="4935967" cy="369332"/>
-          </a:xfrm>
-          <a:prstGeom prst="rect">
-            <a:avLst/>
-          </a:prstGeom>
-          <a:noFill/>
-        </p:spPr>
-        <p:txBody>
-          <a:bodyPr wrap="none" rtlCol="0">
-            <a:spAutoFit/>
-          </a:bodyPr>
-          <a:lstStyle/>
-          <a:p>
-            <a:r>
-              <a:rPr kumimoji="1" lang="ja-JP" altLang="en-US" dirty="0"/>
-              <a:t>設計</a:t>
-            </a:r>
-            <a:r>
-              <a:rPr kumimoji="1" lang="en-US" altLang="ja-JP" dirty="0"/>
-              <a:t>CBD</a:t>
-            </a:r>
-            <a:r>
-              <a:rPr kumimoji="1" lang="ja-JP" altLang="en-US" dirty="0"/>
-              <a:t>を含む酵素の合成・評価の可能性を検証</a:t>
-            </a:r>
-          </a:p>
-        </p:txBody>
-      </p:sp>
-      <p:sp>
-        <p:nvSpPr>
-          <p:cNvPr id="13" name="テキスト ボックス 12">
-            <a:extLst>
-              <a:ext uri="{FF2B5EF4-FFF2-40B4-BE49-F238E27FC236}">
-                <a16:creationId xmlns:a16="http://schemas.microsoft.com/office/drawing/2014/main" id="{ABBE04FD-190F-43B8-989F-1473273CA8AD}"/>
-              </a:ext>
-            </a:extLst>
-          </p:cNvPr>
-          <p:cNvSpPr txBox="1"/>
-          <p:nvPr/>
-        </p:nvSpPr>
-        <p:spPr>
-          <a:xfrm>
-            <a:off x="545128" y="2984071"/>
-            <a:ext cx="4791696" cy="369332"/>
-          </a:xfrm>
-          <a:prstGeom prst="rect">
-            <a:avLst/>
-          </a:prstGeom>
-          <a:noFill/>
-        </p:spPr>
-        <p:txBody>
-          <a:bodyPr wrap="none" rtlCol="0">
-            <a:spAutoFit/>
-          </a:bodyPr>
-          <a:lstStyle/>
-          <a:p>
-            <a:r>
-              <a:rPr kumimoji="1" lang="ja-JP" altLang="en-US" dirty="0"/>
-              <a:t>設計</a:t>
-            </a:r>
-            <a:r>
-              <a:rPr kumimoji="1" lang="en-US" altLang="ja-JP" dirty="0"/>
-              <a:t>CBD</a:t>
-            </a:r>
-            <a:r>
-              <a:rPr kumimoji="1" lang="ja-JP" altLang="en-US" dirty="0"/>
-              <a:t>とセルロース分解活性との関係性の検証</a:t>
-            </a:r>
-          </a:p>
-        </p:txBody>
-      </p:sp>
-      <p:sp>
-        <p:nvSpPr>
-          <p:cNvPr id="14" name="テキスト ボックス 13">
-            <a:extLst>
-              <a:ext uri="{FF2B5EF4-FFF2-40B4-BE49-F238E27FC236}">
-                <a16:creationId xmlns:a16="http://schemas.microsoft.com/office/drawing/2014/main" id="{50A5CA0C-035E-43B4-BB0C-F3162D1643E3}"/>
-              </a:ext>
-            </a:extLst>
-          </p:cNvPr>
-          <p:cNvSpPr txBox="1"/>
-          <p:nvPr/>
-        </p:nvSpPr>
-        <p:spPr>
-          <a:xfrm>
-            <a:off x="1294208" y="3357167"/>
-            <a:ext cx="4155700" cy="338554"/>
-          </a:xfrm>
-          <a:prstGeom prst="rect">
-            <a:avLst/>
-          </a:prstGeom>
-          <a:noFill/>
-        </p:spPr>
-        <p:txBody>
-          <a:bodyPr wrap="square" rtlCol="0">
-            <a:spAutoFit/>
-          </a:bodyPr>
-          <a:lstStyle/>
-          <a:p>
-            <a:r>
-              <a:rPr kumimoji="1" lang="en-US" altLang="ja-JP" sz="1600" dirty="0" err="1"/>
-              <a:t>Te</a:t>
-            </a:r>
-            <a:r>
-              <a:rPr kumimoji="1" lang="en-US" altLang="ja-JP" sz="1600" dirty="0"/>
-              <a:t>-Tr Cel7A</a:t>
-            </a:r>
-            <a:r>
-              <a:rPr kumimoji="1" lang="ja-JP" altLang="en-US" sz="1600" dirty="0"/>
-              <a:t>、</a:t>
-            </a:r>
-            <a:r>
-              <a:rPr kumimoji="1" lang="en-US" altLang="ja-JP" sz="1600" dirty="0"/>
-              <a:t>PcCel7D</a:t>
-            </a:r>
-            <a:r>
-              <a:rPr kumimoji="1" lang="ja-JP" altLang="en-US" sz="1600" dirty="0"/>
-              <a:t>、</a:t>
-            </a:r>
-            <a:r>
-              <a:rPr kumimoji="1" lang="en-US" altLang="ja-JP" sz="1600" dirty="0"/>
-              <a:t>TrCel7A</a:t>
-            </a:r>
-            <a:r>
-              <a:rPr kumimoji="1" lang="ja-JP" altLang="en-US" sz="1400" dirty="0"/>
-              <a:t>（＠</a:t>
-            </a:r>
-            <a:r>
-              <a:rPr kumimoji="1" lang="en-US" altLang="ja-JP" sz="1400" dirty="0"/>
-              <a:t>Pichia</a:t>
-            </a:r>
-            <a:r>
-              <a:rPr kumimoji="1" lang="ja-JP" altLang="en-US" sz="1400" dirty="0"/>
-              <a:t>）</a:t>
-            </a:r>
-          </a:p>
-        </p:txBody>
-      </p:sp>
-      <p:sp>
-        <p:nvSpPr>
-          <p:cNvPr id="15" name="テキスト ボックス 14">
-            <a:extLst>
-              <a:ext uri="{FF2B5EF4-FFF2-40B4-BE49-F238E27FC236}">
-                <a16:creationId xmlns:a16="http://schemas.microsoft.com/office/drawing/2014/main" id="{5F327FAB-3B9D-4DB0-9480-2970AEAB562A}"/>
-              </a:ext>
-            </a:extLst>
-          </p:cNvPr>
-          <p:cNvSpPr txBox="1"/>
-          <p:nvPr/>
-        </p:nvSpPr>
-        <p:spPr>
-          <a:xfrm>
-            <a:off x="7156383" y="2571951"/>
-            <a:ext cx="4038865" cy="923330"/>
-          </a:xfrm>
-          <a:prstGeom prst="rect">
-            <a:avLst/>
-          </a:prstGeom>
-          <a:noFill/>
-        </p:spPr>
-        <p:txBody>
-          <a:bodyPr wrap="square" rtlCol="0">
-            <a:spAutoFit/>
-          </a:bodyPr>
-          <a:lstStyle/>
-          <a:p>
-            <a:r>
-              <a:rPr kumimoji="1" lang="ja-JP" altLang="en-US" dirty="0"/>
-              <a:t>（長期的には他の市場も想定するが）</a:t>
-            </a:r>
-            <a:endParaRPr kumimoji="1" lang="en-US" altLang="ja-JP" dirty="0"/>
-          </a:p>
-          <a:p>
-            <a:r>
-              <a:rPr kumimoji="1" lang="ja-JP" altLang="en-US" dirty="0"/>
-              <a:t>セルラーゼ製剤開発にフォーカスしたときに、セルラーゼを人工設計する価値を探る</a:t>
-            </a:r>
-          </a:p>
-        </p:txBody>
-      </p:sp>
-      <p:cxnSp>
-        <p:nvCxnSpPr>
-          <p:cNvPr id="6" name="直線矢印コネクタ 5">
-            <a:extLst>
-              <a:ext uri="{FF2B5EF4-FFF2-40B4-BE49-F238E27FC236}">
-                <a16:creationId xmlns:a16="http://schemas.microsoft.com/office/drawing/2014/main" id="{65D31A15-9409-4695-86B6-C7B6450FBE9A}"/>
-              </a:ext>
-            </a:extLst>
-          </p:cNvPr>
-          <p:cNvCxnSpPr/>
-          <p:nvPr/>
-        </p:nvCxnSpPr>
-        <p:spPr>
-          <a:xfrm>
-            <a:off x="5380892" y="2321199"/>
-            <a:ext cx="1124683" cy="0"/>
-          </a:xfrm>
-          <a:prstGeom prst="straightConnector1">
-            <a:avLst/>
-          </a:prstGeom>
-          <a:ln>
-            <a:headEnd type="triangle"/>
-            <a:tailEnd type="triangle"/>
-          </a:ln>
-        </p:spPr>
-        <p:style>
-          <a:lnRef idx="1">
-            <a:schemeClr val="accent1"/>
-          </a:lnRef>
-          <a:fillRef idx="0">
-            <a:schemeClr val="accent1"/>
-          </a:fillRef>
-          <a:effectRef idx="0">
-            <a:schemeClr val="accent1"/>
-          </a:effectRef>
-          <a:fontRef idx="minor">
-            <a:schemeClr val="tx1"/>
-          </a:fontRef>
-        </p:style>
-      </p:cxnSp>
-      <p:sp>
-        <p:nvSpPr>
-          <p:cNvPr id="16" name="テキスト ボックス 15">
-            <a:extLst>
-              <a:ext uri="{FF2B5EF4-FFF2-40B4-BE49-F238E27FC236}">
-                <a16:creationId xmlns:a16="http://schemas.microsoft.com/office/drawing/2014/main" id="{04140406-188C-47EB-B941-50A8A30384DD}"/>
-              </a:ext>
-            </a:extLst>
-          </p:cNvPr>
-          <p:cNvSpPr txBox="1"/>
-          <p:nvPr/>
-        </p:nvSpPr>
-        <p:spPr>
-          <a:xfrm>
-            <a:off x="5294658" y="1946444"/>
-            <a:ext cx="1297150" cy="369332"/>
-          </a:xfrm>
-          <a:prstGeom prst="rect">
-            <a:avLst/>
-          </a:prstGeom>
-          <a:noFill/>
-        </p:spPr>
-        <p:txBody>
-          <a:bodyPr wrap="none" rtlCol="0">
-            <a:spAutoFit/>
-          </a:bodyPr>
-          <a:lstStyle/>
-          <a:p>
-            <a:r>
-              <a:rPr kumimoji="1" lang="ja-JP" altLang="en-US" b="1" dirty="0">
-                <a:solidFill>
-                  <a:schemeClr val="accent1"/>
-                </a:solidFill>
-              </a:rPr>
-              <a:t>関係が深い</a:t>
-            </a:r>
-          </a:p>
-        </p:txBody>
-      </p:sp>
-      <p:sp>
-        <p:nvSpPr>
-          <p:cNvPr id="8" name="二等辺三角形 7">
-            <a:extLst>
-              <a:ext uri="{FF2B5EF4-FFF2-40B4-BE49-F238E27FC236}">
-                <a16:creationId xmlns:a16="http://schemas.microsoft.com/office/drawing/2014/main" id="{C77AE99F-6E2B-4778-8AAA-96BAEACE045F}"/>
-              </a:ext>
-            </a:extLst>
-          </p:cNvPr>
-          <p:cNvSpPr/>
-          <p:nvPr/>
-        </p:nvSpPr>
-        <p:spPr>
-          <a:xfrm flipV="1">
-            <a:off x="5343834" y="4033780"/>
-            <a:ext cx="1217846" cy="235152"/>
-          </a:xfrm>
-          <a:prstGeom prst="triangle">
-            <a:avLst/>
-          </a:prstGeom>
-          <a:solidFill>
-            <a:schemeClr val="bg1">
-              <a:lumMod val="75000"/>
-            </a:schemeClr>
-          </a:solidFill>
-          <a:ln>
-            <a:noFill/>
-          </a:ln>
-        </p:spPr>
-        <p:style>
-          <a:lnRef idx="2">
-            <a:schemeClr val="accent1">
-              <a:shade val="50000"/>
-            </a:schemeClr>
-          </a:lnRef>
-          <a:fillRef idx="1">
-            <a:schemeClr val="accent1"/>
-          </a:fillRef>
-          <a:effectRef idx="0">
-            <a:schemeClr val="accent1"/>
-          </a:effectRef>
-          <a:fontRef idx="minor">
-            <a:schemeClr val="lt1"/>
-          </a:fontRef>
-        </p:style>
-        <p:txBody>
-          <a:bodyPr rtlCol="0" anchor="ctr"/>
-          <a:lstStyle/>
-          <a:p>
-            <a:pPr algn="ctr"/>
-            <a:endParaRPr kumimoji="1" lang="ja-JP" altLang="en-US">
-              <a:solidFill>
-                <a:schemeClr val="tx1"/>
-              </a:solidFill>
-            </a:endParaRPr>
-          </a:p>
-        </p:txBody>
-      </p:sp>
-      <p:sp>
-        <p:nvSpPr>
-          <p:cNvPr id="17" name="テキスト ボックス 16">
-            <a:extLst>
-              <a:ext uri="{FF2B5EF4-FFF2-40B4-BE49-F238E27FC236}">
-                <a16:creationId xmlns:a16="http://schemas.microsoft.com/office/drawing/2014/main" id="{3A3A576B-1C6E-4352-9EFC-A672C50506C9}"/>
-              </a:ext>
-            </a:extLst>
-          </p:cNvPr>
-          <p:cNvSpPr txBox="1"/>
-          <p:nvPr/>
-        </p:nvSpPr>
-        <p:spPr>
-          <a:xfrm>
-            <a:off x="6652733" y="3941108"/>
-            <a:ext cx="1717137" cy="369332"/>
-          </a:xfrm>
-          <a:prstGeom prst="rect">
-            <a:avLst/>
-          </a:prstGeom>
-          <a:noFill/>
-        </p:spPr>
-        <p:txBody>
-          <a:bodyPr wrap="none" rtlCol="0">
-            <a:spAutoFit/>
-          </a:bodyPr>
-          <a:lstStyle/>
-          <a:p>
-            <a:r>
-              <a:rPr kumimoji="1" lang="ja-JP" altLang="en-US" b="1" dirty="0">
-                <a:solidFill>
-                  <a:schemeClr val="accent1"/>
-                </a:solidFill>
-              </a:rPr>
-              <a:t>発展の位置づけ</a:t>
-            </a:r>
-          </a:p>
-        </p:txBody>
-      </p:sp>
-      <p:sp>
-        <p:nvSpPr>
-          <p:cNvPr id="18" name="テキスト ボックス 17">
-            <a:extLst>
-              <a:ext uri="{FF2B5EF4-FFF2-40B4-BE49-F238E27FC236}">
-                <a16:creationId xmlns:a16="http://schemas.microsoft.com/office/drawing/2014/main" id="{3F391651-DC85-4C20-A5A3-39A1FDD46C84}"/>
-              </a:ext>
-            </a:extLst>
-          </p:cNvPr>
-          <p:cNvSpPr txBox="1"/>
-          <p:nvPr/>
-        </p:nvSpPr>
-        <p:spPr>
-          <a:xfrm>
-            <a:off x="3941734" y="5117757"/>
-            <a:ext cx="4155666" cy="646331"/>
-          </a:xfrm>
-          <a:prstGeom prst="rect">
-            <a:avLst/>
-          </a:prstGeom>
-          <a:noFill/>
-        </p:spPr>
-        <p:txBody>
-          <a:bodyPr wrap="square" rtlCol="0">
-            <a:spAutoFit/>
-          </a:bodyPr>
-          <a:lstStyle/>
-          <a:p>
-            <a:r>
-              <a:rPr kumimoji="1" lang="ja-JP" altLang="en-US" dirty="0"/>
-              <a:t>バイオ系物質生産における、探索ではない人工設計アプローチの価値を探る</a:t>
-            </a:r>
-          </a:p>
-        </p:txBody>
-      </p:sp>
-      <p:sp>
-        <p:nvSpPr>
-          <p:cNvPr id="20" name="テキスト ボックス 19">
-            <a:extLst>
-              <a:ext uri="{FF2B5EF4-FFF2-40B4-BE49-F238E27FC236}">
-                <a16:creationId xmlns:a16="http://schemas.microsoft.com/office/drawing/2014/main" id="{906FE4BB-464C-4257-A3CA-17905A36317C}"/>
-              </a:ext>
-            </a:extLst>
-          </p:cNvPr>
-          <p:cNvSpPr txBox="1"/>
-          <p:nvPr/>
-        </p:nvSpPr>
-        <p:spPr>
-          <a:xfrm>
-            <a:off x="9860316" y="3530085"/>
-            <a:ext cx="1486304" cy="369332"/>
-          </a:xfrm>
-          <a:prstGeom prst="rect">
-            <a:avLst/>
-          </a:prstGeom>
-          <a:noFill/>
-        </p:spPr>
-        <p:txBody>
-          <a:bodyPr wrap="none" rtlCol="0">
-            <a:spAutoFit/>
-          </a:bodyPr>
-          <a:lstStyle/>
-          <a:p>
-            <a:r>
-              <a:rPr kumimoji="1" lang="ja-JP" altLang="en-US" dirty="0">
-                <a:solidFill>
-                  <a:schemeClr val="accent4"/>
-                </a:solidFill>
-              </a:rPr>
-              <a:t>優先度が高い</a:t>
-            </a:r>
-          </a:p>
-        </p:txBody>
-      </p:sp>
-      <p:sp>
-        <p:nvSpPr>
-          <p:cNvPr id="21" name="テキスト ボックス 20">
-            <a:extLst>
-              <a:ext uri="{FF2B5EF4-FFF2-40B4-BE49-F238E27FC236}">
-                <a16:creationId xmlns:a16="http://schemas.microsoft.com/office/drawing/2014/main" id="{2AACCE39-4E6E-427A-B2BC-5B295506666C}"/>
-              </a:ext>
-            </a:extLst>
-          </p:cNvPr>
-          <p:cNvSpPr txBox="1"/>
-          <p:nvPr/>
-        </p:nvSpPr>
-        <p:spPr>
-          <a:xfrm>
-            <a:off x="8393949" y="4898139"/>
-            <a:ext cx="3523231" cy="646331"/>
-          </a:xfrm>
-          <a:prstGeom prst="rect">
-            <a:avLst/>
-          </a:prstGeom>
-          <a:noFill/>
-        </p:spPr>
-        <p:txBody>
-          <a:bodyPr wrap="square" rtlCol="0">
-            <a:spAutoFit/>
-          </a:bodyPr>
-          <a:lstStyle/>
-          <a:p>
-            <a:r>
-              <a:rPr kumimoji="1" lang="ja-JP" altLang="en-US" dirty="0">
-                <a:solidFill>
-                  <a:schemeClr val="tx1">
-                    <a:lumMod val="50000"/>
-                    <a:lumOff val="50000"/>
-                  </a:schemeClr>
-                </a:solidFill>
-              </a:rPr>
-              <a:t>優先度は低いが、次期テーマを見据えて、少し着手しておきたい</a:t>
-            </a:r>
-          </a:p>
-        </p:txBody>
-      </p:sp>
-      <p:sp>
-        <p:nvSpPr>
-          <p:cNvPr id="19" name="テキスト ボックス 18">
-            <a:extLst>
-              <a:ext uri="{FF2B5EF4-FFF2-40B4-BE49-F238E27FC236}">
-                <a16:creationId xmlns:a16="http://schemas.microsoft.com/office/drawing/2014/main" id="{0DDD5F5F-409A-439E-B9E6-1135373EEF86}"/>
-              </a:ext>
-            </a:extLst>
-          </p:cNvPr>
-          <p:cNvSpPr txBox="1"/>
-          <p:nvPr/>
-        </p:nvSpPr>
-        <p:spPr>
-          <a:xfrm>
-            <a:off x="545128" y="3730265"/>
-            <a:ext cx="2137124" cy="369332"/>
-          </a:xfrm>
-          <a:prstGeom prst="rect">
-            <a:avLst/>
-          </a:prstGeom>
-          <a:noFill/>
-        </p:spPr>
-        <p:txBody>
-          <a:bodyPr wrap="none" rtlCol="0">
-            <a:spAutoFit/>
-          </a:bodyPr>
-          <a:lstStyle/>
-          <a:p>
-            <a:r>
-              <a:rPr kumimoji="1" lang="ja-JP" altLang="en-US" dirty="0">
-                <a:solidFill>
-                  <a:schemeClr val="accent1"/>
-                </a:solidFill>
-              </a:rPr>
-              <a:t>東大での実験が該当</a:t>
-            </a:r>
-          </a:p>
-        </p:txBody>
-      </p:sp>
-      <p:sp>
-        <p:nvSpPr>
-          <p:cNvPr id="22" name="タイトル 1">
-            <a:extLst>
-              <a:ext uri="{FF2B5EF4-FFF2-40B4-BE49-F238E27FC236}">
-                <a16:creationId xmlns:a16="http://schemas.microsoft.com/office/drawing/2014/main" id="{CD3E101C-68C6-4E9C-9AF3-3A527A43D6DB}"/>
+          <p:cNvPr id="10" name="タイトル 1">
+            <a:extLst>
+              <a:ext uri="{FF2B5EF4-FFF2-40B4-BE49-F238E27FC236}">
+                <a16:creationId xmlns:a16="http://schemas.microsoft.com/office/drawing/2014/main" id="{0B741DA3-801A-4F30-83B2-12C70BEDD5CB}"/>
               </a:ext>
             </a:extLst>
           </p:cNvPr>
@@ -11741,7 +12003,7 @@
         </p:nvSpPr>
         <p:spPr>
           <a:xfrm>
-            <a:off x="517055" y="239225"/>
+            <a:off x="517056" y="238866"/>
             <a:ext cx="11400125" cy="518094"/>
           </a:xfrm>
           <a:prstGeom prst="rect">
@@ -11774,6 +12036,2290 @@
           <a:p>
             <a:r>
               <a:rPr lang="ja-JP" altLang="en-US" dirty="0"/>
+              <a:t>バイオマス利用率（</a:t>
+            </a:r>
+            <a:r>
+              <a:rPr lang="en-US" altLang="ja-JP" dirty="0"/>
+              <a:t>2010</a:t>
+            </a:r>
+            <a:r>
+              <a:rPr lang="ja-JP" altLang="en-US" dirty="0"/>
+              <a:t>）</a:t>
+            </a:r>
+          </a:p>
+        </p:txBody>
+      </p:sp>
+      <p:sp>
+        <p:nvSpPr>
+          <p:cNvPr id="11" name="テキスト ボックス 10">
+            <a:extLst>
+              <a:ext uri="{FF2B5EF4-FFF2-40B4-BE49-F238E27FC236}">
+                <a16:creationId xmlns:a16="http://schemas.microsoft.com/office/drawing/2014/main" id="{B65E6020-5960-414D-8861-CC3A23493130}"/>
+              </a:ext>
+            </a:extLst>
+          </p:cNvPr>
+          <p:cNvSpPr txBox="1"/>
+          <p:nvPr/>
+        </p:nvSpPr>
+        <p:spPr>
+          <a:xfrm>
+            <a:off x="571985" y="-20771"/>
+            <a:ext cx="2836193" cy="338554"/>
+          </a:xfrm>
+          <a:prstGeom prst="rect">
+            <a:avLst/>
+          </a:prstGeom>
+          <a:noFill/>
+        </p:spPr>
+        <p:txBody>
+          <a:bodyPr wrap="square" rtlCol="0">
+            <a:spAutoFit/>
+          </a:bodyPr>
+          <a:lstStyle/>
+          <a:p>
+            <a:r>
+              <a:rPr kumimoji="1" lang="en-US" altLang="ja-JP" sz="1600" b="1" dirty="0">
+                <a:solidFill>
+                  <a:schemeClr val="bg1"/>
+                </a:solidFill>
+              </a:rPr>
+              <a:t>2. </a:t>
+            </a:r>
+            <a:r>
+              <a:rPr kumimoji="1" lang="ja-JP" altLang="en-US" sz="1600" b="1" dirty="0">
+                <a:solidFill>
+                  <a:schemeClr val="bg1"/>
+                </a:solidFill>
+              </a:rPr>
+              <a:t>調査活動</a:t>
+            </a:r>
+          </a:p>
+        </p:txBody>
+      </p:sp>
+      <p:sp>
+        <p:nvSpPr>
+          <p:cNvPr id="12" name="正方形/長方形 11">
+            <a:extLst>
+              <a:ext uri="{FF2B5EF4-FFF2-40B4-BE49-F238E27FC236}">
+                <a16:creationId xmlns:a16="http://schemas.microsoft.com/office/drawing/2014/main" id="{59949D2D-0CC5-4040-B841-D1F010150859}"/>
+              </a:ext>
+            </a:extLst>
+          </p:cNvPr>
+          <p:cNvSpPr/>
+          <p:nvPr/>
+        </p:nvSpPr>
+        <p:spPr>
+          <a:xfrm>
+            <a:off x="2055759" y="1103739"/>
+            <a:ext cx="2785277" cy="406265"/>
+          </a:xfrm>
+          <a:prstGeom prst="rect">
+            <a:avLst/>
+          </a:prstGeom>
+          <a:solidFill>
+            <a:schemeClr val="accent1"/>
+          </a:solidFill>
+        </p:spPr>
+        <p:style>
+          <a:lnRef idx="2">
+            <a:schemeClr val="accent1">
+              <a:shade val="50000"/>
+            </a:schemeClr>
+          </a:lnRef>
+          <a:fillRef idx="1">
+            <a:schemeClr val="accent1"/>
+          </a:fillRef>
+          <a:effectRef idx="0">
+            <a:schemeClr val="accent1"/>
+          </a:effectRef>
+          <a:fontRef idx="minor">
+            <a:schemeClr val="lt1"/>
+          </a:fontRef>
+        </p:style>
+        <p:txBody>
+          <a:bodyPr rtlCol="0" anchor="ctr"/>
+          <a:lstStyle/>
+          <a:p>
+            <a:pPr algn="ctr"/>
+            <a:r>
+              <a:rPr kumimoji="1" lang="ja-JP" altLang="en-US" sz="2000" dirty="0">
+                <a:solidFill>
+                  <a:schemeClr val="bg1"/>
+                </a:solidFill>
+              </a:rPr>
+              <a:t>廃棄物系</a:t>
+            </a:r>
+          </a:p>
+        </p:txBody>
+      </p:sp>
+      <p:sp>
+        <p:nvSpPr>
+          <p:cNvPr id="4" name="正方形/長方形 3">
+            <a:extLst>
+              <a:ext uri="{FF2B5EF4-FFF2-40B4-BE49-F238E27FC236}">
+                <a16:creationId xmlns:a16="http://schemas.microsoft.com/office/drawing/2014/main" id="{3B46268F-CBB4-369C-C084-4CE62C40E512}"/>
+              </a:ext>
+            </a:extLst>
+          </p:cNvPr>
+          <p:cNvSpPr/>
+          <p:nvPr/>
+        </p:nvSpPr>
+        <p:spPr>
+          <a:xfrm>
+            <a:off x="5384905" y="1103739"/>
+            <a:ext cx="2785277" cy="406265"/>
+          </a:xfrm>
+          <a:prstGeom prst="rect">
+            <a:avLst/>
+          </a:prstGeom>
+          <a:solidFill>
+            <a:schemeClr val="accent1"/>
+          </a:solidFill>
+        </p:spPr>
+        <p:style>
+          <a:lnRef idx="2">
+            <a:schemeClr val="accent1">
+              <a:shade val="50000"/>
+            </a:schemeClr>
+          </a:lnRef>
+          <a:fillRef idx="1">
+            <a:schemeClr val="accent1"/>
+          </a:fillRef>
+          <a:effectRef idx="0">
+            <a:schemeClr val="accent1"/>
+          </a:effectRef>
+          <a:fontRef idx="minor">
+            <a:schemeClr val="lt1"/>
+          </a:fontRef>
+        </p:style>
+        <p:txBody>
+          <a:bodyPr rtlCol="0" anchor="ctr"/>
+          <a:lstStyle/>
+          <a:p>
+            <a:pPr algn="ctr"/>
+            <a:r>
+              <a:rPr kumimoji="1" lang="ja-JP" altLang="en-US" sz="2000" dirty="0">
+                <a:solidFill>
+                  <a:schemeClr val="bg1"/>
+                </a:solidFill>
+              </a:rPr>
+              <a:t>未利用系</a:t>
+            </a:r>
+          </a:p>
+        </p:txBody>
+      </p:sp>
+      <p:sp>
+        <p:nvSpPr>
+          <p:cNvPr id="5" name="正方形/長方形 4">
+            <a:extLst>
+              <a:ext uri="{FF2B5EF4-FFF2-40B4-BE49-F238E27FC236}">
+                <a16:creationId xmlns:a16="http://schemas.microsoft.com/office/drawing/2014/main" id="{7EB78BB3-D597-B04D-60CC-CA0A1E0CADA3}"/>
+              </a:ext>
+            </a:extLst>
+          </p:cNvPr>
+          <p:cNvSpPr/>
+          <p:nvPr/>
+        </p:nvSpPr>
+        <p:spPr>
+          <a:xfrm>
+            <a:off x="8746491" y="1103739"/>
+            <a:ext cx="2785277" cy="406265"/>
+          </a:xfrm>
+          <a:prstGeom prst="rect">
+            <a:avLst/>
+          </a:prstGeom>
+          <a:solidFill>
+            <a:schemeClr val="accent1"/>
+          </a:solidFill>
+        </p:spPr>
+        <p:style>
+          <a:lnRef idx="2">
+            <a:schemeClr val="accent1">
+              <a:shade val="50000"/>
+            </a:schemeClr>
+          </a:lnRef>
+          <a:fillRef idx="1">
+            <a:schemeClr val="accent1"/>
+          </a:fillRef>
+          <a:effectRef idx="0">
+            <a:schemeClr val="accent1"/>
+          </a:effectRef>
+          <a:fontRef idx="minor">
+            <a:schemeClr val="lt1"/>
+          </a:fontRef>
+        </p:style>
+        <p:txBody>
+          <a:bodyPr rtlCol="0" anchor="ctr"/>
+          <a:lstStyle/>
+          <a:p>
+            <a:pPr algn="ctr"/>
+            <a:r>
+              <a:rPr kumimoji="1" lang="ja-JP" altLang="en-US" sz="2000" dirty="0">
+                <a:solidFill>
+                  <a:schemeClr val="bg1"/>
+                </a:solidFill>
+              </a:rPr>
+              <a:t>生産／資源作物系</a:t>
+            </a:r>
+          </a:p>
+        </p:txBody>
+      </p:sp>
+      <p:sp>
+        <p:nvSpPr>
+          <p:cNvPr id="6" name="正方形/長方形 5">
+            <a:extLst>
+              <a:ext uri="{FF2B5EF4-FFF2-40B4-BE49-F238E27FC236}">
+                <a16:creationId xmlns:a16="http://schemas.microsoft.com/office/drawing/2014/main" id="{3E22C6F3-38E1-72E9-0AC1-ECA0F8E84931}"/>
+              </a:ext>
+            </a:extLst>
+          </p:cNvPr>
+          <p:cNvSpPr/>
+          <p:nvPr/>
+        </p:nvSpPr>
+        <p:spPr>
+          <a:xfrm>
+            <a:off x="833053" y="2689797"/>
+            <a:ext cx="1073845" cy="791695"/>
+          </a:xfrm>
+          <a:prstGeom prst="rect">
+            <a:avLst/>
+          </a:prstGeom>
+          <a:solidFill>
+            <a:schemeClr val="accent1">
+              <a:lumMod val="40000"/>
+              <a:lumOff val="60000"/>
+            </a:schemeClr>
+          </a:solidFill>
+        </p:spPr>
+        <p:style>
+          <a:lnRef idx="2">
+            <a:schemeClr val="accent1">
+              <a:shade val="50000"/>
+            </a:schemeClr>
+          </a:lnRef>
+          <a:fillRef idx="1">
+            <a:schemeClr val="accent1"/>
+          </a:fillRef>
+          <a:effectRef idx="0">
+            <a:schemeClr val="accent1"/>
+          </a:effectRef>
+          <a:fontRef idx="minor">
+            <a:schemeClr val="lt1"/>
+          </a:fontRef>
+        </p:style>
+        <p:txBody>
+          <a:bodyPr rtlCol="0" anchor="ctr"/>
+          <a:lstStyle/>
+          <a:p>
+            <a:pPr algn="ctr"/>
+            <a:r>
+              <a:rPr kumimoji="1" lang="ja-JP" altLang="en-US" sz="2000" dirty="0">
+                <a:solidFill>
+                  <a:schemeClr val="bg1"/>
+                </a:solidFill>
+              </a:rPr>
+              <a:t>木質系</a:t>
+            </a:r>
+          </a:p>
+        </p:txBody>
+      </p:sp>
+      <p:sp>
+        <p:nvSpPr>
+          <p:cNvPr id="7" name="正方形/長方形 6">
+            <a:extLst>
+              <a:ext uri="{FF2B5EF4-FFF2-40B4-BE49-F238E27FC236}">
+                <a16:creationId xmlns:a16="http://schemas.microsoft.com/office/drawing/2014/main" id="{F37CB302-DF1B-4AAD-DAC7-240100E86637}"/>
+              </a:ext>
+            </a:extLst>
+          </p:cNvPr>
+          <p:cNvSpPr/>
+          <p:nvPr/>
+        </p:nvSpPr>
+        <p:spPr>
+          <a:xfrm>
+            <a:off x="833053" y="3696039"/>
+            <a:ext cx="1073845" cy="406265"/>
+          </a:xfrm>
+          <a:prstGeom prst="rect">
+            <a:avLst/>
+          </a:prstGeom>
+          <a:solidFill>
+            <a:schemeClr val="accent1">
+              <a:lumMod val="40000"/>
+              <a:lumOff val="60000"/>
+            </a:schemeClr>
+          </a:solidFill>
+        </p:spPr>
+        <p:style>
+          <a:lnRef idx="2">
+            <a:schemeClr val="accent1">
+              <a:shade val="50000"/>
+            </a:schemeClr>
+          </a:lnRef>
+          <a:fillRef idx="1">
+            <a:schemeClr val="accent1"/>
+          </a:fillRef>
+          <a:effectRef idx="0">
+            <a:schemeClr val="accent1"/>
+          </a:effectRef>
+          <a:fontRef idx="minor">
+            <a:schemeClr val="lt1"/>
+          </a:fontRef>
+        </p:style>
+        <p:txBody>
+          <a:bodyPr rtlCol="0" anchor="ctr"/>
+          <a:lstStyle/>
+          <a:p>
+            <a:pPr algn="ctr"/>
+            <a:r>
+              <a:rPr kumimoji="1" lang="ja-JP" altLang="en-US" sz="2000" dirty="0">
+                <a:solidFill>
+                  <a:schemeClr val="bg1"/>
+                </a:solidFill>
+              </a:rPr>
+              <a:t>草本系</a:t>
+            </a:r>
+          </a:p>
+        </p:txBody>
+      </p:sp>
+      <p:sp>
+        <p:nvSpPr>
+          <p:cNvPr id="8" name="正方形/長方形 7">
+            <a:extLst>
+              <a:ext uri="{FF2B5EF4-FFF2-40B4-BE49-F238E27FC236}">
+                <a16:creationId xmlns:a16="http://schemas.microsoft.com/office/drawing/2014/main" id="{42CCB16E-3122-B24D-FCC4-10B4DB90DEEA}"/>
+              </a:ext>
+            </a:extLst>
+          </p:cNvPr>
+          <p:cNvSpPr/>
+          <p:nvPr/>
+        </p:nvSpPr>
+        <p:spPr>
+          <a:xfrm>
+            <a:off x="833053" y="4337267"/>
+            <a:ext cx="1073845" cy="406265"/>
+          </a:xfrm>
+          <a:prstGeom prst="rect">
+            <a:avLst/>
+          </a:prstGeom>
+          <a:solidFill>
+            <a:schemeClr val="accent1">
+              <a:lumMod val="40000"/>
+              <a:lumOff val="60000"/>
+            </a:schemeClr>
+          </a:solidFill>
+        </p:spPr>
+        <p:style>
+          <a:lnRef idx="2">
+            <a:schemeClr val="accent1">
+              <a:shade val="50000"/>
+            </a:schemeClr>
+          </a:lnRef>
+          <a:fillRef idx="1">
+            <a:schemeClr val="accent1"/>
+          </a:fillRef>
+          <a:effectRef idx="0">
+            <a:schemeClr val="accent1"/>
+          </a:effectRef>
+          <a:fontRef idx="minor">
+            <a:schemeClr val="lt1"/>
+          </a:fontRef>
+        </p:style>
+        <p:txBody>
+          <a:bodyPr rtlCol="0" anchor="ctr"/>
+          <a:lstStyle/>
+          <a:p>
+            <a:pPr algn="ctr"/>
+            <a:r>
+              <a:rPr kumimoji="1" lang="ja-JP" altLang="en-US" sz="2000" dirty="0">
+                <a:solidFill>
+                  <a:schemeClr val="bg1"/>
+                </a:solidFill>
+              </a:rPr>
+              <a:t>製紙系</a:t>
+            </a:r>
+          </a:p>
+        </p:txBody>
+      </p:sp>
+      <p:sp>
+        <p:nvSpPr>
+          <p:cNvPr id="9" name="正方形/長方形 8">
+            <a:extLst>
+              <a:ext uri="{FF2B5EF4-FFF2-40B4-BE49-F238E27FC236}">
+                <a16:creationId xmlns:a16="http://schemas.microsoft.com/office/drawing/2014/main" id="{EDA317AF-709E-9D50-73E9-BC548BDB6A18}"/>
+              </a:ext>
+            </a:extLst>
+          </p:cNvPr>
+          <p:cNvSpPr/>
+          <p:nvPr/>
+        </p:nvSpPr>
+        <p:spPr>
+          <a:xfrm>
+            <a:off x="833053" y="4928420"/>
+            <a:ext cx="1073845" cy="719723"/>
+          </a:xfrm>
+          <a:prstGeom prst="rect">
+            <a:avLst/>
+          </a:prstGeom>
+          <a:solidFill>
+            <a:schemeClr val="accent1">
+              <a:lumMod val="40000"/>
+              <a:lumOff val="60000"/>
+            </a:schemeClr>
+          </a:solidFill>
+        </p:spPr>
+        <p:style>
+          <a:lnRef idx="2">
+            <a:schemeClr val="accent1">
+              <a:shade val="50000"/>
+            </a:schemeClr>
+          </a:lnRef>
+          <a:fillRef idx="1">
+            <a:schemeClr val="accent1"/>
+          </a:fillRef>
+          <a:effectRef idx="0">
+            <a:schemeClr val="accent1"/>
+          </a:effectRef>
+          <a:fontRef idx="minor">
+            <a:schemeClr val="lt1"/>
+          </a:fontRef>
+        </p:style>
+        <p:txBody>
+          <a:bodyPr rtlCol="0" anchor="ctr"/>
+          <a:lstStyle/>
+          <a:p>
+            <a:pPr algn="ctr"/>
+            <a:r>
+              <a:rPr kumimoji="1" lang="ja-JP" altLang="en-US" sz="2000" dirty="0">
+                <a:solidFill>
+                  <a:schemeClr val="bg1"/>
+                </a:solidFill>
+              </a:rPr>
+              <a:t>その他</a:t>
+            </a:r>
+          </a:p>
+        </p:txBody>
+      </p:sp>
+      <p:sp>
+        <p:nvSpPr>
+          <p:cNvPr id="14" name="テキスト ボックス 13">
+            <a:extLst>
+              <a:ext uri="{FF2B5EF4-FFF2-40B4-BE49-F238E27FC236}">
+                <a16:creationId xmlns:a16="http://schemas.microsoft.com/office/drawing/2014/main" id="{F3A07F2B-A804-E17B-0E5A-58E8CDED45E9}"/>
+              </a:ext>
+            </a:extLst>
+          </p:cNvPr>
+          <p:cNvSpPr txBox="1"/>
+          <p:nvPr/>
+        </p:nvSpPr>
+        <p:spPr>
+          <a:xfrm>
+            <a:off x="2472081" y="2762479"/>
+            <a:ext cx="1952632" cy="646331"/>
+          </a:xfrm>
+          <a:prstGeom prst="rect">
+            <a:avLst/>
+          </a:prstGeom>
+          <a:noFill/>
+        </p:spPr>
+        <p:txBody>
+          <a:bodyPr wrap="square" rtlCol="0">
+            <a:spAutoFit/>
+          </a:bodyPr>
+          <a:lstStyle/>
+          <a:p>
+            <a:r>
+              <a:rPr kumimoji="1" lang="ja-JP" altLang="en-US" dirty="0"/>
+              <a:t>製材工場残材、</a:t>
+            </a:r>
+            <a:endParaRPr kumimoji="1" lang="en-US" altLang="ja-JP" dirty="0"/>
+          </a:p>
+          <a:p>
+            <a:r>
+              <a:rPr kumimoji="1" lang="ja-JP" altLang="en-US" dirty="0"/>
+              <a:t>建設発生木材</a:t>
+            </a:r>
+          </a:p>
+        </p:txBody>
+      </p:sp>
+      <p:sp>
+        <p:nvSpPr>
+          <p:cNvPr id="15" name="テキスト ボックス 14">
+            <a:extLst>
+              <a:ext uri="{FF2B5EF4-FFF2-40B4-BE49-F238E27FC236}">
+                <a16:creationId xmlns:a16="http://schemas.microsoft.com/office/drawing/2014/main" id="{83FC32FC-7D09-C995-59A8-F470EACFBD1F}"/>
+              </a:ext>
+            </a:extLst>
+          </p:cNvPr>
+          <p:cNvSpPr txBox="1"/>
+          <p:nvPr/>
+        </p:nvSpPr>
+        <p:spPr>
+          <a:xfrm>
+            <a:off x="5208874" y="2777868"/>
+            <a:ext cx="3137338" cy="615553"/>
+          </a:xfrm>
+          <a:prstGeom prst="rect">
+            <a:avLst/>
+          </a:prstGeom>
+          <a:noFill/>
+        </p:spPr>
+        <p:txBody>
+          <a:bodyPr wrap="square" rtlCol="0">
+            <a:spAutoFit/>
+          </a:bodyPr>
+          <a:lstStyle/>
+          <a:p>
+            <a:pPr marL="0" marR="0" lvl="0" indent="0" algn="l" defTabSz="914400" rtl="0" eaLnBrk="1" fontAlgn="auto" latinLnBrk="0" hangingPunct="1">
+              <a:lnSpc>
+                <a:spcPct val="100000"/>
+              </a:lnSpc>
+              <a:spcBef>
+                <a:spcPts val="0"/>
+              </a:spcBef>
+              <a:spcAft>
+                <a:spcPts val="0"/>
+              </a:spcAft>
+              <a:buClrTx/>
+              <a:buSzTx/>
+              <a:buFontTx/>
+              <a:buNone/>
+              <a:tabLst/>
+              <a:defRPr/>
+            </a:pPr>
+            <a:r>
+              <a:rPr kumimoji="1" lang="ja-JP" altLang="en-US" dirty="0"/>
+              <a:t>森林</a:t>
+            </a:r>
+            <a:endParaRPr kumimoji="1" lang="en-US" altLang="ja-JP" dirty="0"/>
+          </a:p>
+          <a:p>
+            <a:pPr marL="0" marR="0" lvl="0" indent="0" algn="l" defTabSz="914400" rtl="0" eaLnBrk="1" fontAlgn="auto" latinLnBrk="0" hangingPunct="1">
+              <a:lnSpc>
+                <a:spcPct val="100000"/>
+              </a:lnSpc>
+              <a:spcBef>
+                <a:spcPts val="0"/>
+              </a:spcBef>
+              <a:spcAft>
+                <a:spcPts val="0"/>
+              </a:spcAft>
+              <a:buClrTx/>
+              <a:buSzTx/>
+              <a:buFontTx/>
+              <a:buNone/>
+              <a:tabLst/>
+              <a:defRPr/>
+            </a:pPr>
+            <a:r>
+              <a:rPr kumimoji="1" lang="ja-JP" altLang="en-US" sz="1600" dirty="0"/>
+              <a:t>（林地残材、間伐材、未利用樹）</a:t>
+            </a:r>
+            <a:endParaRPr kumimoji="1" lang="ja-JP" altLang="en-US" dirty="0"/>
+          </a:p>
+        </p:txBody>
+      </p:sp>
+      <p:sp>
+        <p:nvSpPr>
+          <p:cNvPr id="16" name="テキスト ボックス 15">
+            <a:extLst>
+              <a:ext uri="{FF2B5EF4-FFF2-40B4-BE49-F238E27FC236}">
+                <a16:creationId xmlns:a16="http://schemas.microsoft.com/office/drawing/2014/main" id="{563D3A38-D472-1967-40F0-1F4D30F41FD6}"/>
+              </a:ext>
+            </a:extLst>
+          </p:cNvPr>
+          <p:cNvSpPr txBox="1"/>
+          <p:nvPr/>
+        </p:nvSpPr>
+        <p:spPr>
+          <a:xfrm>
+            <a:off x="9162813" y="2900978"/>
+            <a:ext cx="1952632" cy="369332"/>
+          </a:xfrm>
+          <a:prstGeom prst="rect">
+            <a:avLst/>
+          </a:prstGeom>
+          <a:noFill/>
+        </p:spPr>
+        <p:txBody>
+          <a:bodyPr wrap="square" rtlCol="0">
+            <a:spAutoFit/>
+          </a:bodyPr>
+          <a:lstStyle/>
+          <a:p>
+            <a:r>
+              <a:rPr kumimoji="1" lang="ja-JP" altLang="en-US" dirty="0"/>
+              <a:t>短周期栽培木材</a:t>
+            </a:r>
+          </a:p>
+        </p:txBody>
+      </p:sp>
+      <p:sp>
+        <p:nvSpPr>
+          <p:cNvPr id="17" name="テキスト ボックス 16">
+            <a:extLst>
+              <a:ext uri="{FF2B5EF4-FFF2-40B4-BE49-F238E27FC236}">
+                <a16:creationId xmlns:a16="http://schemas.microsoft.com/office/drawing/2014/main" id="{69A55C33-9327-8844-C129-520687B2C7F6}"/>
+              </a:ext>
+            </a:extLst>
+          </p:cNvPr>
+          <p:cNvSpPr txBox="1"/>
+          <p:nvPr/>
+        </p:nvSpPr>
+        <p:spPr>
+          <a:xfrm>
+            <a:off x="9162813" y="3714505"/>
+            <a:ext cx="1952632" cy="369332"/>
+          </a:xfrm>
+          <a:prstGeom prst="rect">
+            <a:avLst/>
+          </a:prstGeom>
+          <a:noFill/>
+        </p:spPr>
+        <p:txBody>
+          <a:bodyPr wrap="square" rtlCol="0">
+            <a:spAutoFit/>
+          </a:bodyPr>
+          <a:lstStyle/>
+          <a:p>
+            <a:r>
+              <a:rPr kumimoji="1" lang="ja-JP" altLang="en-US" dirty="0"/>
+              <a:t>牧草、水草、海草</a:t>
+            </a:r>
+          </a:p>
+        </p:txBody>
+      </p:sp>
+      <p:sp>
+        <p:nvSpPr>
+          <p:cNvPr id="18" name="テキスト ボックス 17">
+            <a:extLst>
+              <a:ext uri="{FF2B5EF4-FFF2-40B4-BE49-F238E27FC236}">
+                <a16:creationId xmlns:a16="http://schemas.microsoft.com/office/drawing/2014/main" id="{86245838-AF75-9CF2-F932-E8FB077F2286}"/>
+              </a:ext>
+            </a:extLst>
+          </p:cNvPr>
+          <p:cNvSpPr txBox="1"/>
+          <p:nvPr/>
+        </p:nvSpPr>
+        <p:spPr>
+          <a:xfrm>
+            <a:off x="2189142" y="4355733"/>
+            <a:ext cx="2518510" cy="369332"/>
+          </a:xfrm>
+          <a:prstGeom prst="rect">
+            <a:avLst/>
+          </a:prstGeom>
+          <a:noFill/>
+        </p:spPr>
+        <p:txBody>
+          <a:bodyPr wrap="square" rtlCol="0">
+            <a:spAutoFit/>
+          </a:bodyPr>
+          <a:lstStyle/>
+          <a:p>
+            <a:r>
+              <a:rPr kumimoji="1" lang="ja-JP" altLang="en-US" dirty="0"/>
+              <a:t>古紙、製紙汚泥、黒液</a:t>
+            </a:r>
+          </a:p>
+        </p:txBody>
+      </p:sp>
+      <p:sp>
+        <p:nvSpPr>
+          <p:cNvPr id="19" name="テキスト ボックス 18">
+            <a:extLst>
+              <a:ext uri="{FF2B5EF4-FFF2-40B4-BE49-F238E27FC236}">
+                <a16:creationId xmlns:a16="http://schemas.microsoft.com/office/drawing/2014/main" id="{DA30046F-3AE2-5AFD-3B3C-9409DA425D5F}"/>
+              </a:ext>
+            </a:extLst>
+          </p:cNvPr>
+          <p:cNvSpPr txBox="1"/>
+          <p:nvPr/>
+        </p:nvSpPr>
+        <p:spPr>
+          <a:xfrm>
+            <a:off x="2122450" y="4965116"/>
+            <a:ext cx="2651894" cy="646331"/>
+          </a:xfrm>
+          <a:prstGeom prst="rect">
+            <a:avLst/>
+          </a:prstGeom>
+          <a:noFill/>
+        </p:spPr>
+        <p:txBody>
+          <a:bodyPr wrap="square" rtlCol="0">
+            <a:spAutoFit/>
+          </a:bodyPr>
+          <a:lstStyle/>
+          <a:p>
+            <a:pPr marL="0" marR="0" lvl="0" indent="0" algn="l" defTabSz="914400" rtl="0" eaLnBrk="1" fontAlgn="auto" latinLnBrk="0" hangingPunct="1">
+              <a:lnSpc>
+                <a:spcPct val="100000"/>
+              </a:lnSpc>
+              <a:spcBef>
+                <a:spcPts val="0"/>
+              </a:spcBef>
+              <a:spcAft>
+                <a:spcPts val="0"/>
+              </a:spcAft>
+              <a:buClrTx/>
+              <a:buSzTx/>
+              <a:buFontTx/>
+              <a:buNone/>
+              <a:tabLst/>
+              <a:defRPr/>
+            </a:pPr>
+            <a:r>
+              <a:rPr kumimoji="1" lang="ja-JP" altLang="en-US" dirty="0"/>
+              <a:t>家畜排せつ物、生活排水、食品廃棄物</a:t>
+            </a:r>
+          </a:p>
+        </p:txBody>
+      </p:sp>
+      <p:sp>
+        <p:nvSpPr>
+          <p:cNvPr id="20" name="テキスト ボックス 19">
+            <a:extLst>
+              <a:ext uri="{FF2B5EF4-FFF2-40B4-BE49-F238E27FC236}">
+                <a16:creationId xmlns:a16="http://schemas.microsoft.com/office/drawing/2014/main" id="{D041FA21-53FB-6729-0947-DBEBBD231DB9}"/>
+              </a:ext>
+            </a:extLst>
+          </p:cNvPr>
+          <p:cNvSpPr txBox="1"/>
+          <p:nvPr/>
+        </p:nvSpPr>
+        <p:spPr>
+          <a:xfrm>
+            <a:off x="5414316" y="4980505"/>
+            <a:ext cx="2726454" cy="615553"/>
+          </a:xfrm>
+          <a:prstGeom prst="rect">
+            <a:avLst/>
+          </a:prstGeom>
+          <a:noFill/>
+        </p:spPr>
+        <p:txBody>
+          <a:bodyPr wrap="square" rtlCol="0">
+            <a:spAutoFit/>
+          </a:bodyPr>
+          <a:lstStyle/>
+          <a:p>
+            <a:pPr marL="0" marR="0" lvl="0" indent="0" algn="l" defTabSz="914400" rtl="0" eaLnBrk="1" fontAlgn="auto" latinLnBrk="0" hangingPunct="1">
+              <a:lnSpc>
+                <a:spcPct val="100000"/>
+              </a:lnSpc>
+              <a:spcBef>
+                <a:spcPts val="0"/>
+              </a:spcBef>
+              <a:spcAft>
+                <a:spcPts val="0"/>
+              </a:spcAft>
+              <a:buClrTx/>
+              <a:buSzTx/>
+              <a:buFontTx/>
+              <a:buNone/>
+              <a:tabLst/>
+              <a:defRPr/>
+            </a:pPr>
+            <a:r>
+              <a:rPr kumimoji="1" lang="ja-JP" altLang="en-US" dirty="0"/>
+              <a:t>農業残渣</a:t>
+            </a:r>
+            <a:endParaRPr kumimoji="1" lang="en-US" altLang="ja-JP" dirty="0"/>
+          </a:p>
+          <a:p>
+            <a:pPr marL="0" marR="0" lvl="0" indent="0" algn="l" defTabSz="914400" rtl="0" eaLnBrk="1" fontAlgn="auto" latinLnBrk="0" hangingPunct="1">
+              <a:lnSpc>
+                <a:spcPct val="100000"/>
+              </a:lnSpc>
+              <a:spcBef>
+                <a:spcPts val="0"/>
+              </a:spcBef>
+              <a:spcAft>
+                <a:spcPts val="0"/>
+              </a:spcAft>
+              <a:buClrTx/>
+              <a:buSzTx/>
+              <a:buFontTx/>
+              <a:buNone/>
+              <a:tabLst/>
+              <a:defRPr/>
+            </a:pPr>
+            <a:r>
+              <a:rPr kumimoji="1" lang="ja-JP" altLang="en-US" sz="1600" dirty="0"/>
+              <a:t>（稲作残渣、麦わら、バガス）</a:t>
+            </a:r>
+          </a:p>
+        </p:txBody>
+      </p:sp>
+      <p:sp>
+        <p:nvSpPr>
+          <p:cNvPr id="21" name="テキスト ボックス 20">
+            <a:extLst>
+              <a:ext uri="{FF2B5EF4-FFF2-40B4-BE49-F238E27FC236}">
+                <a16:creationId xmlns:a16="http://schemas.microsoft.com/office/drawing/2014/main" id="{8B7981B1-BB46-E8B2-990B-34D2B372C0C6}"/>
+              </a:ext>
+            </a:extLst>
+          </p:cNvPr>
+          <p:cNvSpPr txBox="1"/>
+          <p:nvPr/>
+        </p:nvSpPr>
+        <p:spPr>
+          <a:xfrm>
+            <a:off x="8651193" y="5103615"/>
+            <a:ext cx="2975873" cy="369332"/>
+          </a:xfrm>
+          <a:prstGeom prst="rect">
+            <a:avLst/>
+          </a:prstGeom>
+          <a:noFill/>
+        </p:spPr>
+        <p:txBody>
+          <a:bodyPr wrap="square" rtlCol="0">
+            <a:spAutoFit/>
+          </a:bodyPr>
+          <a:lstStyle/>
+          <a:p>
+            <a:r>
+              <a:rPr kumimoji="1" lang="ja-JP" altLang="en-US" dirty="0"/>
+              <a:t>藻類、糖・でんぷん、植物油</a:t>
+            </a:r>
+          </a:p>
+        </p:txBody>
+      </p:sp>
+      <p:sp>
+        <p:nvSpPr>
+          <p:cNvPr id="22" name="テキスト ボックス 21">
+            <a:extLst>
+              <a:ext uri="{FF2B5EF4-FFF2-40B4-BE49-F238E27FC236}">
+                <a16:creationId xmlns:a16="http://schemas.microsoft.com/office/drawing/2014/main" id="{A1580EB1-7E57-F2AE-0E5F-604ED0ECC98E}"/>
+              </a:ext>
+            </a:extLst>
+          </p:cNvPr>
+          <p:cNvSpPr txBox="1"/>
+          <p:nvPr/>
+        </p:nvSpPr>
+        <p:spPr>
+          <a:xfrm>
+            <a:off x="2189142" y="1678572"/>
+            <a:ext cx="2518510" cy="646331"/>
+          </a:xfrm>
+          <a:prstGeom prst="rect">
+            <a:avLst/>
+          </a:prstGeom>
+          <a:noFill/>
+        </p:spPr>
+        <p:txBody>
+          <a:bodyPr wrap="square" rtlCol="0">
+            <a:spAutoFit/>
+          </a:bodyPr>
+          <a:lstStyle/>
+          <a:p>
+            <a:r>
+              <a:rPr kumimoji="1" lang="ja-JP" altLang="en-US" dirty="0"/>
+              <a:t>処分義務あり、</a:t>
+            </a:r>
+            <a:endParaRPr kumimoji="1" lang="en-US" altLang="ja-JP" dirty="0"/>
+          </a:p>
+          <a:p>
+            <a:r>
+              <a:rPr kumimoji="1" lang="ja-JP" altLang="en-US" dirty="0"/>
+              <a:t>処分コストが高い</a:t>
+            </a:r>
+          </a:p>
+        </p:txBody>
+      </p:sp>
+      <p:sp>
+        <p:nvSpPr>
+          <p:cNvPr id="23" name="テキスト ボックス 22">
+            <a:extLst>
+              <a:ext uri="{FF2B5EF4-FFF2-40B4-BE49-F238E27FC236}">
+                <a16:creationId xmlns:a16="http://schemas.microsoft.com/office/drawing/2014/main" id="{4061F82F-A16A-FE98-06F8-AD32A44A056A}"/>
+              </a:ext>
+            </a:extLst>
+          </p:cNvPr>
+          <p:cNvSpPr txBox="1"/>
+          <p:nvPr/>
+        </p:nvSpPr>
+        <p:spPr>
+          <a:xfrm>
+            <a:off x="5518288" y="1678572"/>
+            <a:ext cx="2518510" cy="646331"/>
+          </a:xfrm>
+          <a:prstGeom prst="rect">
+            <a:avLst/>
+          </a:prstGeom>
+          <a:noFill/>
+        </p:spPr>
+        <p:txBody>
+          <a:bodyPr wrap="square" rtlCol="0">
+            <a:spAutoFit/>
+          </a:bodyPr>
+          <a:lstStyle/>
+          <a:p>
+            <a:r>
+              <a:rPr kumimoji="1" lang="ja-JP" altLang="en-US" dirty="0"/>
+              <a:t>処分義務なし、</a:t>
+            </a:r>
+            <a:endParaRPr kumimoji="1" lang="en-US" altLang="ja-JP" dirty="0"/>
+          </a:p>
+          <a:p>
+            <a:r>
+              <a:rPr kumimoji="1" lang="ja-JP" altLang="en-US" dirty="0"/>
+              <a:t>収集コストが高い</a:t>
+            </a:r>
+          </a:p>
+        </p:txBody>
+      </p:sp>
+      <p:sp>
+        <p:nvSpPr>
+          <p:cNvPr id="24" name="テキスト ボックス 23">
+            <a:extLst>
+              <a:ext uri="{FF2B5EF4-FFF2-40B4-BE49-F238E27FC236}">
+                <a16:creationId xmlns:a16="http://schemas.microsoft.com/office/drawing/2014/main" id="{9153209A-0DA0-C157-1911-CAAAC38A7918}"/>
+              </a:ext>
+            </a:extLst>
+          </p:cNvPr>
+          <p:cNvSpPr txBox="1"/>
+          <p:nvPr/>
+        </p:nvSpPr>
+        <p:spPr>
+          <a:xfrm>
+            <a:off x="8879874" y="1678572"/>
+            <a:ext cx="2518510" cy="646331"/>
+          </a:xfrm>
+          <a:prstGeom prst="rect">
+            <a:avLst/>
+          </a:prstGeom>
+          <a:noFill/>
+        </p:spPr>
+        <p:txBody>
+          <a:bodyPr wrap="square" rtlCol="0">
+            <a:spAutoFit/>
+          </a:bodyPr>
+          <a:lstStyle/>
+          <a:p>
+            <a:r>
+              <a:rPr kumimoji="1" lang="ja-JP" altLang="en-US" dirty="0"/>
+              <a:t>エネルギー利用を目的に栽培</a:t>
+            </a:r>
+          </a:p>
+        </p:txBody>
+      </p:sp>
+      <p:sp>
+        <p:nvSpPr>
+          <p:cNvPr id="27" name="正方形/長方形 26">
+            <a:extLst>
+              <a:ext uri="{FF2B5EF4-FFF2-40B4-BE49-F238E27FC236}">
+                <a16:creationId xmlns:a16="http://schemas.microsoft.com/office/drawing/2014/main" id="{FEE387B8-94B3-B120-BE2B-54F3C1572AC3}"/>
+              </a:ext>
+            </a:extLst>
+          </p:cNvPr>
+          <p:cNvSpPr/>
+          <p:nvPr/>
+        </p:nvSpPr>
+        <p:spPr>
+          <a:xfrm>
+            <a:off x="178062" y="1798605"/>
+            <a:ext cx="1728836" cy="406265"/>
+          </a:xfrm>
+          <a:prstGeom prst="rect">
+            <a:avLst/>
+          </a:prstGeom>
+          <a:solidFill>
+            <a:schemeClr val="accent1"/>
+          </a:solidFill>
+        </p:spPr>
+        <p:style>
+          <a:lnRef idx="2">
+            <a:schemeClr val="accent1">
+              <a:shade val="50000"/>
+            </a:schemeClr>
+          </a:lnRef>
+          <a:fillRef idx="1">
+            <a:schemeClr val="accent1"/>
+          </a:fillRef>
+          <a:effectRef idx="0">
+            <a:schemeClr val="accent1"/>
+          </a:effectRef>
+          <a:fontRef idx="minor">
+            <a:schemeClr val="lt1"/>
+          </a:fontRef>
+        </p:style>
+        <p:txBody>
+          <a:bodyPr rtlCol="0" anchor="ctr"/>
+          <a:lstStyle/>
+          <a:p>
+            <a:pPr algn="ctr"/>
+            <a:r>
+              <a:rPr kumimoji="1" lang="ja-JP" altLang="en-US" sz="2000" dirty="0">
+                <a:solidFill>
+                  <a:schemeClr val="bg1"/>
+                </a:solidFill>
+              </a:rPr>
+              <a:t>特徴</a:t>
+            </a:r>
+          </a:p>
+        </p:txBody>
+      </p:sp>
+      <p:sp>
+        <p:nvSpPr>
+          <p:cNvPr id="28" name="正方形/長方形 27">
+            <a:extLst>
+              <a:ext uri="{FF2B5EF4-FFF2-40B4-BE49-F238E27FC236}">
+                <a16:creationId xmlns:a16="http://schemas.microsoft.com/office/drawing/2014/main" id="{42CA9D9E-A7C6-0170-F3DF-0D0AD0F20249}"/>
+              </a:ext>
+            </a:extLst>
+          </p:cNvPr>
+          <p:cNvSpPr/>
+          <p:nvPr/>
+        </p:nvSpPr>
+        <p:spPr>
+          <a:xfrm>
+            <a:off x="193983" y="2669124"/>
+            <a:ext cx="423518" cy="2999642"/>
+          </a:xfrm>
+          <a:prstGeom prst="rect">
+            <a:avLst/>
+          </a:prstGeom>
+          <a:solidFill>
+            <a:schemeClr val="accent1"/>
+          </a:solidFill>
+        </p:spPr>
+        <p:style>
+          <a:lnRef idx="2">
+            <a:schemeClr val="accent1">
+              <a:shade val="50000"/>
+            </a:schemeClr>
+          </a:lnRef>
+          <a:fillRef idx="1">
+            <a:schemeClr val="accent1"/>
+          </a:fillRef>
+          <a:effectRef idx="0">
+            <a:schemeClr val="accent1"/>
+          </a:effectRef>
+          <a:fontRef idx="minor">
+            <a:schemeClr val="lt1"/>
+          </a:fontRef>
+        </p:style>
+        <p:txBody>
+          <a:bodyPr rtlCol="0" anchor="ctr"/>
+          <a:lstStyle/>
+          <a:p>
+            <a:pPr algn="ctr"/>
+            <a:r>
+              <a:rPr kumimoji="1" lang="ja-JP" altLang="en-US" sz="2000" dirty="0">
+                <a:solidFill>
+                  <a:schemeClr val="bg1"/>
+                </a:solidFill>
+              </a:rPr>
+              <a:t>代表例</a:t>
+            </a:r>
+          </a:p>
+        </p:txBody>
+      </p:sp>
+      <p:sp>
+        <p:nvSpPr>
+          <p:cNvPr id="29" name="テキスト ボックス 28">
+            <a:extLst>
+              <a:ext uri="{FF2B5EF4-FFF2-40B4-BE49-F238E27FC236}">
+                <a16:creationId xmlns:a16="http://schemas.microsoft.com/office/drawing/2014/main" id="{1F4B2947-34E6-546F-34EC-DCCEAA70B21F}"/>
+              </a:ext>
+            </a:extLst>
+          </p:cNvPr>
+          <p:cNvSpPr txBox="1"/>
+          <p:nvPr/>
+        </p:nvSpPr>
+        <p:spPr>
+          <a:xfrm>
+            <a:off x="6401891" y="5802801"/>
+            <a:ext cx="5521843" cy="369332"/>
+          </a:xfrm>
+          <a:prstGeom prst="rect">
+            <a:avLst/>
+          </a:prstGeom>
+          <a:noFill/>
+        </p:spPr>
+        <p:txBody>
+          <a:bodyPr wrap="square" rtlCol="0">
+            <a:spAutoFit/>
+          </a:bodyPr>
+          <a:lstStyle/>
+          <a:p>
+            <a:pPr marL="0" marR="0" lvl="0" indent="0" algn="l" defTabSz="914400" rtl="0" eaLnBrk="1" fontAlgn="auto" latinLnBrk="0" hangingPunct="1">
+              <a:lnSpc>
+                <a:spcPct val="100000"/>
+              </a:lnSpc>
+              <a:spcBef>
+                <a:spcPts val="0"/>
+              </a:spcBef>
+              <a:spcAft>
+                <a:spcPts val="0"/>
+              </a:spcAft>
+              <a:buClrTx/>
+              <a:buSzTx/>
+              <a:buFontTx/>
+              <a:buNone/>
+              <a:tabLst/>
+              <a:defRPr/>
+            </a:pPr>
+            <a:r>
+              <a:rPr kumimoji="1" lang="en-US" altLang="ja-JP" dirty="0"/>
+              <a:t>※NEDO </a:t>
+            </a:r>
+            <a:r>
+              <a:rPr kumimoji="1" lang="ja-JP" altLang="en-US" dirty="0"/>
+              <a:t>再生可能エネルギー技術白書 第</a:t>
+            </a:r>
+            <a:r>
+              <a:rPr kumimoji="1" lang="en-US" altLang="ja-JP" dirty="0"/>
+              <a:t>2</a:t>
+            </a:r>
+            <a:r>
+              <a:rPr kumimoji="1" lang="ja-JP" altLang="en-US" dirty="0"/>
+              <a:t>版 </a:t>
+            </a:r>
+            <a:r>
+              <a:rPr kumimoji="1" lang="en-US" altLang="ja-JP" dirty="0"/>
+              <a:t>(2014)</a:t>
+            </a:r>
+            <a:endParaRPr kumimoji="1" lang="ja-JP" altLang="en-US" dirty="0"/>
+          </a:p>
+        </p:txBody>
+      </p:sp>
+    </p:spTree>
+    <p:extLst>
+      <p:ext uri="{BB962C8B-B14F-4D97-AF65-F5344CB8AC3E}">
+        <p14:creationId xmlns:p14="http://schemas.microsoft.com/office/powerpoint/2010/main" val="1944795493"/>
+      </p:ext>
+    </p:extLst>
+  </p:cSld>
+  <p:clrMapOvr>
+    <a:masterClrMapping/>
+  </p:clrMapOvr>
+</p:sld>
+</file>
+
+<file path=ppt/slides/slide11.xml><?xml version="1.0" encoding="utf-8"?>
+<p:sld xmlns:a="http://schemas.openxmlformats.org/drawingml/2006/main" xmlns:r="http://schemas.openxmlformats.org/officeDocument/2006/relationships" xmlns:p="http://schemas.openxmlformats.org/presentationml/2006/main">
+  <p:cSld>
+    <p:spTree>
+      <p:nvGrpSpPr>
+        <p:cNvPr id="1" name=""/>
+        <p:cNvGrpSpPr/>
+        <p:nvPr/>
+      </p:nvGrpSpPr>
+      <p:grpSpPr>
+        <a:xfrm>
+          <a:off x="0" y="0"/>
+          <a:ext cx="0" cy="0"/>
+          <a:chOff x="0" y="0"/>
+          <a:chExt cx="0" cy="0"/>
+        </a:xfrm>
+      </p:grpSpPr>
+      <p:sp>
+        <p:nvSpPr>
+          <p:cNvPr id="3" name="スライド番号プレースホルダー 2">
+            <a:extLst>
+              <a:ext uri="{FF2B5EF4-FFF2-40B4-BE49-F238E27FC236}">
+                <a16:creationId xmlns:a16="http://schemas.microsoft.com/office/drawing/2014/main" id="{ED23190D-575C-49DE-8293-87C3C1C8D779}"/>
+              </a:ext>
+            </a:extLst>
+          </p:cNvPr>
+          <p:cNvSpPr>
+            <a:spLocks noGrp="1"/>
+          </p:cNvSpPr>
+          <p:nvPr>
+            <p:ph type="sldNum" sz="quarter" idx="10"/>
+          </p:nvPr>
+        </p:nvSpPr>
+        <p:spPr/>
+        <p:txBody>
+          <a:bodyPr/>
+          <a:lstStyle/>
+          <a:p>
+            <a:fld id="{584EAAFE-CFE5-40AD-8E95-5BFF290DC5CF}" type="slidenum">
+              <a:rPr kumimoji="1" lang="ja-JP" altLang="en-US" smtClean="0"/>
+              <a:pPr/>
+              <a:t>11</a:t>
+            </a:fld>
+            <a:endParaRPr kumimoji="1" lang="ja-JP" altLang="en-US"/>
+          </a:p>
+        </p:txBody>
+      </p:sp>
+      <p:sp>
+        <p:nvSpPr>
+          <p:cNvPr id="10" name="タイトル 1">
+            <a:extLst>
+              <a:ext uri="{FF2B5EF4-FFF2-40B4-BE49-F238E27FC236}">
+                <a16:creationId xmlns:a16="http://schemas.microsoft.com/office/drawing/2014/main" id="{0B741DA3-801A-4F30-83B2-12C70BEDD5CB}"/>
+              </a:ext>
+            </a:extLst>
+          </p:cNvPr>
+          <p:cNvSpPr txBox="1">
+            <a:spLocks/>
+          </p:cNvSpPr>
+          <p:nvPr/>
+        </p:nvSpPr>
+        <p:spPr>
+          <a:xfrm>
+            <a:off x="517056" y="238866"/>
+            <a:ext cx="11400125" cy="518094"/>
+          </a:xfrm>
+          <a:prstGeom prst="rect">
+            <a:avLst/>
+          </a:prstGeom>
+        </p:spPr>
+        <p:txBody>
+          <a:bodyPr vert="horz" lIns="91440" tIns="45720" rIns="91440" bIns="45720" rtlCol="0" anchor="ctr">
+            <a:normAutofit/>
+          </a:bodyPr>
+          <a:lstStyle>
+            <a:lvl1pPr algn="l" defTabSz="914400" rtl="0" eaLnBrk="1" latinLnBrk="0" hangingPunct="1">
+              <a:lnSpc>
+                <a:spcPct val="90000"/>
+              </a:lnSpc>
+              <a:spcBef>
+                <a:spcPct val="0"/>
+              </a:spcBef>
+              <a:buNone/>
+              <a:defRPr kumimoji="1" sz="2800" b="1" kern="1200">
+                <a:solidFill>
+                  <a:schemeClr val="bg1"/>
+                </a:solidFill>
+                <a:latin typeface="+mj-lt"/>
+                <a:ea typeface="+mj-ea"/>
+                <a:cs typeface="+mj-cs"/>
+              </a:defRPr>
+            </a:lvl1pPr>
+          </a:lstStyle>
+          <a:p>
+            <a:r>
+              <a:rPr lang="ja-JP" altLang="en-US" dirty="0"/>
+              <a:t>酵素糖化法による糖化工程</a:t>
+            </a:r>
+          </a:p>
+        </p:txBody>
+      </p:sp>
+      <p:sp>
+        <p:nvSpPr>
+          <p:cNvPr id="11" name="テキスト ボックス 10">
+            <a:extLst>
+              <a:ext uri="{FF2B5EF4-FFF2-40B4-BE49-F238E27FC236}">
+                <a16:creationId xmlns:a16="http://schemas.microsoft.com/office/drawing/2014/main" id="{B65E6020-5960-414D-8861-CC3A23493130}"/>
+              </a:ext>
+            </a:extLst>
+          </p:cNvPr>
+          <p:cNvSpPr txBox="1"/>
+          <p:nvPr/>
+        </p:nvSpPr>
+        <p:spPr>
+          <a:xfrm>
+            <a:off x="571985" y="-20771"/>
+            <a:ext cx="2836193" cy="338554"/>
+          </a:xfrm>
+          <a:prstGeom prst="rect">
+            <a:avLst/>
+          </a:prstGeom>
+          <a:noFill/>
+        </p:spPr>
+        <p:txBody>
+          <a:bodyPr wrap="square" rtlCol="0">
+            <a:spAutoFit/>
+          </a:bodyPr>
+          <a:lstStyle/>
+          <a:p>
+            <a:r>
+              <a:rPr kumimoji="1" lang="en-US" altLang="ja-JP" sz="1600" b="1" dirty="0">
+                <a:solidFill>
+                  <a:schemeClr val="bg1"/>
+                </a:solidFill>
+              </a:rPr>
+              <a:t>2. </a:t>
+            </a:r>
+            <a:r>
+              <a:rPr kumimoji="1" lang="ja-JP" altLang="en-US" sz="1600" b="1" dirty="0">
+                <a:solidFill>
+                  <a:schemeClr val="bg1"/>
+                </a:solidFill>
+              </a:rPr>
+              <a:t>調査活動</a:t>
+            </a:r>
+          </a:p>
+        </p:txBody>
+      </p:sp>
+      <p:pic>
+        <p:nvPicPr>
+          <p:cNvPr id="4" name="図 3">
+            <a:extLst>
+              <a:ext uri="{FF2B5EF4-FFF2-40B4-BE49-F238E27FC236}">
+                <a16:creationId xmlns:a16="http://schemas.microsoft.com/office/drawing/2014/main" id="{9C8B1E99-DD4B-4F47-9169-618BD74BFB76}"/>
+              </a:ext>
+            </a:extLst>
+          </p:cNvPr>
+          <p:cNvPicPr>
+            <a:picLocks noChangeAspect="1"/>
+          </p:cNvPicPr>
+          <p:nvPr/>
+        </p:nvPicPr>
+        <p:blipFill>
+          <a:blip r:embed="rId3"/>
+          <a:stretch>
+            <a:fillRect/>
+          </a:stretch>
+        </p:blipFill>
+        <p:spPr>
+          <a:xfrm>
+            <a:off x="4884660" y="803103"/>
+            <a:ext cx="4228067" cy="5251793"/>
+          </a:xfrm>
+          <a:prstGeom prst="rect">
+            <a:avLst/>
+          </a:prstGeom>
+        </p:spPr>
+      </p:pic>
+    </p:spTree>
+    <p:extLst>
+      <p:ext uri="{BB962C8B-B14F-4D97-AF65-F5344CB8AC3E}">
+        <p14:creationId xmlns:p14="http://schemas.microsoft.com/office/powerpoint/2010/main" val="2925774630"/>
+      </p:ext>
+    </p:extLst>
+  </p:cSld>
+  <p:clrMapOvr>
+    <a:masterClrMapping/>
+  </p:clrMapOvr>
+</p:sld>
+</file>
+
+<file path=ppt/slides/slide12.xml><?xml version="1.0" encoding="utf-8"?>
+<p:sld xmlns:a="http://schemas.openxmlformats.org/drawingml/2006/main" xmlns:r="http://schemas.openxmlformats.org/officeDocument/2006/relationships" xmlns:p="http://schemas.openxmlformats.org/presentationml/2006/main">
+  <p:cSld>
+    <p:spTree>
+      <p:nvGrpSpPr>
+        <p:cNvPr id="1" name=""/>
+        <p:cNvGrpSpPr/>
+        <p:nvPr/>
+      </p:nvGrpSpPr>
+      <p:grpSpPr>
+        <a:xfrm>
+          <a:off x="0" y="0"/>
+          <a:ext cx="0" cy="0"/>
+          <a:chOff x="0" y="0"/>
+          <a:chExt cx="0" cy="0"/>
+        </a:xfrm>
+      </p:grpSpPr>
+      <p:sp>
+        <p:nvSpPr>
+          <p:cNvPr id="3" name="スライド番号プレースホルダー 2">
+            <a:extLst>
+              <a:ext uri="{FF2B5EF4-FFF2-40B4-BE49-F238E27FC236}">
+                <a16:creationId xmlns:a16="http://schemas.microsoft.com/office/drawing/2014/main" id="{0988BD2D-070A-419A-9744-FEC20A4444F5}"/>
+              </a:ext>
+            </a:extLst>
+          </p:cNvPr>
+          <p:cNvSpPr>
+            <a:spLocks noGrp="1"/>
+          </p:cNvSpPr>
+          <p:nvPr>
+            <p:ph type="sldNum" sz="quarter" idx="11"/>
+          </p:nvPr>
+        </p:nvSpPr>
+        <p:spPr/>
+        <p:txBody>
+          <a:bodyPr/>
+          <a:lstStyle/>
+          <a:p>
+            <a:fld id="{584EAAFE-CFE5-40AD-8E95-5BFF290DC5CF}" type="slidenum">
+              <a:rPr kumimoji="1" lang="ja-JP" altLang="en-US" smtClean="0"/>
+              <a:pPr/>
+              <a:t>12</a:t>
+            </a:fld>
+            <a:endParaRPr kumimoji="1" lang="ja-JP" altLang="en-US"/>
+          </a:p>
+        </p:txBody>
+      </p:sp>
+      <p:sp>
+        <p:nvSpPr>
+          <p:cNvPr id="4" name="テキスト プレースホルダー 3">
+            <a:extLst>
+              <a:ext uri="{FF2B5EF4-FFF2-40B4-BE49-F238E27FC236}">
+                <a16:creationId xmlns:a16="http://schemas.microsoft.com/office/drawing/2014/main" id="{5501B8AA-6467-482E-AC29-39530B3DC4D2}"/>
+              </a:ext>
+            </a:extLst>
+          </p:cNvPr>
+          <p:cNvSpPr>
+            <a:spLocks noGrp="1"/>
+          </p:cNvSpPr>
+          <p:nvPr>
+            <p:ph type="body" sz="quarter" idx="12"/>
+          </p:nvPr>
+        </p:nvSpPr>
+        <p:spPr/>
+        <p:txBody>
+          <a:bodyPr/>
+          <a:lstStyle/>
+          <a:p>
+            <a:endParaRPr lang="ja-JP" altLang="en-US"/>
+          </a:p>
+        </p:txBody>
+      </p:sp>
+    </p:spTree>
+    <p:extLst>
+      <p:ext uri="{BB962C8B-B14F-4D97-AF65-F5344CB8AC3E}">
+        <p14:creationId xmlns:p14="http://schemas.microsoft.com/office/powerpoint/2010/main" val="2789773567"/>
+      </p:ext>
+    </p:extLst>
+  </p:cSld>
+  <p:clrMapOvr>
+    <a:masterClrMapping/>
+  </p:clrMapOvr>
+</p:sld>
+</file>
+
+<file path=ppt/slides/slide13.xml><?xml version="1.0" encoding="utf-8"?>
+<p:sld xmlns:a="http://schemas.openxmlformats.org/drawingml/2006/main" xmlns:r="http://schemas.openxmlformats.org/officeDocument/2006/relationships" xmlns:p="http://schemas.openxmlformats.org/presentationml/2006/main">
+  <p:cSld>
+    <p:spTree>
+      <p:nvGrpSpPr>
+        <p:cNvPr id="1" name=""/>
+        <p:cNvGrpSpPr/>
+        <p:nvPr/>
+      </p:nvGrpSpPr>
+      <p:grpSpPr>
+        <a:xfrm>
+          <a:off x="0" y="0"/>
+          <a:ext cx="0" cy="0"/>
+          <a:chOff x="0" y="0"/>
+          <a:chExt cx="0" cy="0"/>
+        </a:xfrm>
+      </p:grpSpPr>
+      <p:sp>
+        <p:nvSpPr>
+          <p:cNvPr id="3" name="スライド番号プレースホルダー 2">
+            <a:extLst>
+              <a:ext uri="{FF2B5EF4-FFF2-40B4-BE49-F238E27FC236}">
+                <a16:creationId xmlns:a16="http://schemas.microsoft.com/office/drawing/2014/main" id="{ED23190D-575C-49DE-8293-87C3C1C8D779}"/>
+              </a:ext>
+            </a:extLst>
+          </p:cNvPr>
+          <p:cNvSpPr>
+            <a:spLocks noGrp="1"/>
+          </p:cNvSpPr>
+          <p:nvPr>
+            <p:ph type="sldNum" sz="quarter" idx="10"/>
+          </p:nvPr>
+        </p:nvSpPr>
+        <p:spPr/>
+        <p:txBody>
+          <a:bodyPr/>
+          <a:lstStyle/>
+          <a:p>
+            <a:fld id="{584EAAFE-CFE5-40AD-8E95-5BFF290DC5CF}" type="slidenum">
+              <a:rPr kumimoji="1" lang="ja-JP" altLang="en-US" smtClean="0"/>
+              <a:pPr/>
+              <a:t>13</a:t>
+            </a:fld>
+            <a:endParaRPr kumimoji="1" lang="ja-JP" altLang="en-US"/>
+          </a:p>
+        </p:txBody>
+      </p:sp>
+      <p:sp>
+        <p:nvSpPr>
+          <p:cNvPr id="7" name="テキスト プレースホルダー 3">
+            <a:extLst>
+              <a:ext uri="{FF2B5EF4-FFF2-40B4-BE49-F238E27FC236}">
+                <a16:creationId xmlns:a16="http://schemas.microsoft.com/office/drawing/2014/main" id="{291F981B-B4AE-4FD4-9296-21C8B50480E4}"/>
+              </a:ext>
+            </a:extLst>
+          </p:cNvPr>
+          <p:cNvSpPr>
+            <a:spLocks noGrp="1"/>
+          </p:cNvSpPr>
+          <p:nvPr>
+            <p:ph type="body" sz="quarter" idx="11"/>
+          </p:nvPr>
+        </p:nvSpPr>
+        <p:spPr>
+          <a:xfrm>
+            <a:off x="517056" y="1071368"/>
+            <a:ext cx="11170120" cy="575888"/>
+          </a:xfrm>
+        </p:spPr>
+        <p:txBody>
+          <a:bodyPr/>
+          <a:lstStyle/>
+          <a:p>
+            <a:pPr marL="457200" indent="-457200">
+              <a:buFont typeface="Wingdings" panose="05000000000000000000" pitchFamily="2" charset="2"/>
+              <a:buChar char="n"/>
+            </a:pPr>
+            <a:r>
+              <a:rPr kumimoji="1" lang="en-US" altLang="ja-JP" sz="2800" dirty="0">
+                <a:solidFill>
+                  <a:schemeClr val="accent1"/>
+                </a:solidFill>
+              </a:rPr>
+              <a:t>FY22</a:t>
+            </a:r>
+            <a:r>
+              <a:rPr kumimoji="1" lang="ja-JP" altLang="en-US" sz="2800" dirty="0">
+                <a:solidFill>
+                  <a:schemeClr val="accent1"/>
+                </a:solidFill>
+              </a:rPr>
+              <a:t>下期の調査は、相互関連性と優先度が高い項目に限定する。</a:t>
+            </a:r>
+            <a:endParaRPr lang="en-US" altLang="ja-JP" sz="1800" dirty="0">
+              <a:solidFill>
+                <a:schemeClr val="accent1"/>
+              </a:solidFill>
+            </a:endParaRPr>
+          </a:p>
+        </p:txBody>
+      </p:sp>
+      <p:sp>
+        <p:nvSpPr>
+          <p:cNvPr id="2" name="正方形/長方形 1">
+            <a:extLst>
+              <a:ext uri="{FF2B5EF4-FFF2-40B4-BE49-F238E27FC236}">
+                <a16:creationId xmlns:a16="http://schemas.microsoft.com/office/drawing/2014/main" id="{F2194457-9556-42A1-886A-657DF2908DEE}"/>
+              </a:ext>
+            </a:extLst>
+          </p:cNvPr>
+          <p:cNvSpPr/>
+          <p:nvPr/>
+        </p:nvSpPr>
+        <p:spPr>
+          <a:xfrm>
+            <a:off x="589196" y="2035922"/>
+            <a:ext cx="4497154" cy="428351"/>
+          </a:xfrm>
+          <a:prstGeom prst="rect">
+            <a:avLst/>
+          </a:prstGeom>
+          <a:solidFill>
+            <a:schemeClr val="accent1"/>
+          </a:solidFill>
+        </p:spPr>
+        <p:style>
+          <a:lnRef idx="2">
+            <a:schemeClr val="accent1">
+              <a:shade val="50000"/>
+            </a:schemeClr>
+          </a:lnRef>
+          <a:fillRef idx="1">
+            <a:schemeClr val="accent1"/>
+          </a:fillRef>
+          <a:effectRef idx="0">
+            <a:schemeClr val="accent1"/>
+          </a:effectRef>
+          <a:fontRef idx="minor">
+            <a:schemeClr val="lt1"/>
+          </a:fontRef>
+        </p:style>
+        <p:txBody>
+          <a:bodyPr rtlCol="0" anchor="ctr"/>
+          <a:lstStyle/>
+          <a:p>
+            <a:pPr algn="ctr"/>
+            <a:r>
+              <a:rPr kumimoji="1" lang="ja-JP" altLang="en-US" dirty="0">
+                <a:solidFill>
+                  <a:schemeClr val="bg1"/>
+                </a:solidFill>
+              </a:rPr>
+              <a:t>②セルロース分解酵素の実験検証</a:t>
+            </a:r>
+          </a:p>
+        </p:txBody>
+      </p:sp>
+      <p:sp>
+        <p:nvSpPr>
+          <p:cNvPr id="9" name="正方形/長方形 8">
+            <a:extLst>
+              <a:ext uri="{FF2B5EF4-FFF2-40B4-BE49-F238E27FC236}">
+                <a16:creationId xmlns:a16="http://schemas.microsoft.com/office/drawing/2014/main" id="{FE282B96-CEA2-4154-AEF4-E2B3E42F264F}"/>
+              </a:ext>
+            </a:extLst>
+          </p:cNvPr>
+          <p:cNvSpPr/>
+          <p:nvPr/>
+        </p:nvSpPr>
+        <p:spPr>
+          <a:xfrm>
+            <a:off x="6789971" y="2035922"/>
+            <a:ext cx="4497154" cy="428351"/>
+          </a:xfrm>
+          <a:prstGeom prst="rect">
+            <a:avLst/>
+          </a:prstGeom>
+          <a:solidFill>
+            <a:schemeClr val="accent1"/>
+          </a:solidFill>
+        </p:spPr>
+        <p:style>
+          <a:lnRef idx="2">
+            <a:schemeClr val="accent1">
+              <a:shade val="50000"/>
+            </a:schemeClr>
+          </a:lnRef>
+          <a:fillRef idx="1">
+            <a:schemeClr val="accent1"/>
+          </a:fillRef>
+          <a:effectRef idx="0">
+            <a:schemeClr val="accent1"/>
+          </a:effectRef>
+          <a:fontRef idx="minor">
+            <a:schemeClr val="lt1"/>
+          </a:fontRef>
+        </p:style>
+        <p:txBody>
+          <a:bodyPr rtlCol="0" anchor="ctr"/>
+          <a:lstStyle/>
+          <a:p>
+            <a:pPr algn="ctr"/>
+            <a:r>
+              <a:rPr kumimoji="1" lang="ja-JP" altLang="en-US" dirty="0">
+                <a:solidFill>
+                  <a:schemeClr val="bg1"/>
+                </a:solidFill>
+              </a:rPr>
+              <a:t>③ー１セルラーゼ製剤の調査</a:t>
+            </a:r>
+          </a:p>
+        </p:txBody>
+      </p:sp>
+      <p:sp>
+        <p:nvSpPr>
+          <p:cNvPr id="11" name="正方形/長方形 10">
+            <a:extLst>
+              <a:ext uri="{FF2B5EF4-FFF2-40B4-BE49-F238E27FC236}">
+                <a16:creationId xmlns:a16="http://schemas.microsoft.com/office/drawing/2014/main" id="{B0D900E2-77B1-42E7-BF3B-6F6977E5EE0F}"/>
+              </a:ext>
+            </a:extLst>
+          </p:cNvPr>
+          <p:cNvSpPr/>
+          <p:nvPr/>
+        </p:nvSpPr>
+        <p:spPr>
+          <a:xfrm>
+            <a:off x="3547385" y="4615630"/>
+            <a:ext cx="4791695" cy="428351"/>
+          </a:xfrm>
+          <a:prstGeom prst="rect">
+            <a:avLst/>
+          </a:prstGeom>
+          <a:solidFill>
+            <a:schemeClr val="accent1"/>
+          </a:solidFill>
+        </p:spPr>
+        <p:style>
+          <a:lnRef idx="2">
+            <a:schemeClr val="accent1">
+              <a:shade val="50000"/>
+            </a:schemeClr>
+          </a:lnRef>
+          <a:fillRef idx="1">
+            <a:schemeClr val="accent1"/>
+          </a:fillRef>
+          <a:effectRef idx="0">
+            <a:schemeClr val="accent1"/>
+          </a:effectRef>
+          <a:fontRef idx="minor">
+            <a:schemeClr val="lt1"/>
+          </a:fontRef>
+        </p:style>
+        <p:txBody>
+          <a:bodyPr rtlCol="0" anchor="ctr"/>
+          <a:lstStyle/>
+          <a:p>
+            <a:pPr algn="ctr"/>
+            <a:r>
+              <a:rPr kumimoji="1" lang="ja-JP" altLang="en-US" dirty="0">
+                <a:solidFill>
+                  <a:schemeClr val="bg1"/>
+                </a:solidFill>
+              </a:rPr>
+              <a:t>③ー２バイオ系物質生産における要素技術調査</a:t>
+            </a:r>
+          </a:p>
+        </p:txBody>
+      </p:sp>
+      <p:sp>
+        <p:nvSpPr>
+          <p:cNvPr id="12" name="テキスト ボックス 11">
+            <a:extLst>
+              <a:ext uri="{FF2B5EF4-FFF2-40B4-BE49-F238E27FC236}">
+                <a16:creationId xmlns:a16="http://schemas.microsoft.com/office/drawing/2014/main" id="{C7C0D27B-2CE9-4EED-B06E-220486F54052}"/>
+              </a:ext>
+            </a:extLst>
+          </p:cNvPr>
+          <p:cNvSpPr txBox="1"/>
+          <p:nvPr/>
+        </p:nvSpPr>
+        <p:spPr>
+          <a:xfrm>
+            <a:off x="545128" y="2614965"/>
+            <a:ext cx="4935967" cy="369332"/>
+          </a:xfrm>
+          <a:prstGeom prst="rect">
+            <a:avLst/>
+          </a:prstGeom>
+          <a:noFill/>
+        </p:spPr>
+        <p:txBody>
+          <a:bodyPr wrap="none" rtlCol="0">
+            <a:spAutoFit/>
+          </a:bodyPr>
+          <a:lstStyle/>
+          <a:p>
+            <a:r>
+              <a:rPr kumimoji="1" lang="ja-JP" altLang="en-US" dirty="0"/>
+              <a:t>設計</a:t>
+            </a:r>
+            <a:r>
+              <a:rPr kumimoji="1" lang="en-US" altLang="ja-JP" dirty="0"/>
+              <a:t>CBD</a:t>
+            </a:r>
+            <a:r>
+              <a:rPr kumimoji="1" lang="ja-JP" altLang="en-US" dirty="0"/>
+              <a:t>を含む酵素の合成・評価の可能性を検証</a:t>
+            </a:r>
+          </a:p>
+        </p:txBody>
+      </p:sp>
+      <p:sp>
+        <p:nvSpPr>
+          <p:cNvPr id="13" name="テキスト ボックス 12">
+            <a:extLst>
+              <a:ext uri="{FF2B5EF4-FFF2-40B4-BE49-F238E27FC236}">
+                <a16:creationId xmlns:a16="http://schemas.microsoft.com/office/drawing/2014/main" id="{ABBE04FD-190F-43B8-989F-1473273CA8AD}"/>
+              </a:ext>
+            </a:extLst>
+          </p:cNvPr>
+          <p:cNvSpPr txBox="1"/>
+          <p:nvPr/>
+        </p:nvSpPr>
+        <p:spPr>
+          <a:xfrm>
+            <a:off x="545128" y="2984071"/>
+            <a:ext cx="4791696" cy="369332"/>
+          </a:xfrm>
+          <a:prstGeom prst="rect">
+            <a:avLst/>
+          </a:prstGeom>
+          <a:noFill/>
+        </p:spPr>
+        <p:txBody>
+          <a:bodyPr wrap="none" rtlCol="0">
+            <a:spAutoFit/>
+          </a:bodyPr>
+          <a:lstStyle/>
+          <a:p>
+            <a:r>
+              <a:rPr kumimoji="1" lang="ja-JP" altLang="en-US" dirty="0"/>
+              <a:t>設計</a:t>
+            </a:r>
+            <a:r>
+              <a:rPr kumimoji="1" lang="en-US" altLang="ja-JP" dirty="0"/>
+              <a:t>CBD</a:t>
+            </a:r>
+            <a:r>
+              <a:rPr kumimoji="1" lang="ja-JP" altLang="en-US" dirty="0"/>
+              <a:t>とセルロース分解活性との関係性の検証</a:t>
+            </a:r>
+          </a:p>
+        </p:txBody>
+      </p:sp>
+      <p:sp>
+        <p:nvSpPr>
+          <p:cNvPr id="14" name="テキスト ボックス 13">
+            <a:extLst>
+              <a:ext uri="{FF2B5EF4-FFF2-40B4-BE49-F238E27FC236}">
+                <a16:creationId xmlns:a16="http://schemas.microsoft.com/office/drawing/2014/main" id="{50A5CA0C-035E-43B4-BB0C-F3162D1643E3}"/>
+              </a:ext>
+            </a:extLst>
+          </p:cNvPr>
+          <p:cNvSpPr txBox="1"/>
+          <p:nvPr/>
+        </p:nvSpPr>
+        <p:spPr>
+          <a:xfrm>
+            <a:off x="1294208" y="3357167"/>
+            <a:ext cx="4155700" cy="338554"/>
+          </a:xfrm>
+          <a:prstGeom prst="rect">
+            <a:avLst/>
+          </a:prstGeom>
+          <a:noFill/>
+        </p:spPr>
+        <p:txBody>
+          <a:bodyPr wrap="square" rtlCol="0">
+            <a:spAutoFit/>
+          </a:bodyPr>
+          <a:lstStyle/>
+          <a:p>
+            <a:r>
+              <a:rPr kumimoji="1" lang="en-US" altLang="ja-JP" sz="1600" dirty="0" err="1"/>
+              <a:t>Te</a:t>
+            </a:r>
+            <a:r>
+              <a:rPr kumimoji="1" lang="en-US" altLang="ja-JP" sz="1600" dirty="0"/>
+              <a:t>-Tr Cel7A</a:t>
+            </a:r>
+            <a:r>
+              <a:rPr kumimoji="1" lang="ja-JP" altLang="en-US" sz="1600" dirty="0"/>
+              <a:t>、</a:t>
+            </a:r>
+            <a:r>
+              <a:rPr kumimoji="1" lang="en-US" altLang="ja-JP" sz="1600" dirty="0"/>
+              <a:t>PcCel7D</a:t>
+            </a:r>
+            <a:r>
+              <a:rPr kumimoji="1" lang="ja-JP" altLang="en-US" sz="1600" dirty="0"/>
+              <a:t>、</a:t>
+            </a:r>
+            <a:r>
+              <a:rPr kumimoji="1" lang="en-US" altLang="ja-JP" sz="1600" dirty="0"/>
+              <a:t>TrCel7A</a:t>
+            </a:r>
+            <a:r>
+              <a:rPr kumimoji="1" lang="ja-JP" altLang="en-US" sz="1400" dirty="0"/>
+              <a:t>（＠</a:t>
+            </a:r>
+            <a:r>
+              <a:rPr kumimoji="1" lang="en-US" altLang="ja-JP" sz="1400" dirty="0"/>
+              <a:t>Pichia</a:t>
+            </a:r>
+            <a:r>
+              <a:rPr kumimoji="1" lang="ja-JP" altLang="en-US" sz="1400" dirty="0"/>
+              <a:t>）</a:t>
+            </a:r>
+          </a:p>
+        </p:txBody>
+      </p:sp>
+      <p:sp>
+        <p:nvSpPr>
+          <p:cNvPr id="15" name="テキスト ボックス 14">
+            <a:extLst>
+              <a:ext uri="{FF2B5EF4-FFF2-40B4-BE49-F238E27FC236}">
+                <a16:creationId xmlns:a16="http://schemas.microsoft.com/office/drawing/2014/main" id="{5F327FAB-3B9D-4DB0-9480-2970AEAB562A}"/>
+              </a:ext>
+            </a:extLst>
+          </p:cNvPr>
+          <p:cNvSpPr txBox="1"/>
+          <p:nvPr/>
+        </p:nvSpPr>
+        <p:spPr>
+          <a:xfrm>
+            <a:off x="7156383" y="2571951"/>
+            <a:ext cx="4038865" cy="923330"/>
+          </a:xfrm>
+          <a:prstGeom prst="rect">
+            <a:avLst/>
+          </a:prstGeom>
+          <a:noFill/>
+        </p:spPr>
+        <p:txBody>
+          <a:bodyPr wrap="square" rtlCol="0">
+            <a:spAutoFit/>
+          </a:bodyPr>
+          <a:lstStyle/>
+          <a:p>
+            <a:r>
+              <a:rPr kumimoji="1" lang="ja-JP" altLang="en-US" dirty="0"/>
+              <a:t>（長期的には他の市場も想定するが）</a:t>
+            </a:r>
+            <a:endParaRPr kumimoji="1" lang="en-US" altLang="ja-JP" dirty="0"/>
+          </a:p>
+          <a:p>
+            <a:r>
+              <a:rPr kumimoji="1" lang="ja-JP" altLang="en-US" dirty="0"/>
+              <a:t>セルラーゼ製剤開発にフォーカスしたときに、セルラーゼを人工設計する価値を探る</a:t>
+            </a:r>
+          </a:p>
+        </p:txBody>
+      </p:sp>
+      <p:cxnSp>
+        <p:nvCxnSpPr>
+          <p:cNvPr id="6" name="直線矢印コネクタ 5">
+            <a:extLst>
+              <a:ext uri="{FF2B5EF4-FFF2-40B4-BE49-F238E27FC236}">
+                <a16:creationId xmlns:a16="http://schemas.microsoft.com/office/drawing/2014/main" id="{65D31A15-9409-4695-86B6-C7B6450FBE9A}"/>
+              </a:ext>
+            </a:extLst>
+          </p:cNvPr>
+          <p:cNvCxnSpPr/>
+          <p:nvPr/>
+        </p:nvCxnSpPr>
+        <p:spPr>
+          <a:xfrm>
+            <a:off x="5380892" y="2321199"/>
+            <a:ext cx="1124683" cy="0"/>
+          </a:xfrm>
+          <a:prstGeom prst="straightConnector1">
+            <a:avLst/>
+          </a:prstGeom>
+          <a:ln>
+            <a:headEnd type="triangle"/>
+            <a:tailEnd type="triangle"/>
+          </a:ln>
+        </p:spPr>
+        <p:style>
+          <a:lnRef idx="1">
+            <a:schemeClr val="accent1"/>
+          </a:lnRef>
+          <a:fillRef idx="0">
+            <a:schemeClr val="accent1"/>
+          </a:fillRef>
+          <a:effectRef idx="0">
+            <a:schemeClr val="accent1"/>
+          </a:effectRef>
+          <a:fontRef idx="minor">
+            <a:schemeClr val="tx1"/>
+          </a:fontRef>
+        </p:style>
+      </p:cxnSp>
+      <p:sp>
+        <p:nvSpPr>
+          <p:cNvPr id="16" name="テキスト ボックス 15">
+            <a:extLst>
+              <a:ext uri="{FF2B5EF4-FFF2-40B4-BE49-F238E27FC236}">
+                <a16:creationId xmlns:a16="http://schemas.microsoft.com/office/drawing/2014/main" id="{04140406-188C-47EB-B941-50A8A30384DD}"/>
+              </a:ext>
+            </a:extLst>
+          </p:cNvPr>
+          <p:cNvSpPr txBox="1"/>
+          <p:nvPr/>
+        </p:nvSpPr>
+        <p:spPr>
+          <a:xfrm>
+            <a:off x="5294658" y="1946444"/>
+            <a:ext cx="1297150" cy="369332"/>
+          </a:xfrm>
+          <a:prstGeom prst="rect">
+            <a:avLst/>
+          </a:prstGeom>
+          <a:noFill/>
+        </p:spPr>
+        <p:txBody>
+          <a:bodyPr wrap="none" rtlCol="0">
+            <a:spAutoFit/>
+          </a:bodyPr>
+          <a:lstStyle/>
+          <a:p>
+            <a:r>
+              <a:rPr kumimoji="1" lang="ja-JP" altLang="en-US" b="1" dirty="0">
+                <a:solidFill>
+                  <a:schemeClr val="accent1"/>
+                </a:solidFill>
+              </a:rPr>
+              <a:t>関係が深い</a:t>
+            </a:r>
+          </a:p>
+        </p:txBody>
+      </p:sp>
+      <p:sp>
+        <p:nvSpPr>
+          <p:cNvPr id="8" name="二等辺三角形 7">
+            <a:extLst>
+              <a:ext uri="{FF2B5EF4-FFF2-40B4-BE49-F238E27FC236}">
+                <a16:creationId xmlns:a16="http://schemas.microsoft.com/office/drawing/2014/main" id="{C77AE99F-6E2B-4778-8AAA-96BAEACE045F}"/>
+              </a:ext>
+            </a:extLst>
+          </p:cNvPr>
+          <p:cNvSpPr/>
+          <p:nvPr/>
+        </p:nvSpPr>
+        <p:spPr>
+          <a:xfrm flipV="1">
+            <a:off x="5343834" y="4033780"/>
+            <a:ext cx="1217846" cy="235152"/>
+          </a:xfrm>
+          <a:prstGeom prst="triangle">
+            <a:avLst/>
+          </a:prstGeom>
+          <a:solidFill>
+            <a:schemeClr val="bg1">
+              <a:lumMod val="75000"/>
+            </a:schemeClr>
+          </a:solidFill>
+          <a:ln>
+            <a:noFill/>
+          </a:ln>
+        </p:spPr>
+        <p:style>
+          <a:lnRef idx="2">
+            <a:schemeClr val="accent1">
+              <a:shade val="50000"/>
+            </a:schemeClr>
+          </a:lnRef>
+          <a:fillRef idx="1">
+            <a:schemeClr val="accent1"/>
+          </a:fillRef>
+          <a:effectRef idx="0">
+            <a:schemeClr val="accent1"/>
+          </a:effectRef>
+          <a:fontRef idx="minor">
+            <a:schemeClr val="lt1"/>
+          </a:fontRef>
+        </p:style>
+        <p:txBody>
+          <a:bodyPr rtlCol="0" anchor="ctr"/>
+          <a:lstStyle/>
+          <a:p>
+            <a:pPr algn="ctr"/>
+            <a:endParaRPr kumimoji="1" lang="ja-JP" altLang="en-US">
+              <a:solidFill>
+                <a:schemeClr val="tx1"/>
+              </a:solidFill>
+            </a:endParaRPr>
+          </a:p>
+        </p:txBody>
+      </p:sp>
+      <p:sp>
+        <p:nvSpPr>
+          <p:cNvPr id="17" name="テキスト ボックス 16">
+            <a:extLst>
+              <a:ext uri="{FF2B5EF4-FFF2-40B4-BE49-F238E27FC236}">
+                <a16:creationId xmlns:a16="http://schemas.microsoft.com/office/drawing/2014/main" id="{3A3A576B-1C6E-4352-9EFC-A672C50506C9}"/>
+              </a:ext>
+            </a:extLst>
+          </p:cNvPr>
+          <p:cNvSpPr txBox="1"/>
+          <p:nvPr/>
+        </p:nvSpPr>
+        <p:spPr>
+          <a:xfrm>
+            <a:off x="6652733" y="3941108"/>
+            <a:ext cx="1717137" cy="369332"/>
+          </a:xfrm>
+          <a:prstGeom prst="rect">
+            <a:avLst/>
+          </a:prstGeom>
+          <a:noFill/>
+        </p:spPr>
+        <p:txBody>
+          <a:bodyPr wrap="none" rtlCol="0">
+            <a:spAutoFit/>
+          </a:bodyPr>
+          <a:lstStyle/>
+          <a:p>
+            <a:r>
+              <a:rPr kumimoji="1" lang="ja-JP" altLang="en-US" b="1" dirty="0">
+                <a:solidFill>
+                  <a:schemeClr val="accent1"/>
+                </a:solidFill>
+              </a:rPr>
+              <a:t>発展の位置づけ</a:t>
+            </a:r>
+          </a:p>
+        </p:txBody>
+      </p:sp>
+      <p:sp>
+        <p:nvSpPr>
+          <p:cNvPr id="18" name="テキスト ボックス 17">
+            <a:extLst>
+              <a:ext uri="{FF2B5EF4-FFF2-40B4-BE49-F238E27FC236}">
+                <a16:creationId xmlns:a16="http://schemas.microsoft.com/office/drawing/2014/main" id="{3F391651-DC85-4C20-A5A3-39A1FDD46C84}"/>
+              </a:ext>
+            </a:extLst>
+          </p:cNvPr>
+          <p:cNvSpPr txBox="1"/>
+          <p:nvPr/>
+        </p:nvSpPr>
+        <p:spPr>
+          <a:xfrm>
+            <a:off x="3941734" y="5117757"/>
+            <a:ext cx="4155666" cy="646331"/>
+          </a:xfrm>
+          <a:prstGeom prst="rect">
+            <a:avLst/>
+          </a:prstGeom>
+          <a:noFill/>
+        </p:spPr>
+        <p:txBody>
+          <a:bodyPr wrap="square" rtlCol="0">
+            <a:spAutoFit/>
+          </a:bodyPr>
+          <a:lstStyle/>
+          <a:p>
+            <a:r>
+              <a:rPr kumimoji="1" lang="ja-JP" altLang="en-US" dirty="0"/>
+              <a:t>バイオ系物質生産における、探索ではない人工設計アプローチの価値を探る</a:t>
+            </a:r>
+          </a:p>
+        </p:txBody>
+      </p:sp>
+      <p:sp>
+        <p:nvSpPr>
+          <p:cNvPr id="20" name="テキスト ボックス 19">
+            <a:extLst>
+              <a:ext uri="{FF2B5EF4-FFF2-40B4-BE49-F238E27FC236}">
+                <a16:creationId xmlns:a16="http://schemas.microsoft.com/office/drawing/2014/main" id="{906FE4BB-464C-4257-A3CA-17905A36317C}"/>
+              </a:ext>
+            </a:extLst>
+          </p:cNvPr>
+          <p:cNvSpPr txBox="1"/>
+          <p:nvPr/>
+        </p:nvSpPr>
+        <p:spPr>
+          <a:xfrm>
+            <a:off x="9860316" y="3530085"/>
+            <a:ext cx="1486304" cy="369332"/>
+          </a:xfrm>
+          <a:prstGeom prst="rect">
+            <a:avLst/>
+          </a:prstGeom>
+          <a:noFill/>
+        </p:spPr>
+        <p:txBody>
+          <a:bodyPr wrap="none" rtlCol="0">
+            <a:spAutoFit/>
+          </a:bodyPr>
+          <a:lstStyle/>
+          <a:p>
+            <a:r>
+              <a:rPr kumimoji="1" lang="ja-JP" altLang="en-US" dirty="0">
+                <a:solidFill>
+                  <a:schemeClr val="accent4"/>
+                </a:solidFill>
+              </a:rPr>
+              <a:t>優先度が高い</a:t>
+            </a:r>
+          </a:p>
+        </p:txBody>
+      </p:sp>
+      <p:sp>
+        <p:nvSpPr>
+          <p:cNvPr id="21" name="テキスト ボックス 20">
+            <a:extLst>
+              <a:ext uri="{FF2B5EF4-FFF2-40B4-BE49-F238E27FC236}">
+                <a16:creationId xmlns:a16="http://schemas.microsoft.com/office/drawing/2014/main" id="{2AACCE39-4E6E-427A-B2BC-5B295506666C}"/>
+              </a:ext>
+            </a:extLst>
+          </p:cNvPr>
+          <p:cNvSpPr txBox="1"/>
+          <p:nvPr/>
+        </p:nvSpPr>
+        <p:spPr>
+          <a:xfrm>
+            <a:off x="8393949" y="4898139"/>
+            <a:ext cx="3523231" cy="646331"/>
+          </a:xfrm>
+          <a:prstGeom prst="rect">
+            <a:avLst/>
+          </a:prstGeom>
+          <a:noFill/>
+        </p:spPr>
+        <p:txBody>
+          <a:bodyPr wrap="square" rtlCol="0">
+            <a:spAutoFit/>
+          </a:bodyPr>
+          <a:lstStyle/>
+          <a:p>
+            <a:r>
+              <a:rPr kumimoji="1" lang="ja-JP" altLang="en-US" dirty="0">
+                <a:solidFill>
+                  <a:schemeClr val="tx1">
+                    <a:lumMod val="50000"/>
+                    <a:lumOff val="50000"/>
+                  </a:schemeClr>
+                </a:solidFill>
+              </a:rPr>
+              <a:t>優先度は低いが、次期テーマを見据えて、少し着手しておきたい</a:t>
+            </a:r>
+          </a:p>
+        </p:txBody>
+      </p:sp>
+      <p:sp>
+        <p:nvSpPr>
+          <p:cNvPr id="19" name="テキスト ボックス 18">
+            <a:extLst>
+              <a:ext uri="{FF2B5EF4-FFF2-40B4-BE49-F238E27FC236}">
+                <a16:creationId xmlns:a16="http://schemas.microsoft.com/office/drawing/2014/main" id="{0DDD5F5F-409A-439E-B9E6-1135373EEF86}"/>
+              </a:ext>
+            </a:extLst>
+          </p:cNvPr>
+          <p:cNvSpPr txBox="1"/>
+          <p:nvPr/>
+        </p:nvSpPr>
+        <p:spPr>
+          <a:xfrm>
+            <a:off x="545128" y="3730265"/>
+            <a:ext cx="2137124" cy="369332"/>
+          </a:xfrm>
+          <a:prstGeom prst="rect">
+            <a:avLst/>
+          </a:prstGeom>
+          <a:noFill/>
+        </p:spPr>
+        <p:txBody>
+          <a:bodyPr wrap="none" rtlCol="0">
+            <a:spAutoFit/>
+          </a:bodyPr>
+          <a:lstStyle/>
+          <a:p>
+            <a:r>
+              <a:rPr kumimoji="1" lang="ja-JP" altLang="en-US" dirty="0">
+                <a:solidFill>
+                  <a:schemeClr val="accent1"/>
+                </a:solidFill>
+              </a:rPr>
+              <a:t>東大での実験が該当</a:t>
+            </a:r>
+          </a:p>
+        </p:txBody>
+      </p:sp>
+      <p:sp>
+        <p:nvSpPr>
+          <p:cNvPr id="22" name="タイトル 1">
+            <a:extLst>
+              <a:ext uri="{FF2B5EF4-FFF2-40B4-BE49-F238E27FC236}">
+                <a16:creationId xmlns:a16="http://schemas.microsoft.com/office/drawing/2014/main" id="{CD3E101C-68C6-4E9C-9AF3-3A527A43D6DB}"/>
+              </a:ext>
+            </a:extLst>
+          </p:cNvPr>
+          <p:cNvSpPr txBox="1">
+            <a:spLocks/>
+          </p:cNvSpPr>
+          <p:nvPr/>
+        </p:nvSpPr>
+        <p:spPr>
+          <a:xfrm>
+            <a:off x="517055" y="239225"/>
+            <a:ext cx="11400125" cy="518094"/>
+          </a:xfrm>
+          <a:prstGeom prst="rect">
+            <a:avLst/>
+          </a:prstGeom>
+        </p:spPr>
+        <p:txBody>
+          <a:bodyPr vert="horz" lIns="91440" tIns="45720" rIns="91440" bIns="45720" rtlCol="0" anchor="ctr">
+            <a:normAutofit/>
+          </a:bodyPr>
+          <a:lstStyle>
+            <a:lvl1pPr algn="l" defTabSz="914400" rtl="0" eaLnBrk="1" latinLnBrk="0" hangingPunct="1">
+              <a:lnSpc>
+                <a:spcPct val="90000"/>
+              </a:lnSpc>
+              <a:spcBef>
+                <a:spcPct val="0"/>
+              </a:spcBef>
+              <a:buNone/>
+              <a:defRPr kumimoji="1" sz="2800" b="1" kern="1200">
+                <a:solidFill>
+                  <a:schemeClr val="bg1"/>
+                </a:solidFill>
+                <a:latin typeface="+mj-lt"/>
+                <a:ea typeface="+mj-ea"/>
+                <a:cs typeface="+mj-cs"/>
+              </a:defRPr>
+            </a:lvl1pPr>
+          </a:lstStyle>
+          <a:p>
+            <a:r>
+              <a:rPr lang="ja-JP" altLang="en-US" dirty="0"/>
               <a:t>調査範囲</a:t>
             </a:r>
           </a:p>
@@ -11831,7 +14377,7 @@
 </p:sld>
 </file>
 
-<file path=ppt/slides/slide11.xml><?xml version="1.0" encoding="utf-8"?>
+<file path=ppt/slides/slide14.xml><?xml version="1.0" encoding="utf-8"?>
 <p:sld xmlns:a="http://schemas.openxmlformats.org/drawingml/2006/main" xmlns:r="http://schemas.openxmlformats.org/officeDocument/2006/relationships" xmlns:p="http://schemas.openxmlformats.org/presentationml/2006/main">
   <p:cSld>
     <p:spTree>
@@ -12044,7 +14590,7 @@
             <a:fld id="{584EAAFE-CFE5-40AD-8E95-5BFF290DC5CF}" type="slidenum">
               <a:rPr kumimoji="1" lang="ja-JP" altLang="en-US" smtClean="0"/>
               <a:pPr/>
-              <a:t>11</a:t>
+              <a:t>14</a:t>
             </a:fld>
             <a:endParaRPr kumimoji="1" lang="ja-JP" altLang="en-US"/>
           </a:p>
@@ -13168,7 +15714,7 @@
 </p:sld>
 </file>
 
-<file path=ppt/slides/slide12.xml><?xml version="1.0" encoding="utf-8"?>
+<file path=ppt/slides/slide15.xml><?xml version="1.0" encoding="utf-8"?>
 <p:sld xmlns:a="http://schemas.openxmlformats.org/drawingml/2006/main" xmlns:r="http://schemas.openxmlformats.org/officeDocument/2006/relationships" xmlns:p="http://schemas.openxmlformats.org/presentationml/2006/main">
   <p:cSld>
     <p:spTree>
@@ -13295,7 +15841,7 @@
             <a:fld id="{584EAAFE-CFE5-40AD-8E95-5BFF290DC5CF}" type="slidenum">
               <a:rPr kumimoji="1" lang="ja-JP" altLang="en-US" smtClean="0"/>
               <a:pPr/>
-              <a:t>12</a:t>
+              <a:t>15</a:t>
             </a:fld>
             <a:endParaRPr kumimoji="1" lang="ja-JP" altLang="en-US"/>
           </a:p>
@@ -14135,7 +16681,7 @@
 </p:sld>
 </file>
 
-<file path=ppt/slides/slide13.xml><?xml version="1.0" encoding="utf-8"?>
+<file path=ppt/slides/slide16.xml><?xml version="1.0" encoding="utf-8"?>
 <p:sld xmlns:a="http://schemas.openxmlformats.org/drawingml/2006/main" xmlns:r="http://schemas.openxmlformats.org/officeDocument/2006/relationships" xmlns:p="http://schemas.openxmlformats.org/presentationml/2006/main">
   <p:cSld>
     <p:spTree>
@@ -14176,7 +16722,7 @@
             <a:fld id="{584EAAFE-CFE5-40AD-8E95-5BFF290DC5CF}" type="slidenum">
               <a:rPr kumimoji="1" lang="ja-JP" altLang="en-US" smtClean="0"/>
               <a:pPr/>
-              <a:t>13</a:t>
+              <a:t>16</a:t>
             </a:fld>
             <a:endParaRPr kumimoji="1" lang="ja-JP" altLang="en-US"/>
           </a:p>
@@ -16836,7 +19382,7 @@
 </p:sld>
 </file>
 
-<file path=ppt/slides/slide14.xml><?xml version="1.0" encoding="utf-8"?>
+<file path=ppt/slides/slide17.xml><?xml version="1.0" encoding="utf-8"?>
 <p:sld xmlns:a="http://schemas.openxmlformats.org/drawingml/2006/main" xmlns:r="http://schemas.openxmlformats.org/officeDocument/2006/relationships" xmlns:p="http://schemas.openxmlformats.org/presentationml/2006/main">
   <p:cSld>
     <p:spTree>
@@ -16877,7 +19423,7 @@
             <a:fld id="{584EAAFE-CFE5-40AD-8E95-5BFF290DC5CF}" type="slidenum">
               <a:rPr kumimoji="1" lang="ja-JP" altLang="en-US" smtClean="0"/>
               <a:pPr/>
-              <a:t>14</a:t>
+              <a:t>17</a:t>
             </a:fld>
             <a:endParaRPr kumimoji="1" lang="ja-JP" altLang="en-US"/>
           </a:p>
@@ -23518,36 +26064,6 @@
           <a:chExt cx="0" cy="0"/>
         </a:xfrm>
       </p:grpSpPr>
-      <p:pic>
-        <p:nvPicPr>
-          <p:cNvPr id="5" name="図 4">
-            <a:extLst>
-              <a:ext uri="{FF2B5EF4-FFF2-40B4-BE49-F238E27FC236}">
-                <a16:creationId xmlns:a16="http://schemas.microsoft.com/office/drawing/2014/main" id="{CE7ED794-519B-4410-8A30-59841D1FF7AA}"/>
-              </a:ext>
-            </a:extLst>
-          </p:cNvPr>
-          <p:cNvPicPr>
-            <a:picLocks noChangeAspect="1"/>
-          </p:cNvPicPr>
-          <p:nvPr/>
-        </p:nvPicPr>
-        <p:blipFill>
-          <a:blip r:embed="rId3"/>
-          <a:stretch>
-            <a:fillRect/>
-          </a:stretch>
-        </p:blipFill>
-        <p:spPr>
-          <a:xfrm>
-            <a:off x="5452870" y="1722171"/>
-            <a:ext cx="6358792" cy="4371669"/>
-          </a:xfrm>
-          <a:prstGeom prst="rect">
-            <a:avLst/>
-          </a:prstGeom>
-        </p:spPr>
-      </p:pic>
       <p:sp>
         <p:nvSpPr>
           <p:cNvPr id="3" name="スライド番号プレースホルダー 2">
@@ -23627,7 +26143,7 @@
           <a:p>
             <a:r>
               <a:rPr lang="ja-JP" altLang="en-US" dirty="0"/>
-              <a:t>バイオマス利用型</a:t>
+              <a:t>バイオマス利用</a:t>
             </a:r>
           </a:p>
         </p:txBody>
@@ -23694,7 +26210,7 @@
           <p:nvPr/>
         </p:nvPicPr>
         <p:blipFill rotWithShape="1">
-          <a:blip r:embed="rId4">
+          <a:blip r:embed="rId3">
             <a:extLst>
               <a:ext uri="{28A0092B-C50C-407E-A947-70E740481C1C}">
                 <a14:useLocalDpi xmlns:a14="http://schemas.microsoft.com/office/drawing/2010/main" val="0"/>
@@ -23784,7 +26300,7 @@
         </p:nvSpPr>
         <p:spPr>
           <a:xfrm>
-            <a:off x="7963878" y="1537505"/>
+            <a:off x="4968430" y="4162464"/>
             <a:ext cx="1014413" cy="369332"/>
           </a:xfrm>
           <a:prstGeom prst="rect">
@@ -23802,6 +26318,385 @@
             <a:r>
               <a:rPr kumimoji="1" lang="ja-JP" altLang="en-US" b="1" dirty="0"/>
               <a:t>中間体</a:t>
+            </a:r>
+          </a:p>
+        </p:txBody>
+      </p:sp>
+      <p:sp>
+        <p:nvSpPr>
+          <p:cNvPr id="6" name="正方形/長方形 5">
+            <a:extLst>
+              <a:ext uri="{FF2B5EF4-FFF2-40B4-BE49-F238E27FC236}">
+                <a16:creationId xmlns:a16="http://schemas.microsoft.com/office/drawing/2014/main" id="{6DDA8FED-BADC-8F4D-778B-838C6B01651C}"/>
+              </a:ext>
+            </a:extLst>
+          </p:cNvPr>
+          <p:cNvSpPr/>
+          <p:nvPr/>
+        </p:nvSpPr>
+        <p:spPr>
+          <a:xfrm>
+            <a:off x="5982843" y="1971580"/>
+            <a:ext cx="2301882" cy="406265"/>
+          </a:xfrm>
+          <a:prstGeom prst="rect">
+            <a:avLst/>
+          </a:prstGeom>
+          <a:solidFill>
+            <a:schemeClr val="accent1"/>
+          </a:solidFill>
+        </p:spPr>
+        <p:style>
+          <a:lnRef idx="2">
+            <a:schemeClr val="accent1">
+              <a:shade val="50000"/>
+            </a:schemeClr>
+          </a:lnRef>
+          <a:fillRef idx="1">
+            <a:schemeClr val="accent1"/>
+          </a:fillRef>
+          <a:effectRef idx="0">
+            <a:schemeClr val="accent1"/>
+          </a:effectRef>
+          <a:fontRef idx="minor">
+            <a:schemeClr val="lt1"/>
+          </a:fontRef>
+        </p:style>
+        <p:txBody>
+          <a:bodyPr rtlCol="0" anchor="ctr"/>
+          <a:lstStyle/>
+          <a:p>
+            <a:pPr algn="ctr"/>
+            <a:r>
+              <a:rPr kumimoji="1" lang="ja-JP" altLang="en-US" sz="2000" dirty="0">
+                <a:solidFill>
+                  <a:schemeClr val="bg1"/>
+                </a:solidFill>
+              </a:rPr>
+              <a:t>マテリアル利用</a:t>
+            </a:r>
+          </a:p>
+        </p:txBody>
+      </p:sp>
+      <p:sp>
+        <p:nvSpPr>
+          <p:cNvPr id="7" name="正方形/長方形 6">
+            <a:extLst>
+              <a:ext uri="{FF2B5EF4-FFF2-40B4-BE49-F238E27FC236}">
+                <a16:creationId xmlns:a16="http://schemas.microsoft.com/office/drawing/2014/main" id="{D42F769B-EBD2-628D-543D-35540070A928}"/>
+              </a:ext>
+            </a:extLst>
+          </p:cNvPr>
+          <p:cNvSpPr/>
+          <p:nvPr/>
+        </p:nvSpPr>
+        <p:spPr>
+          <a:xfrm>
+            <a:off x="8919281" y="1971579"/>
+            <a:ext cx="2301882" cy="406265"/>
+          </a:xfrm>
+          <a:prstGeom prst="rect">
+            <a:avLst/>
+          </a:prstGeom>
+          <a:solidFill>
+            <a:schemeClr val="accent1"/>
+          </a:solidFill>
+        </p:spPr>
+        <p:style>
+          <a:lnRef idx="2">
+            <a:schemeClr val="accent1">
+              <a:shade val="50000"/>
+            </a:schemeClr>
+          </a:lnRef>
+          <a:fillRef idx="1">
+            <a:schemeClr val="accent1"/>
+          </a:fillRef>
+          <a:effectRef idx="0">
+            <a:schemeClr val="accent1"/>
+          </a:effectRef>
+          <a:fontRef idx="minor">
+            <a:schemeClr val="lt1"/>
+          </a:fontRef>
+        </p:style>
+        <p:txBody>
+          <a:bodyPr rtlCol="0" anchor="ctr"/>
+          <a:lstStyle/>
+          <a:p>
+            <a:pPr algn="ctr"/>
+            <a:r>
+              <a:rPr kumimoji="1" lang="ja-JP" altLang="en-US" sz="2000" dirty="0">
+                <a:solidFill>
+                  <a:schemeClr val="bg1"/>
+                </a:solidFill>
+              </a:rPr>
+              <a:t>エネルギー利用</a:t>
+            </a:r>
+          </a:p>
+        </p:txBody>
+      </p:sp>
+      <p:sp>
+        <p:nvSpPr>
+          <p:cNvPr id="12" name="テキスト ボックス 11">
+            <a:extLst>
+              <a:ext uri="{FF2B5EF4-FFF2-40B4-BE49-F238E27FC236}">
+                <a16:creationId xmlns:a16="http://schemas.microsoft.com/office/drawing/2014/main" id="{19DD5C56-7402-0F9B-233F-8824BFD9A128}"/>
+              </a:ext>
+            </a:extLst>
+          </p:cNvPr>
+          <p:cNvSpPr txBox="1"/>
+          <p:nvPr/>
+        </p:nvSpPr>
+        <p:spPr>
+          <a:xfrm>
+            <a:off x="5891818" y="2469839"/>
+            <a:ext cx="2392907" cy="646331"/>
+          </a:xfrm>
+          <a:prstGeom prst="rect">
+            <a:avLst/>
+          </a:prstGeom>
+          <a:noFill/>
+        </p:spPr>
+        <p:txBody>
+          <a:bodyPr wrap="square" rtlCol="0">
+            <a:spAutoFit/>
+          </a:bodyPr>
+          <a:lstStyle/>
+          <a:p>
+            <a:r>
+              <a:rPr kumimoji="1" lang="ja-JP" altLang="en-US" b="1" dirty="0"/>
+              <a:t>バイオマスを原材料として利用</a:t>
+            </a:r>
+          </a:p>
+        </p:txBody>
+      </p:sp>
+      <p:sp>
+        <p:nvSpPr>
+          <p:cNvPr id="14" name="テキスト ボックス 13">
+            <a:extLst>
+              <a:ext uri="{FF2B5EF4-FFF2-40B4-BE49-F238E27FC236}">
+                <a16:creationId xmlns:a16="http://schemas.microsoft.com/office/drawing/2014/main" id="{8B04965F-2C3F-8864-7646-053C2C8C1FD0}"/>
+              </a:ext>
+            </a:extLst>
+          </p:cNvPr>
+          <p:cNvSpPr txBox="1"/>
+          <p:nvPr/>
+        </p:nvSpPr>
+        <p:spPr>
+          <a:xfrm>
+            <a:off x="8691884" y="2481429"/>
+            <a:ext cx="2529279" cy="646331"/>
+          </a:xfrm>
+          <a:prstGeom prst="rect">
+            <a:avLst/>
+          </a:prstGeom>
+          <a:noFill/>
+        </p:spPr>
+        <p:txBody>
+          <a:bodyPr wrap="square" rtlCol="0">
+            <a:spAutoFit/>
+          </a:bodyPr>
+          <a:lstStyle/>
+          <a:p>
+            <a:r>
+              <a:rPr kumimoji="1" lang="ja-JP" altLang="en-US" b="1" dirty="0"/>
+              <a:t>バイオマスをエネルギー化・燃料化</a:t>
+            </a:r>
+          </a:p>
+        </p:txBody>
+      </p:sp>
+      <p:sp>
+        <p:nvSpPr>
+          <p:cNvPr id="15" name="テキスト ボックス 14">
+            <a:extLst>
+              <a:ext uri="{FF2B5EF4-FFF2-40B4-BE49-F238E27FC236}">
+                <a16:creationId xmlns:a16="http://schemas.microsoft.com/office/drawing/2014/main" id="{3B9816A9-0547-89E3-6D84-D30986995500}"/>
+              </a:ext>
+            </a:extLst>
+          </p:cNvPr>
+          <p:cNvSpPr txBox="1"/>
+          <p:nvPr/>
+        </p:nvSpPr>
+        <p:spPr>
+          <a:xfrm>
+            <a:off x="8573691" y="4944075"/>
+            <a:ext cx="2392907" cy="369332"/>
+          </a:xfrm>
+          <a:prstGeom prst="rect">
+            <a:avLst/>
+          </a:prstGeom>
+          <a:noFill/>
+        </p:spPr>
+        <p:txBody>
+          <a:bodyPr wrap="square" rtlCol="0">
+            <a:spAutoFit/>
+          </a:bodyPr>
+          <a:lstStyle/>
+          <a:p>
+            <a:r>
+              <a:rPr kumimoji="1" lang="ja-JP" altLang="en-US" b="1" dirty="0"/>
+              <a:t>バイオマス燃料</a:t>
+            </a:r>
+          </a:p>
+        </p:txBody>
+      </p:sp>
+      <p:sp>
+        <p:nvSpPr>
+          <p:cNvPr id="16" name="テキスト ボックス 15">
+            <a:extLst>
+              <a:ext uri="{FF2B5EF4-FFF2-40B4-BE49-F238E27FC236}">
+                <a16:creationId xmlns:a16="http://schemas.microsoft.com/office/drawing/2014/main" id="{86380B7C-A8A4-4912-E0E7-1F57142149D2}"/>
+              </a:ext>
+            </a:extLst>
+          </p:cNvPr>
+          <p:cNvSpPr txBox="1"/>
+          <p:nvPr/>
+        </p:nvSpPr>
+        <p:spPr>
+          <a:xfrm>
+            <a:off x="8553814" y="3458720"/>
+            <a:ext cx="3039769" cy="646331"/>
+          </a:xfrm>
+          <a:prstGeom prst="rect">
+            <a:avLst/>
+          </a:prstGeom>
+          <a:noFill/>
+        </p:spPr>
+        <p:txBody>
+          <a:bodyPr wrap="square" rtlCol="0">
+            <a:spAutoFit/>
+          </a:bodyPr>
+          <a:lstStyle/>
+          <a:p>
+            <a:r>
+              <a:rPr kumimoji="1" lang="ja-JP" altLang="en-US" b="1" dirty="0"/>
+              <a:t>直接燃焼</a:t>
+            </a:r>
+            <a:endParaRPr kumimoji="1" lang="en-US" altLang="ja-JP" b="1" dirty="0"/>
+          </a:p>
+          <a:p>
+            <a:r>
+              <a:rPr kumimoji="1" lang="ja-JP" altLang="en-US" b="1" dirty="0"/>
+              <a:t>発生するメタンガスを利用</a:t>
+            </a:r>
+          </a:p>
+        </p:txBody>
+      </p:sp>
+      <p:sp>
+        <p:nvSpPr>
+          <p:cNvPr id="17" name="テキスト ボックス 16">
+            <a:extLst>
+              <a:ext uri="{FF2B5EF4-FFF2-40B4-BE49-F238E27FC236}">
+                <a16:creationId xmlns:a16="http://schemas.microsoft.com/office/drawing/2014/main" id="{A3322EA4-8A01-1B91-8DDD-D0235215FDEA}"/>
+              </a:ext>
+            </a:extLst>
+          </p:cNvPr>
+          <p:cNvSpPr txBox="1"/>
+          <p:nvPr/>
+        </p:nvSpPr>
+        <p:spPr>
+          <a:xfrm>
+            <a:off x="5823632" y="3472159"/>
+            <a:ext cx="2392907" cy="923330"/>
+          </a:xfrm>
+          <a:prstGeom prst="rect">
+            <a:avLst/>
+          </a:prstGeom>
+          <a:noFill/>
+        </p:spPr>
+        <p:txBody>
+          <a:bodyPr wrap="square" rtlCol="0">
+            <a:spAutoFit/>
+          </a:bodyPr>
+          <a:lstStyle/>
+          <a:p>
+            <a:r>
+              <a:rPr kumimoji="1" lang="ja-JP" altLang="en-US" b="1" dirty="0"/>
+              <a:t>直接利用</a:t>
+            </a:r>
+            <a:endParaRPr kumimoji="1" lang="en-US" altLang="ja-JP" b="1" dirty="0"/>
+          </a:p>
+          <a:p>
+            <a:r>
+              <a:rPr kumimoji="1" lang="ja-JP" altLang="en-US" b="1" dirty="0"/>
+              <a:t>（堆肥化、飼料化、材料利用）</a:t>
+            </a:r>
+          </a:p>
+        </p:txBody>
+      </p:sp>
+      <p:sp>
+        <p:nvSpPr>
+          <p:cNvPr id="18" name="テキスト ボックス 17">
+            <a:extLst>
+              <a:ext uri="{FF2B5EF4-FFF2-40B4-BE49-F238E27FC236}">
+                <a16:creationId xmlns:a16="http://schemas.microsoft.com/office/drawing/2014/main" id="{07892CE4-C4EF-07F0-BAC1-3C186BA6EB28}"/>
+              </a:ext>
+            </a:extLst>
+          </p:cNvPr>
+          <p:cNvSpPr txBox="1"/>
+          <p:nvPr/>
+        </p:nvSpPr>
+        <p:spPr>
+          <a:xfrm>
+            <a:off x="9936482" y="3412553"/>
+            <a:ext cx="1350733" cy="369332"/>
+          </a:xfrm>
+          <a:prstGeom prst="rect">
+            <a:avLst/>
+          </a:prstGeom>
+          <a:noFill/>
+        </p:spPr>
+        <p:txBody>
+          <a:bodyPr wrap="square" rtlCol="0">
+            <a:spAutoFit/>
+          </a:bodyPr>
+          <a:lstStyle/>
+          <a:p>
+            <a:pPr algn="ctr"/>
+            <a:r>
+              <a:rPr kumimoji="1" lang="ja-JP" altLang="en-US" dirty="0"/>
+              <a:t>進んでいる</a:t>
+            </a:r>
+          </a:p>
+        </p:txBody>
+      </p:sp>
+      <p:sp>
+        <p:nvSpPr>
+          <p:cNvPr id="19" name="テキスト ボックス 18">
+            <a:extLst>
+              <a:ext uri="{FF2B5EF4-FFF2-40B4-BE49-F238E27FC236}">
+                <a16:creationId xmlns:a16="http://schemas.microsoft.com/office/drawing/2014/main" id="{4028523D-5A93-A137-036D-304A94A7D2BC}"/>
+              </a:ext>
+            </a:extLst>
+          </p:cNvPr>
+          <p:cNvSpPr txBox="1"/>
+          <p:nvPr/>
+        </p:nvSpPr>
+        <p:spPr>
+          <a:xfrm>
+            <a:off x="5823632" y="4487390"/>
+            <a:ext cx="2392907" cy="923330"/>
+          </a:xfrm>
+          <a:prstGeom prst="rect">
+            <a:avLst/>
+          </a:prstGeom>
+          <a:noFill/>
+        </p:spPr>
+        <p:txBody>
+          <a:bodyPr wrap="square" rtlCol="0">
+            <a:spAutoFit/>
+          </a:bodyPr>
+          <a:lstStyle/>
+          <a:p>
+            <a:r>
+              <a:rPr kumimoji="1" lang="ja-JP" altLang="en-US" b="1" dirty="0"/>
+              <a:t>化学製品</a:t>
+            </a:r>
+            <a:endParaRPr kumimoji="1" lang="en-US" altLang="ja-JP" b="1" dirty="0"/>
+          </a:p>
+          <a:p>
+            <a:r>
+              <a:rPr kumimoji="1" lang="ja-JP" altLang="en-US" b="1" dirty="0"/>
+              <a:t>（基礎化学原料、バイオプラスチック）</a:t>
             </a:r>
           </a:p>
         </p:txBody>
@@ -23915,7 +26810,7 @@
           <a:p>
             <a:r>
               <a:rPr lang="ja-JP" altLang="en-US" dirty="0"/>
-              <a:t>バイオマス資源の種類</a:t>
+              <a:t>カスケード的利用</a:t>
             </a:r>
           </a:p>
         </p:txBody>
@@ -23969,415 +26864,411 @@
       </p:sp>
       <p:sp>
         <p:nvSpPr>
-          <p:cNvPr id="12" name="正方形/長方形 11">
-            <a:extLst>
-              <a:ext uri="{FF2B5EF4-FFF2-40B4-BE49-F238E27FC236}">
-                <a16:creationId xmlns:a16="http://schemas.microsoft.com/office/drawing/2014/main" id="{59949D2D-0CC5-4040-B841-D1F010150859}"/>
-              </a:ext>
-            </a:extLst>
-          </p:cNvPr>
-          <p:cNvSpPr/>
-          <p:nvPr/>
-        </p:nvSpPr>
-        <p:spPr>
-          <a:xfrm>
-            <a:off x="304987" y="1103739"/>
-            <a:ext cx="3370185" cy="406265"/>
-          </a:xfrm>
-          <a:prstGeom prst="rect">
-            <a:avLst/>
-          </a:prstGeom>
-          <a:solidFill>
-            <a:schemeClr val="accent1"/>
-          </a:solidFill>
-        </p:spPr>
-        <p:style>
-          <a:lnRef idx="2">
-            <a:schemeClr val="accent1">
-              <a:shade val="50000"/>
-            </a:schemeClr>
-          </a:lnRef>
-          <a:fillRef idx="1">
-            <a:schemeClr val="accent1"/>
-          </a:fillRef>
-          <a:effectRef idx="0">
-            <a:schemeClr val="accent1"/>
-          </a:effectRef>
-          <a:fontRef idx="minor">
-            <a:schemeClr val="lt1"/>
-          </a:fontRef>
-        </p:style>
-        <p:txBody>
-          <a:bodyPr rtlCol="0" anchor="ctr"/>
+          <p:cNvPr id="9" name="テキスト プレースホルダー 3">
+            <a:extLst>
+              <a:ext uri="{FF2B5EF4-FFF2-40B4-BE49-F238E27FC236}">
+                <a16:creationId xmlns:a16="http://schemas.microsoft.com/office/drawing/2014/main" id="{6A12ED93-5A32-429E-8F43-0502CA99D038}"/>
+              </a:ext>
+            </a:extLst>
+          </p:cNvPr>
+          <p:cNvSpPr>
+            <a:spLocks noGrp="1"/>
+          </p:cNvSpPr>
+          <p:nvPr>
+            <p:ph type="body" sz="quarter" idx="11"/>
+          </p:nvPr>
+        </p:nvSpPr>
+        <p:spPr>
+          <a:xfrm>
+            <a:off x="517056" y="1062718"/>
+            <a:ext cx="11170120" cy="575888"/>
+          </a:xfrm>
+        </p:spPr>
+        <p:txBody>
+          <a:bodyPr/>
           <a:lstStyle/>
           <a:p>
-            <a:pPr algn="ctr"/>
-            <a:r>
-              <a:rPr kumimoji="1" lang="ja-JP" altLang="en-US" sz="2000" dirty="0">
+            <a:pPr marL="457200" indent="-457200">
+              <a:buFont typeface="Wingdings" panose="05000000000000000000" pitchFamily="2" charset="2"/>
+              <a:buChar char="n"/>
+            </a:pPr>
+            <a:r>
+              <a:rPr lang="ja-JP" altLang="en-US" sz="2800" dirty="0">
                 <a:solidFill>
-                  <a:schemeClr val="bg1"/>
+                  <a:schemeClr val="accent1"/>
                 </a:solidFill>
               </a:rPr>
-              <a:t>バイオマス資源</a:t>
-            </a:r>
-          </a:p>
-        </p:txBody>
-      </p:sp>
-      <p:graphicFrame>
-        <p:nvGraphicFramePr>
-          <p:cNvPr id="13" name="表 4">
-            <a:extLst>
-              <a:ext uri="{FF2B5EF4-FFF2-40B4-BE49-F238E27FC236}">
-                <a16:creationId xmlns:a16="http://schemas.microsoft.com/office/drawing/2014/main" id="{95626A72-8902-4E2C-A575-E86608577BED}"/>
-              </a:ext>
-            </a:extLst>
-          </p:cNvPr>
-          <p:cNvGraphicFramePr>
-            <a:graphicFrameLocks noGrp="1"/>
-          </p:cNvGraphicFramePr>
-          <p:nvPr>
-            <p:extLst>
-              <p:ext uri="{D42A27DB-BD31-4B8C-83A1-F6EECF244321}">
-                <p14:modId xmlns:p14="http://schemas.microsoft.com/office/powerpoint/2010/main" val="3060091399"/>
-              </p:ext>
-            </p:extLst>
-          </p:nvPr>
-        </p:nvGraphicFramePr>
-        <p:xfrm>
-          <a:off x="304988" y="1598297"/>
-          <a:ext cx="11612192" cy="2021840"/>
-        </p:xfrm>
-        <a:graphic>
-          <a:graphicData uri="http://schemas.openxmlformats.org/drawingml/2006/table">
-            <a:tbl>
-              <a:tblPr firstRow="1" bandRow="1">
-                <a:tableStyleId>{5C22544A-7EE6-4342-B048-85BDC9FD1C3A}</a:tableStyleId>
-              </a:tblPr>
-              <a:tblGrid>
-                <a:gridCol w="1238062">
-                  <a:extLst>
-                    <a:ext uri="{9D8B030D-6E8A-4147-A177-3AD203B41FA5}">
-                      <a16:colId xmlns:a16="http://schemas.microsoft.com/office/drawing/2014/main" val="3005696890"/>
-                    </a:ext>
-                  </a:extLst>
-                </a:gridCol>
-                <a:gridCol w="2305050">
-                  <a:extLst>
-                    <a:ext uri="{9D8B030D-6E8A-4147-A177-3AD203B41FA5}">
-                      <a16:colId xmlns:a16="http://schemas.microsoft.com/office/drawing/2014/main" val="2632185948"/>
-                    </a:ext>
-                  </a:extLst>
-                </a:gridCol>
-                <a:gridCol w="2209800">
-                  <a:extLst>
-                    <a:ext uri="{9D8B030D-6E8A-4147-A177-3AD203B41FA5}">
-                      <a16:colId xmlns:a16="http://schemas.microsoft.com/office/drawing/2014/main" val="3151593350"/>
-                    </a:ext>
-                  </a:extLst>
-                </a:gridCol>
-                <a:gridCol w="2038350">
-                  <a:extLst>
-                    <a:ext uri="{9D8B030D-6E8A-4147-A177-3AD203B41FA5}">
-                      <a16:colId xmlns:a16="http://schemas.microsoft.com/office/drawing/2014/main" val="435981150"/>
-                    </a:ext>
-                  </a:extLst>
-                </a:gridCol>
-                <a:gridCol w="3820930">
-                  <a:extLst>
-                    <a:ext uri="{9D8B030D-6E8A-4147-A177-3AD203B41FA5}">
-                      <a16:colId xmlns:a16="http://schemas.microsoft.com/office/drawing/2014/main" val="1652555441"/>
-                    </a:ext>
-                  </a:extLst>
-                </a:gridCol>
-              </a:tblGrid>
-              <a:tr h="370840">
-                <a:tc>
-                  <a:txBody>
-                    <a:bodyPr/>
-                    <a:lstStyle/>
-                    <a:p>
-                      <a:endParaRPr kumimoji="1" lang="ja-JP" altLang="en-US" dirty="0"/>
-                    </a:p>
-                  </a:txBody>
-                  <a:tcPr/>
-                </a:tc>
-                <a:tc>
-                  <a:txBody>
-                    <a:bodyPr/>
-                    <a:lstStyle/>
-                    <a:p>
-                      <a:r>
-                        <a:rPr kumimoji="1" lang="ja-JP" altLang="en-US" dirty="0"/>
-                        <a:t>木質系</a:t>
-                      </a:r>
-                    </a:p>
-                  </a:txBody>
-                  <a:tcPr/>
-                </a:tc>
-                <a:tc>
-                  <a:txBody>
-                    <a:bodyPr/>
-                    <a:lstStyle/>
-                    <a:p>
-                      <a:r>
-                        <a:rPr kumimoji="1" lang="ja-JP" altLang="en-US" dirty="0"/>
-                        <a:t>草本系</a:t>
-                      </a:r>
-                    </a:p>
-                  </a:txBody>
-                  <a:tcPr/>
-                </a:tc>
-                <a:tc>
-                  <a:txBody>
-                    <a:bodyPr/>
-                    <a:lstStyle/>
-                    <a:p>
-                      <a:r>
-                        <a:rPr kumimoji="1" lang="ja-JP" altLang="en-US" dirty="0"/>
-                        <a:t>製紙系</a:t>
-                      </a:r>
-                    </a:p>
-                  </a:txBody>
-                  <a:tcPr/>
-                </a:tc>
-                <a:tc>
-                  <a:txBody>
-                    <a:bodyPr/>
-                    <a:lstStyle/>
-                    <a:p>
-                      <a:r>
-                        <a:rPr kumimoji="1" lang="ja-JP" altLang="en-US" dirty="0"/>
-                        <a:t>その他</a:t>
-                      </a:r>
-                    </a:p>
-                  </a:txBody>
-                  <a:tcPr/>
-                </a:tc>
-                <a:extLst>
-                  <a:ext uri="{0D108BD9-81ED-4DB2-BD59-A6C34878D82A}">
-                    <a16:rowId xmlns:a16="http://schemas.microsoft.com/office/drawing/2014/main" val="3108995501"/>
-                  </a:ext>
-                </a:extLst>
-              </a:tr>
-              <a:tr h="370840">
-                <a:tc>
-                  <a:txBody>
-                    <a:bodyPr/>
-                    <a:lstStyle/>
-                    <a:p>
-                      <a:r>
-                        <a:rPr kumimoji="1" lang="ja-JP" altLang="en-US" dirty="0"/>
-                        <a:t>廃棄物系</a:t>
-                      </a:r>
-                    </a:p>
-                  </a:txBody>
-                  <a:tcPr/>
-                </a:tc>
-                <a:tc>
-                  <a:txBody>
-                    <a:bodyPr/>
-                    <a:lstStyle/>
-                    <a:p>
-                      <a:r>
-                        <a:rPr kumimoji="1" lang="ja-JP" altLang="en-US" dirty="0"/>
-                        <a:t>製材工場残材、</a:t>
-                      </a:r>
-                      <a:endParaRPr kumimoji="1" lang="en-US" altLang="ja-JP" dirty="0"/>
-                    </a:p>
-                    <a:p>
-                      <a:r>
-                        <a:rPr kumimoji="1" lang="ja-JP" altLang="en-US" dirty="0"/>
-                        <a:t>建設発生木材</a:t>
-                      </a:r>
-                    </a:p>
-                  </a:txBody>
-                  <a:tcPr/>
-                </a:tc>
-                <a:tc>
-                  <a:txBody>
-                    <a:bodyPr/>
-                    <a:lstStyle/>
-                    <a:p>
-                      <a:endParaRPr kumimoji="1" lang="ja-JP" altLang="en-US" dirty="0"/>
-                    </a:p>
-                  </a:txBody>
-                  <a:tcPr/>
-                </a:tc>
-                <a:tc>
-                  <a:txBody>
-                    <a:bodyPr/>
-                    <a:lstStyle/>
-                    <a:p>
-                      <a:r>
-                        <a:rPr kumimoji="1" lang="ja-JP" altLang="en-US" dirty="0"/>
-                        <a:t>古紙、製紙汚泥、黒液</a:t>
-                      </a:r>
-                    </a:p>
-                  </a:txBody>
-                  <a:tcPr/>
-                </a:tc>
-                <a:tc>
-                  <a:txBody>
-                    <a:bodyPr/>
-                    <a:lstStyle/>
-                    <a:p>
-                      <a:r>
-                        <a:rPr kumimoji="1" lang="ja-JP" altLang="en-US" dirty="0"/>
-                        <a:t>家畜排せつ物、生活排水、食品廃棄物</a:t>
-                      </a:r>
-                    </a:p>
-                  </a:txBody>
-                  <a:tcPr/>
-                </a:tc>
-                <a:extLst>
-                  <a:ext uri="{0D108BD9-81ED-4DB2-BD59-A6C34878D82A}">
-                    <a16:rowId xmlns:a16="http://schemas.microsoft.com/office/drawing/2014/main" val="1197936465"/>
-                  </a:ext>
-                </a:extLst>
-              </a:tr>
-              <a:tr h="370840">
-                <a:tc>
-                  <a:txBody>
-                    <a:bodyPr/>
-                    <a:lstStyle/>
-                    <a:p>
-                      <a:r>
-                        <a:rPr kumimoji="1" lang="ja-JP" altLang="en-US" dirty="0"/>
-                        <a:t>未利用系</a:t>
-                      </a:r>
-                    </a:p>
-                  </a:txBody>
-                  <a:tcPr/>
-                </a:tc>
-                <a:tc>
-                  <a:txBody>
-                    <a:bodyPr/>
-                    <a:lstStyle/>
-                    <a:p>
-                      <a:r>
-                        <a:rPr kumimoji="1" lang="ja-JP" altLang="en-US" dirty="0"/>
-                        <a:t>森林（林地残材、間伐材、未利用樹）</a:t>
-                      </a:r>
-                    </a:p>
-                  </a:txBody>
-                  <a:tcPr/>
-                </a:tc>
-                <a:tc>
-                  <a:txBody>
-                    <a:bodyPr/>
-                    <a:lstStyle/>
-                    <a:p>
-                      <a:endParaRPr kumimoji="1" lang="ja-JP" altLang="en-US" dirty="0"/>
-                    </a:p>
-                  </a:txBody>
-                  <a:tcPr/>
-                </a:tc>
-                <a:tc>
-                  <a:txBody>
-                    <a:bodyPr/>
-                    <a:lstStyle/>
-                    <a:p>
-                      <a:endParaRPr kumimoji="1" lang="ja-JP" altLang="en-US" dirty="0"/>
-                    </a:p>
-                  </a:txBody>
-                  <a:tcPr/>
-                </a:tc>
-                <a:tc>
-                  <a:txBody>
-                    <a:bodyPr/>
-                    <a:lstStyle/>
-                    <a:p>
-                      <a:r>
-                        <a:rPr kumimoji="1" lang="ja-JP" altLang="en-US" dirty="0"/>
-                        <a:t>農業残渣系（稲作残渣、麦わら、バガス）</a:t>
-                      </a:r>
-                    </a:p>
-                  </a:txBody>
-                  <a:tcPr/>
-                </a:tc>
-                <a:extLst>
-                  <a:ext uri="{0D108BD9-81ED-4DB2-BD59-A6C34878D82A}">
-                    <a16:rowId xmlns:a16="http://schemas.microsoft.com/office/drawing/2014/main" val="2591407123"/>
-                  </a:ext>
-                </a:extLst>
-              </a:tr>
-              <a:tr h="370840">
-                <a:tc>
-                  <a:txBody>
-                    <a:bodyPr/>
-                    <a:lstStyle/>
-                    <a:p>
-                      <a:r>
-                        <a:rPr kumimoji="1" lang="ja-JP" altLang="en-US" dirty="0"/>
-                        <a:t>生産系</a:t>
-                      </a:r>
-                    </a:p>
-                  </a:txBody>
-                  <a:tcPr/>
-                </a:tc>
-                <a:tc>
-                  <a:txBody>
-                    <a:bodyPr/>
-                    <a:lstStyle/>
-                    <a:p>
-                      <a:r>
-                        <a:rPr kumimoji="1" lang="ja-JP" altLang="en-US" dirty="0"/>
-                        <a:t>短周期栽培木材</a:t>
-                      </a:r>
-                    </a:p>
-                  </a:txBody>
-                  <a:tcPr/>
-                </a:tc>
-                <a:tc>
-                  <a:txBody>
-                    <a:bodyPr/>
-                    <a:lstStyle/>
-                    <a:p>
-                      <a:r>
-                        <a:rPr kumimoji="1" lang="ja-JP" altLang="en-US" dirty="0"/>
-                        <a:t>牧草、水草、海草</a:t>
-                      </a:r>
-                    </a:p>
-                  </a:txBody>
-                  <a:tcPr/>
-                </a:tc>
-                <a:tc>
-                  <a:txBody>
-                    <a:bodyPr/>
-                    <a:lstStyle/>
-                    <a:p>
-                      <a:endParaRPr kumimoji="1" lang="ja-JP" altLang="en-US" dirty="0"/>
-                    </a:p>
-                  </a:txBody>
-                  <a:tcPr/>
-                </a:tc>
-                <a:tc>
-                  <a:txBody>
-                    <a:bodyPr/>
-                    <a:lstStyle/>
-                    <a:p>
-                      <a:r>
-                        <a:rPr kumimoji="1" lang="ja-JP" altLang="en-US" dirty="0"/>
-                        <a:t>藻類、糖・でんぷん、植物油</a:t>
-                      </a:r>
-                    </a:p>
-                  </a:txBody>
-                  <a:tcPr/>
-                </a:tc>
-                <a:extLst>
-                  <a:ext uri="{0D108BD9-81ED-4DB2-BD59-A6C34878D82A}">
-                    <a16:rowId xmlns:a16="http://schemas.microsoft.com/office/drawing/2014/main" val="2296139729"/>
-                  </a:ext>
-                </a:extLst>
-              </a:tr>
-            </a:tbl>
-          </a:graphicData>
-        </a:graphic>
-      </p:graphicFrame>
+              <a:t>バイオマス資源を中間体に変換し、バイオプロセスによって製品を製造する</a:t>
+            </a:r>
+            <a:endParaRPr lang="en-US" altLang="ja-JP" dirty="0">
+              <a:solidFill>
+                <a:schemeClr val="accent1"/>
+              </a:solidFill>
+            </a:endParaRPr>
+          </a:p>
+        </p:txBody>
+      </p:sp>
+      <p:sp>
+        <p:nvSpPr>
+          <p:cNvPr id="12" name="テキスト ボックス 11">
+            <a:extLst>
+              <a:ext uri="{FF2B5EF4-FFF2-40B4-BE49-F238E27FC236}">
+                <a16:creationId xmlns:a16="http://schemas.microsoft.com/office/drawing/2014/main" id="{19DD5C56-7402-0F9B-233F-8824BFD9A128}"/>
+              </a:ext>
+            </a:extLst>
+          </p:cNvPr>
+          <p:cNvSpPr txBox="1"/>
+          <p:nvPr/>
+        </p:nvSpPr>
+        <p:spPr>
+          <a:xfrm>
+            <a:off x="517056" y="2733551"/>
+            <a:ext cx="2392907" cy="369332"/>
+          </a:xfrm>
+          <a:prstGeom prst="rect">
+            <a:avLst/>
+          </a:prstGeom>
+          <a:noFill/>
+        </p:spPr>
+        <p:txBody>
+          <a:bodyPr wrap="square" rtlCol="0">
+            <a:spAutoFit/>
+          </a:bodyPr>
+          <a:lstStyle/>
+          <a:p>
+            <a:r>
+              <a:rPr kumimoji="1" lang="ja-JP" altLang="en-US" b="1" dirty="0"/>
+              <a:t>付加価値高</a:t>
+            </a:r>
+          </a:p>
+        </p:txBody>
+      </p:sp>
+      <p:sp>
+        <p:nvSpPr>
+          <p:cNvPr id="2" name="テキスト ボックス 1">
+            <a:extLst>
+              <a:ext uri="{FF2B5EF4-FFF2-40B4-BE49-F238E27FC236}">
+                <a16:creationId xmlns:a16="http://schemas.microsoft.com/office/drawing/2014/main" id="{EFC8C298-D1F7-998C-89E4-BC910103CCDB}"/>
+              </a:ext>
+            </a:extLst>
+          </p:cNvPr>
+          <p:cNvSpPr txBox="1"/>
+          <p:nvPr/>
+        </p:nvSpPr>
+        <p:spPr>
+          <a:xfrm>
+            <a:off x="517056" y="2726261"/>
+            <a:ext cx="2392907" cy="369332"/>
+          </a:xfrm>
+          <a:prstGeom prst="rect">
+            <a:avLst/>
+          </a:prstGeom>
+          <a:noFill/>
+        </p:spPr>
+        <p:txBody>
+          <a:bodyPr wrap="square" rtlCol="0">
+            <a:spAutoFit/>
+          </a:bodyPr>
+          <a:lstStyle/>
+          <a:p>
+            <a:r>
+              <a:rPr kumimoji="1" lang="ja-JP" altLang="en-US" b="1" dirty="0"/>
+              <a:t>付加価値高</a:t>
+            </a:r>
+          </a:p>
+        </p:txBody>
+      </p:sp>
+      <p:sp>
+        <p:nvSpPr>
+          <p:cNvPr id="4" name="テキスト ボックス 3">
+            <a:extLst>
+              <a:ext uri="{FF2B5EF4-FFF2-40B4-BE49-F238E27FC236}">
+                <a16:creationId xmlns:a16="http://schemas.microsoft.com/office/drawing/2014/main" id="{7638479E-B4FE-6DCF-102C-5B7B950AE0F3}"/>
+              </a:ext>
+            </a:extLst>
+          </p:cNvPr>
+          <p:cNvSpPr txBox="1"/>
+          <p:nvPr/>
+        </p:nvSpPr>
+        <p:spPr>
+          <a:xfrm>
+            <a:off x="571986" y="5029200"/>
+            <a:ext cx="2255882" cy="369332"/>
+          </a:xfrm>
+          <a:prstGeom prst="rect">
+            <a:avLst/>
+          </a:prstGeom>
+          <a:noFill/>
+        </p:spPr>
+        <p:txBody>
+          <a:bodyPr wrap="square" rtlCol="0">
+            <a:spAutoFit/>
+          </a:bodyPr>
+          <a:lstStyle/>
+          <a:p>
+            <a:r>
+              <a:rPr kumimoji="1" lang="ja-JP" altLang="en-US" b="1" dirty="0"/>
+              <a:t>付加価値低</a:t>
+            </a:r>
+          </a:p>
+        </p:txBody>
+      </p:sp>
+      <p:sp>
+        <p:nvSpPr>
+          <p:cNvPr id="5" name="テキスト ボックス 4">
+            <a:extLst>
+              <a:ext uri="{FF2B5EF4-FFF2-40B4-BE49-F238E27FC236}">
+                <a16:creationId xmlns:a16="http://schemas.microsoft.com/office/drawing/2014/main" id="{17958545-6096-C539-1D41-4CCB67CB4C2C}"/>
+              </a:ext>
+            </a:extLst>
+          </p:cNvPr>
+          <p:cNvSpPr txBox="1"/>
+          <p:nvPr/>
+        </p:nvSpPr>
+        <p:spPr>
+          <a:xfrm>
+            <a:off x="2676976" y="2686055"/>
+            <a:ext cx="2255882" cy="646331"/>
+          </a:xfrm>
+          <a:prstGeom prst="rect">
+            <a:avLst/>
+          </a:prstGeom>
+          <a:noFill/>
+        </p:spPr>
+        <p:txBody>
+          <a:bodyPr wrap="square" rtlCol="0">
+            <a:spAutoFit/>
+          </a:bodyPr>
+          <a:lstStyle/>
+          <a:p>
+            <a:r>
+              <a:rPr kumimoji="1" lang="ja-JP" altLang="en-US" b="1" dirty="0"/>
+              <a:t>精製有価物（医薬品／化成品原料）</a:t>
+            </a:r>
+          </a:p>
+        </p:txBody>
+      </p:sp>
+      <p:sp>
+        <p:nvSpPr>
+          <p:cNvPr id="8" name="テキスト ボックス 7">
+            <a:extLst>
+              <a:ext uri="{FF2B5EF4-FFF2-40B4-BE49-F238E27FC236}">
+                <a16:creationId xmlns:a16="http://schemas.microsoft.com/office/drawing/2014/main" id="{9A7F31F6-8473-D860-EF9F-E68BAFCBDC73}"/>
+              </a:ext>
+            </a:extLst>
+          </p:cNvPr>
+          <p:cNvSpPr txBox="1"/>
+          <p:nvPr/>
+        </p:nvSpPr>
+        <p:spPr>
+          <a:xfrm>
+            <a:off x="2676976" y="3309642"/>
+            <a:ext cx="2255882" cy="369332"/>
+          </a:xfrm>
+          <a:prstGeom prst="rect">
+            <a:avLst/>
+          </a:prstGeom>
+          <a:noFill/>
+        </p:spPr>
+        <p:txBody>
+          <a:bodyPr wrap="square" rtlCol="0">
+            <a:spAutoFit/>
+          </a:bodyPr>
+          <a:lstStyle/>
+          <a:p>
+            <a:r>
+              <a:rPr kumimoji="1" lang="ja-JP" altLang="en-US" b="1" dirty="0"/>
+              <a:t>食品</a:t>
+            </a:r>
+          </a:p>
+        </p:txBody>
+      </p:sp>
+      <p:sp>
+        <p:nvSpPr>
+          <p:cNvPr id="20" name="テキスト ボックス 19">
+            <a:extLst>
+              <a:ext uri="{FF2B5EF4-FFF2-40B4-BE49-F238E27FC236}">
+                <a16:creationId xmlns:a16="http://schemas.microsoft.com/office/drawing/2014/main" id="{C59268C8-C806-CE8C-26B4-33789A8B6C77}"/>
+              </a:ext>
+            </a:extLst>
+          </p:cNvPr>
+          <p:cNvSpPr txBox="1"/>
+          <p:nvPr/>
+        </p:nvSpPr>
+        <p:spPr>
+          <a:xfrm>
+            <a:off x="2676976" y="3723353"/>
+            <a:ext cx="2255882" cy="369332"/>
+          </a:xfrm>
+          <a:prstGeom prst="rect">
+            <a:avLst/>
+          </a:prstGeom>
+          <a:noFill/>
+        </p:spPr>
+        <p:txBody>
+          <a:bodyPr wrap="square" rtlCol="0">
+            <a:spAutoFit/>
+          </a:bodyPr>
+          <a:lstStyle/>
+          <a:p>
+            <a:r>
+              <a:rPr kumimoji="1" lang="ja-JP" altLang="en-US" b="1" dirty="0"/>
+              <a:t>繊維</a:t>
+            </a:r>
+          </a:p>
+        </p:txBody>
+      </p:sp>
+      <p:sp>
+        <p:nvSpPr>
+          <p:cNvPr id="21" name="テキスト ボックス 20">
+            <a:extLst>
+              <a:ext uri="{FF2B5EF4-FFF2-40B4-BE49-F238E27FC236}">
+                <a16:creationId xmlns:a16="http://schemas.microsoft.com/office/drawing/2014/main" id="{F3FA656D-6869-705D-9977-B994A54498DF}"/>
+              </a:ext>
+            </a:extLst>
+          </p:cNvPr>
+          <p:cNvSpPr txBox="1"/>
+          <p:nvPr/>
+        </p:nvSpPr>
+        <p:spPr>
+          <a:xfrm>
+            <a:off x="2676976" y="4110878"/>
+            <a:ext cx="2255882" cy="369332"/>
+          </a:xfrm>
+          <a:prstGeom prst="rect">
+            <a:avLst/>
+          </a:prstGeom>
+          <a:noFill/>
+        </p:spPr>
+        <p:txBody>
+          <a:bodyPr wrap="square" rtlCol="0">
+            <a:spAutoFit/>
+          </a:bodyPr>
+          <a:lstStyle/>
+          <a:p>
+            <a:r>
+              <a:rPr kumimoji="1" lang="ja-JP" altLang="en-US" b="1" dirty="0"/>
+              <a:t>飼料</a:t>
+            </a:r>
+          </a:p>
+        </p:txBody>
+      </p:sp>
+      <p:sp>
+        <p:nvSpPr>
+          <p:cNvPr id="22" name="テキスト ボックス 21">
+            <a:extLst>
+              <a:ext uri="{FF2B5EF4-FFF2-40B4-BE49-F238E27FC236}">
+                <a16:creationId xmlns:a16="http://schemas.microsoft.com/office/drawing/2014/main" id="{468FB539-4689-24F2-26E4-4BB893129ACA}"/>
+              </a:ext>
+            </a:extLst>
+          </p:cNvPr>
+          <p:cNvSpPr txBox="1"/>
+          <p:nvPr/>
+        </p:nvSpPr>
+        <p:spPr>
+          <a:xfrm>
+            <a:off x="2676976" y="4498403"/>
+            <a:ext cx="2255882" cy="369332"/>
+          </a:xfrm>
+          <a:prstGeom prst="rect">
+            <a:avLst/>
+          </a:prstGeom>
+          <a:noFill/>
+        </p:spPr>
+        <p:txBody>
+          <a:bodyPr wrap="square" rtlCol="0">
+            <a:spAutoFit/>
+          </a:bodyPr>
+          <a:lstStyle/>
+          <a:p>
+            <a:r>
+              <a:rPr kumimoji="1" lang="ja-JP" altLang="en-US" b="1" dirty="0"/>
+              <a:t>肥料</a:t>
+            </a:r>
+          </a:p>
+        </p:txBody>
+      </p:sp>
+      <p:sp>
+        <p:nvSpPr>
+          <p:cNvPr id="23" name="テキスト ボックス 22">
+            <a:extLst>
+              <a:ext uri="{FF2B5EF4-FFF2-40B4-BE49-F238E27FC236}">
+                <a16:creationId xmlns:a16="http://schemas.microsoft.com/office/drawing/2014/main" id="{5628B61A-527E-8370-9C23-3C9471CB6821}"/>
+              </a:ext>
+            </a:extLst>
+          </p:cNvPr>
+          <p:cNvSpPr txBox="1"/>
+          <p:nvPr/>
+        </p:nvSpPr>
+        <p:spPr>
+          <a:xfrm>
+            <a:off x="2676976" y="5006456"/>
+            <a:ext cx="2255882" cy="369332"/>
+          </a:xfrm>
+          <a:prstGeom prst="rect">
+            <a:avLst/>
+          </a:prstGeom>
+          <a:noFill/>
+        </p:spPr>
+        <p:txBody>
+          <a:bodyPr wrap="square" rtlCol="0">
+            <a:spAutoFit/>
+          </a:bodyPr>
+          <a:lstStyle/>
+          <a:p>
+            <a:r>
+              <a:rPr kumimoji="1" lang="ja-JP" altLang="en-US" b="1" dirty="0"/>
+              <a:t>燃料</a:t>
+            </a:r>
+          </a:p>
+        </p:txBody>
+      </p:sp>
+      <p:sp>
+        <p:nvSpPr>
+          <p:cNvPr id="6" name="テキスト ボックス 5">
+            <a:extLst>
+              <a:ext uri="{FF2B5EF4-FFF2-40B4-BE49-F238E27FC236}">
+                <a16:creationId xmlns:a16="http://schemas.microsoft.com/office/drawing/2014/main" id="{1D0A04E0-2497-9477-4995-F4B3FD17FBA4}"/>
+              </a:ext>
+            </a:extLst>
+          </p:cNvPr>
+          <p:cNvSpPr txBox="1"/>
+          <p:nvPr/>
+        </p:nvSpPr>
+        <p:spPr>
+          <a:xfrm>
+            <a:off x="6217118" y="2156542"/>
+            <a:ext cx="2255882" cy="1200329"/>
+          </a:xfrm>
+          <a:prstGeom prst="rect">
+            <a:avLst/>
+          </a:prstGeom>
+          <a:noFill/>
+        </p:spPr>
+        <p:txBody>
+          <a:bodyPr wrap="square" rtlCol="0">
+            <a:spAutoFit/>
+          </a:bodyPr>
+          <a:lstStyle/>
+          <a:p>
+            <a:r>
+              <a:rPr kumimoji="1" lang="ja-JP" altLang="en-US" b="1" dirty="0"/>
+              <a:t>バイオマスからの化学品製造分野</a:t>
+            </a:r>
+            <a:endParaRPr kumimoji="1" lang="en-US" altLang="ja-JP" b="1" dirty="0"/>
+          </a:p>
+          <a:p>
+            <a:r>
+              <a:rPr kumimoji="1" lang="ja-JP" altLang="en-US" b="1" dirty="0"/>
+              <a:t>バイオマス活用推進基本計画</a:t>
+            </a:r>
+          </a:p>
+        </p:txBody>
+      </p:sp>
     </p:spTree>
     <p:extLst>
       <p:ext uri="{BB962C8B-B14F-4D97-AF65-F5344CB8AC3E}">
-        <p14:creationId xmlns:p14="http://schemas.microsoft.com/office/powerpoint/2010/main" val="3673451005"/>
+        <p14:creationId xmlns:p14="http://schemas.microsoft.com/office/powerpoint/2010/main" val="1774681092"/>
       </p:ext>
     </p:extLst>
   </p:cSld>
@@ -24483,7 +27374,1703 @@
           <a:p>
             <a:r>
               <a:rPr lang="ja-JP" altLang="en-US" dirty="0"/>
-              <a:t>バイオマスの種類</a:t>
+              <a:t>バイオマス資源の種類</a:t>
+            </a:r>
+          </a:p>
+        </p:txBody>
+      </p:sp>
+      <p:sp>
+        <p:nvSpPr>
+          <p:cNvPr id="11" name="テキスト ボックス 10">
+            <a:extLst>
+              <a:ext uri="{FF2B5EF4-FFF2-40B4-BE49-F238E27FC236}">
+                <a16:creationId xmlns:a16="http://schemas.microsoft.com/office/drawing/2014/main" id="{B65E6020-5960-414D-8861-CC3A23493130}"/>
+              </a:ext>
+            </a:extLst>
+          </p:cNvPr>
+          <p:cNvSpPr txBox="1"/>
+          <p:nvPr/>
+        </p:nvSpPr>
+        <p:spPr>
+          <a:xfrm>
+            <a:off x="571985" y="-20771"/>
+            <a:ext cx="2836193" cy="338554"/>
+          </a:xfrm>
+          <a:prstGeom prst="rect">
+            <a:avLst/>
+          </a:prstGeom>
+          <a:noFill/>
+        </p:spPr>
+        <p:txBody>
+          <a:bodyPr wrap="square" rtlCol="0">
+            <a:spAutoFit/>
+          </a:bodyPr>
+          <a:lstStyle/>
+          <a:p>
+            <a:r>
+              <a:rPr kumimoji="1" lang="en-US" altLang="ja-JP" sz="1600" b="1" dirty="0">
+                <a:solidFill>
+                  <a:schemeClr val="bg1"/>
+                </a:solidFill>
+              </a:rPr>
+              <a:t>2. </a:t>
+            </a:r>
+            <a:r>
+              <a:rPr kumimoji="1" lang="ja-JP" altLang="en-US" sz="1600" b="1" dirty="0">
+                <a:solidFill>
+                  <a:schemeClr val="bg1"/>
+                </a:solidFill>
+              </a:rPr>
+              <a:t>調査活動</a:t>
+            </a:r>
+          </a:p>
+        </p:txBody>
+      </p:sp>
+      <p:sp>
+        <p:nvSpPr>
+          <p:cNvPr id="12" name="正方形/長方形 11">
+            <a:extLst>
+              <a:ext uri="{FF2B5EF4-FFF2-40B4-BE49-F238E27FC236}">
+                <a16:creationId xmlns:a16="http://schemas.microsoft.com/office/drawing/2014/main" id="{59949D2D-0CC5-4040-B841-D1F010150859}"/>
+              </a:ext>
+            </a:extLst>
+          </p:cNvPr>
+          <p:cNvSpPr/>
+          <p:nvPr/>
+        </p:nvSpPr>
+        <p:spPr>
+          <a:xfrm>
+            <a:off x="2055759" y="1103739"/>
+            <a:ext cx="2785277" cy="406265"/>
+          </a:xfrm>
+          <a:prstGeom prst="rect">
+            <a:avLst/>
+          </a:prstGeom>
+          <a:solidFill>
+            <a:schemeClr val="accent1"/>
+          </a:solidFill>
+        </p:spPr>
+        <p:style>
+          <a:lnRef idx="2">
+            <a:schemeClr val="accent1">
+              <a:shade val="50000"/>
+            </a:schemeClr>
+          </a:lnRef>
+          <a:fillRef idx="1">
+            <a:schemeClr val="accent1"/>
+          </a:fillRef>
+          <a:effectRef idx="0">
+            <a:schemeClr val="accent1"/>
+          </a:effectRef>
+          <a:fontRef idx="minor">
+            <a:schemeClr val="lt1"/>
+          </a:fontRef>
+        </p:style>
+        <p:txBody>
+          <a:bodyPr rtlCol="0" anchor="ctr"/>
+          <a:lstStyle/>
+          <a:p>
+            <a:pPr algn="ctr"/>
+            <a:r>
+              <a:rPr kumimoji="1" lang="ja-JP" altLang="en-US" sz="2000" dirty="0">
+                <a:solidFill>
+                  <a:schemeClr val="bg1"/>
+                </a:solidFill>
+              </a:rPr>
+              <a:t>廃棄物系</a:t>
+            </a:r>
+          </a:p>
+        </p:txBody>
+      </p:sp>
+      <p:sp>
+        <p:nvSpPr>
+          <p:cNvPr id="4" name="正方形/長方形 3">
+            <a:extLst>
+              <a:ext uri="{FF2B5EF4-FFF2-40B4-BE49-F238E27FC236}">
+                <a16:creationId xmlns:a16="http://schemas.microsoft.com/office/drawing/2014/main" id="{3B46268F-CBB4-369C-C084-4CE62C40E512}"/>
+              </a:ext>
+            </a:extLst>
+          </p:cNvPr>
+          <p:cNvSpPr/>
+          <p:nvPr/>
+        </p:nvSpPr>
+        <p:spPr>
+          <a:xfrm>
+            <a:off x="5384905" y="1103739"/>
+            <a:ext cx="2785277" cy="406265"/>
+          </a:xfrm>
+          <a:prstGeom prst="rect">
+            <a:avLst/>
+          </a:prstGeom>
+          <a:solidFill>
+            <a:schemeClr val="accent1"/>
+          </a:solidFill>
+        </p:spPr>
+        <p:style>
+          <a:lnRef idx="2">
+            <a:schemeClr val="accent1">
+              <a:shade val="50000"/>
+            </a:schemeClr>
+          </a:lnRef>
+          <a:fillRef idx="1">
+            <a:schemeClr val="accent1"/>
+          </a:fillRef>
+          <a:effectRef idx="0">
+            <a:schemeClr val="accent1"/>
+          </a:effectRef>
+          <a:fontRef idx="minor">
+            <a:schemeClr val="lt1"/>
+          </a:fontRef>
+        </p:style>
+        <p:txBody>
+          <a:bodyPr rtlCol="0" anchor="ctr"/>
+          <a:lstStyle/>
+          <a:p>
+            <a:pPr algn="ctr"/>
+            <a:r>
+              <a:rPr kumimoji="1" lang="ja-JP" altLang="en-US" sz="2000" dirty="0">
+                <a:solidFill>
+                  <a:schemeClr val="bg1"/>
+                </a:solidFill>
+              </a:rPr>
+              <a:t>未利用系</a:t>
+            </a:r>
+          </a:p>
+        </p:txBody>
+      </p:sp>
+      <p:sp>
+        <p:nvSpPr>
+          <p:cNvPr id="5" name="正方形/長方形 4">
+            <a:extLst>
+              <a:ext uri="{FF2B5EF4-FFF2-40B4-BE49-F238E27FC236}">
+                <a16:creationId xmlns:a16="http://schemas.microsoft.com/office/drawing/2014/main" id="{7EB78BB3-D597-B04D-60CC-CA0A1E0CADA3}"/>
+              </a:ext>
+            </a:extLst>
+          </p:cNvPr>
+          <p:cNvSpPr/>
+          <p:nvPr/>
+        </p:nvSpPr>
+        <p:spPr>
+          <a:xfrm>
+            <a:off x="8746491" y="1103739"/>
+            <a:ext cx="2785277" cy="406265"/>
+          </a:xfrm>
+          <a:prstGeom prst="rect">
+            <a:avLst/>
+          </a:prstGeom>
+          <a:solidFill>
+            <a:schemeClr val="accent1"/>
+          </a:solidFill>
+        </p:spPr>
+        <p:style>
+          <a:lnRef idx="2">
+            <a:schemeClr val="accent1">
+              <a:shade val="50000"/>
+            </a:schemeClr>
+          </a:lnRef>
+          <a:fillRef idx="1">
+            <a:schemeClr val="accent1"/>
+          </a:fillRef>
+          <a:effectRef idx="0">
+            <a:schemeClr val="accent1"/>
+          </a:effectRef>
+          <a:fontRef idx="minor">
+            <a:schemeClr val="lt1"/>
+          </a:fontRef>
+        </p:style>
+        <p:txBody>
+          <a:bodyPr rtlCol="0" anchor="ctr"/>
+          <a:lstStyle/>
+          <a:p>
+            <a:pPr algn="ctr"/>
+            <a:r>
+              <a:rPr kumimoji="1" lang="ja-JP" altLang="en-US" sz="2000" dirty="0">
+                <a:solidFill>
+                  <a:schemeClr val="bg1"/>
+                </a:solidFill>
+              </a:rPr>
+              <a:t>生産／資源作物系</a:t>
+            </a:r>
+          </a:p>
+        </p:txBody>
+      </p:sp>
+      <p:sp>
+        <p:nvSpPr>
+          <p:cNvPr id="6" name="正方形/長方形 5">
+            <a:extLst>
+              <a:ext uri="{FF2B5EF4-FFF2-40B4-BE49-F238E27FC236}">
+                <a16:creationId xmlns:a16="http://schemas.microsoft.com/office/drawing/2014/main" id="{3E22C6F3-38E1-72E9-0AC1-ECA0F8E84931}"/>
+              </a:ext>
+            </a:extLst>
+          </p:cNvPr>
+          <p:cNvSpPr/>
+          <p:nvPr/>
+        </p:nvSpPr>
+        <p:spPr>
+          <a:xfrm>
+            <a:off x="833053" y="2689797"/>
+            <a:ext cx="1073845" cy="791695"/>
+          </a:xfrm>
+          <a:prstGeom prst="rect">
+            <a:avLst/>
+          </a:prstGeom>
+          <a:solidFill>
+            <a:schemeClr val="accent1">
+              <a:lumMod val="40000"/>
+              <a:lumOff val="60000"/>
+            </a:schemeClr>
+          </a:solidFill>
+        </p:spPr>
+        <p:style>
+          <a:lnRef idx="2">
+            <a:schemeClr val="accent1">
+              <a:shade val="50000"/>
+            </a:schemeClr>
+          </a:lnRef>
+          <a:fillRef idx="1">
+            <a:schemeClr val="accent1"/>
+          </a:fillRef>
+          <a:effectRef idx="0">
+            <a:schemeClr val="accent1"/>
+          </a:effectRef>
+          <a:fontRef idx="minor">
+            <a:schemeClr val="lt1"/>
+          </a:fontRef>
+        </p:style>
+        <p:txBody>
+          <a:bodyPr rtlCol="0" anchor="ctr"/>
+          <a:lstStyle/>
+          <a:p>
+            <a:pPr algn="ctr"/>
+            <a:r>
+              <a:rPr kumimoji="1" lang="ja-JP" altLang="en-US" sz="2000" dirty="0">
+                <a:solidFill>
+                  <a:schemeClr val="bg1"/>
+                </a:solidFill>
+              </a:rPr>
+              <a:t>木質系</a:t>
+            </a:r>
+          </a:p>
+        </p:txBody>
+      </p:sp>
+      <p:sp>
+        <p:nvSpPr>
+          <p:cNvPr id="7" name="正方形/長方形 6">
+            <a:extLst>
+              <a:ext uri="{FF2B5EF4-FFF2-40B4-BE49-F238E27FC236}">
+                <a16:creationId xmlns:a16="http://schemas.microsoft.com/office/drawing/2014/main" id="{F37CB302-DF1B-4AAD-DAC7-240100E86637}"/>
+              </a:ext>
+            </a:extLst>
+          </p:cNvPr>
+          <p:cNvSpPr/>
+          <p:nvPr/>
+        </p:nvSpPr>
+        <p:spPr>
+          <a:xfrm>
+            <a:off x="833053" y="3696039"/>
+            <a:ext cx="1073845" cy="406265"/>
+          </a:xfrm>
+          <a:prstGeom prst="rect">
+            <a:avLst/>
+          </a:prstGeom>
+          <a:solidFill>
+            <a:schemeClr val="accent1">
+              <a:lumMod val="40000"/>
+              <a:lumOff val="60000"/>
+            </a:schemeClr>
+          </a:solidFill>
+        </p:spPr>
+        <p:style>
+          <a:lnRef idx="2">
+            <a:schemeClr val="accent1">
+              <a:shade val="50000"/>
+            </a:schemeClr>
+          </a:lnRef>
+          <a:fillRef idx="1">
+            <a:schemeClr val="accent1"/>
+          </a:fillRef>
+          <a:effectRef idx="0">
+            <a:schemeClr val="accent1"/>
+          </a:effectRef>
+          <a:fontRef idx="minor">
+            <a:schemeClr val="lt1"/>
+          </a:fontRef>
+        </p:style>
+        <p:txBody>
+          <a:bodyPr rtlCol="0" anchor="ctr"/>
+          <a:lstStyle/>
+          <a:p>
+            <a:pPr algn="ctr"/>
+            <a:r>
+              <a:rPr kumimoji="1" lang="ja-JP" altLang="en-US" sz="2000" dirty="0">
+                <a:solidFill>
+                  <a:schemeClr val="bg1"/>
+                </a:solidFill>
+              </a:rPr>
+              <a:t>草本系</a:t>
+            </a:r>
+          </a:p>
+        </p:txBody>
+      </p:sp>
+      <p:sp>
+        <p:nvSpPr>
+          <p:cNvPr id="8" name="正方形/長方形 7">
+            <a:extLst>
+              <a:ext uri="{FF2B5EF4-FFF2-40B4-BE49-F238E27FC236}">
+                <a16:creationId xmlns:a16="http://schemas.microsoft.com/office/drawing/2014/main" id="{42CCB16E-3122-B24D-FCC4-10B4DB90DEEA}"/>
+              </a:ext>
+            </a:extLst>
+          </p:cNvPr>
+          <p:cNvSpPr/>
+          <p:nvPr/>
+        </p:nvSpPr>
+        <p:spPr>
+          <a:xfrm>
+            <a:off x="833053" y="4337267"/>
+            <a:ext cx="1073845" cy="406265"/>
+          </a:xfrm>
+          <a:prstGeom prst="rect">
+            <a:avLst/>
+          </a:prstGeom>
+          <a:solidFill>
+            <a:schemeClr val="accent1">
+              <a:lumMod val="40000"/>
+              <a:lumOff val="60000"/>
+            </a:schemeClr>
+          </a:solidFill>
+        </p:spPr>
+        <p:style>
+          <a:lnRef idx="2">
+            <a:schemeClr val="accent1">
+              <a:shade val="50000"/>
+            </a:schemeClr>
+          </a:lnRef>
+          <a:fillRef idx="1">
+            <a:schemeClr val="accent1"/>
+          </a:fillRef>
+          <a:effectRef idx="0">
+            <a:schemeClr val="accent1"/>
+          </a:effectRef>
+          <a:fontRef idx="minor">
+            <a:schemeClr val="lt1"/>
+          </a:fontRef>
+        </p:style>
+        <p:txBody>
+          <a:bodyPr rtlCol="0" anchor="ctr"/>
+          <a:lstStyle/>
+          <a:p>
+            <a:pPr algn="ctr"/>
+            <a:r>
+              <a:rPr kumimoji="1" lang="ja-JP" altLang="en-US" sz="2000" dirty="0">
+                <a:solidFill>
+                  <a:schemeClr val="bg1"/>
+                </a:solidFill>
+              </a:rPr>
+              <a:t>製紙系</a:t>
+            </a:r>
+          </a:p>
+        </p:txBody>
+      </p:sp>
+      <p:sp>
+        <p:nvSpPr>
+          <p:cNvPr id="9" name="正方形/長方形 8">
+            <a:extLst>
+              <a:ext uri="{FF2B5EF4-FFF2-40B4-BE49-F238E27FC236}">
+                <a16:creationId xmlns:a16="http://schemas.microsoft.com/office/drawing/2014/main" id="{EDA317AF-709E-9D50-73E9-BC548BDB6A18}"/>
+              </a:ext>
+            </a:extLst>
+          </p:cNvPr>
+          <p:cNvSpPr/>
+          <p:nvPr/>
+        </p:nvSpPr>
+        <p:spPr>
+          <a:xfrm>
+            <a:off x="833053" y="4928420"/>
+            <a:ext cx="1073845" cy="719723"/>
+          </a:xfrm>
+          <a:prstGeom prst="rect">
+            <a:avLst/>
+          </a:prstGeom>
+          <a:solidFill>
+            <a:schemeClr val="accent1">
+              <a:lumMod val="40000"/>
+              <a:lumOff val="60000"/>
+            </a:schemeClr>
+          </a:solidFill>
+        </p:spPr>
+        <p:style>
+          <a:lnRef idx="2">
+            <a:schemeClr val="accent1">
+              <a:shade val="50000"/>
+            </a:schemeClr>
+          </a:lnRef>
+          <a:fillRef idx="1">
+            <a:schemeClr val="accent1"/>
+          </a:fillRef>
+          <a:effectRef idx="0">
+            <a:schemeClr val="accent1"/>
+          </a:effectRef>
+          <a:fontRef idx="minor">
+            <a:schemeClr val="lt1"/>
+          </a:fontRef>
+        </p:style>
+        <p:txBody>
+          <a:bodyPr rtlCol="0" anchor="ctr"/>
+          <a:lstStyle/>
+          <a:p>
+            <a:pPr algn="ctr"/>
+            <a:r>
+              <a:rPr kumimoji="1" lang="ja-JP" altLang="en-US" sz="2000" dirty="0">
+                <a:solidFill>
+                  <a:schemeClr val="bg1"/>
+                </a:solidFill>
+              </a:rPr>
+              <a:t>その他</a:t>
+            </a:r>
+          </a:p>
+        </p:txBody>
+      </p:sp>
+      <p:sp>
+        <p:nvSpPr>
+          <p:cNvPr id="14" name="テキスト ボックス 13">
+            <a:extLst>
+              <a:ext uri="{FF2B5EF4-FFF2-40B4-BE49-F238E27FC236}">
+                <a16:creationId xmlns:a16="http://schemas.microsoft.com/office/drawing/2014/main" id="{F3A07F2B-A804-E17B-0E5A-58E8CDED45E9}"/>
+              </a:ext>
+            </a:extLst>
+          </p:cNvPr>
+          <p:cNvSpPr txBox="1"/>
+          <p:nvPr/>
+        </p:nvSpPr>
+        <p:spPr>
+          <a:xfrm>
+            <a:off x="2116927" y="2762479"/>
+            <a:ext cx="2518510" cy="646331"/>
+          </a:xfrm>
+          <a:prstGeom prst="rect">
+            <a:avLst/>
+          </a:prstGeom>
+          <a:noFill/>
+        </p:spPr>
+        <p:txBody>
+          <a:bodyPr wrap="square" rtlCol="0">
+            <a:spAutoFit/>
+          </a:bodyPr>
+          <a:lstStyle/>
+          <a:p>
+            <a:r>
+              <a:rPr kumimoji="1" lang="ja-JP" altLang="en-US" dirty="0"/>
+              <a:t>製材工場残材：</a:t>
+            </a:r>
+            <a:r>
+              <a:rPr kumimoji="1" lang="en-US" altLang="ja-JP" dirty="0"/>
+              <a:t>95%</a:t>
+            </a:r>
+          </a:p>
+          <a:p>
+            <a:r>
+              <a:rPr kumimoji="1" lang="ja-JP" altLang="en-US" dirty="0"/>
+              <a:t>建設発生木材：</a:t>
+            </a:r>
+            <a:r>
+              <a:rPr kumimoji="1" lang="en-US" altLang="ja-JP" dirty="0"/>
+              <a:t>90%</a:t>
+            </a:r>
+            <a:endParaRPr kumimoji="1" lang="ja-JP" altLang="en-US" dirty="0"/>
+          </a:p>
+        </p:txBody>
+      </p:sp>
+      <p:sp>
+        <p:nvSpPr>
+          <p:cNvPr id="15" name="テキスト ボックス 14">
+            <a:extLst>
+              <a:ext uri="{FF2B5EF4-FFF2-40B4-BE49-F238E27FC236}">
+                <a16:creationId xmlns:a16="http://schemas.microsoft.com/office/drawing/2014/main" id="{83FC32FC-7D09-C995-59A8-F470EACFBD1F}"/>
+              </a:ext>
+            </a:extLst>
+          </p:cNvPr>
+          <p:cNvSpPr txBox="1"/>
+          <p:nvPr/>
+        </p:nvSpPr>
+        <p:spPr>
+          <a:xfrm>
+            <a:off x="5208874" y="2777868"/>
+            <a:ext cx="3137338" cy="615553"/>
+          </a:xfrm>
+          <a:prstGeom prst="rect">
+            <a:avLst/>
+          </a:prstGeom>
+          <a:noFill/>
+        </p:spPr>
+        <p:txBody>
+          <a:bodyPr wrap="square" rtlCol="0">
+            <a:spAutoFit/>
+          </a:bodyPr>
+          <a:lstStyle/>
+          <a:p>
+            <a:pPr marL="0" marR="0" lvl="0" indent="0" algn="l" defTabSz="914400" rtl="0" eaLnBrk="1" fontAlgn="auto" latinLnBrk="0" hangingPunct="1">
+              <a:lnSpc>
+                <a:spcPct val="100000"/>
+              </a:lnSpc>
+              <a:spcBef>
+                <a:spcPts val="0"/>
+              </a:spcBef>
+              <a:spcAft>
+                <a:spcPts val="0"/>
+              </a:spcAft>
+              <a:buClrTx/>
+              <a:buSzTx/>
+              <a:buFontTx/>
+              <a:buNone/>
+              <a:tabLst/>
+              <a:defRPr/>
+            </a:pPr>
+            <a:r>
+              <a:rPr kumimoji="1" lang="ja-JP" altLang="en-US" dirty="0"/>
+              <a:t>森林</a:t>
+            </a:r>
+            <a:endParaRPr kumimoji="1" lang="en-US" altLang="ja-JP" dirty="0"/>
+          </a:p>
+          <a:p>
+            <a:pPr marL="0" marR="0" lvl="0" indent="0" algn="l" defTabSz="914400" rtl="0" eaLnBrk="1" fontAlgn="auto" latinLnBrk="0" hangingPunct="1">
+              <a:lnSpc>
+                <a:spcPct val="100000"/>
+              </a:lnSpc>
+              <a:spcBef>
+                <a:spcPts val="0"/>
+              </a:spcBef>
+              <a:spcAft>
+                <a:spcPts val="0"/>
+              </a:spcAft>
+              <a:buClrTx/>
+              <a:buSzTx/>
+              <a:buFontTx/>
+              <a:buNone/>
+              <a:tabLst/>
+              <a:defRPr/>
+            </a:pPr>
+            <a:r>
+              <a:rPr kumimoji="1" lang="ja-JP" altLang="en-US" sz="1600" dirty="0"/>
+              <a:t>（林地残材、間伐材、未利用樹）</a:t>
+            </a:r>
+            <a:endParaRPr kumimoji="1" lang="ja-JP" altLang="en-US" dirty="0"/>
+          </a:p>
+        </p:txBody>
+      </p:sp>
+      <p:sp>
+        <p:nvSpPr>
+          <p:cNvPr id="16" name="テキスト ボックス 15">
+            <a:extLst>
+              <a:ext uri="{FF2B5EF4-FFF2-40B4-BE49-F238E27FC236}">
+                <a16:creationId xmlns:a16="http://schemas.microsoft.com/office/drawing/2014/main" id="{563D3A38-D472-1967-40F0-1F4D30F41FD6}"/>
+              </a:ext>
+            </a:extLst>
+          </p:cNvPr>
+          <p:cNvSpPr txBox="1"/>
+          <p:nvPr/>
+        </p:nvSpPr>
+        <p:spPr>
+          <a:xfrm>
+            <a:off x="9162813" y="2900978"/>
+            <a:ext cx="1952632" cy="369332"/>
+          </a:xfrm>
+          <a:prstGeom prst="rect">
+            <a:avLst/>
+          </a:prstGeom>
+          <a:noFill/>
+        </p:spPr>
+        <p:txBody>
+          <a:bodyPr wrap="square" rtlCol="0">
+            <a:spAutoFit/>
+          </a:bodyPr>
+          <a:lstStyle/>
+          <a:p>
+            <a:r>
+              <a:rPr kumimoji="1" lang="ja-JP" altLang="en-US" dirty="0"/>
+              <a:t>短周期栽培木材</a:t>
+            </a:r>
+          </a:p>
+        </p:txBody>
+      </p:sp>
+      <p:sp>
+        <p:nvSpPr>
+          <p:cNvPr id="17" name="テキスト ボックス 16">
+            <a:extLst>
+              <a:ext uri="{FF2B5EF4-FFF2-40B4-BE49-F238E27FC236}">
+                <a16:creationId xmlns:a16="http://schemas.microsoft.com/office/drawing/2014/main" id="{69A55C33-9327-8844-C129-520687B2C7F6}"/>
+              </a:ext>
+            </a:extLst>
+          </p:cNvPr>
+          <p:cNvSpPr txBox="1"/>
+          <p:nvPr/>
+        </p:nvSpPr>
+        <p:spPr>
+          <a:xfrm>
+            <a:off x="9162813" y="3714505"/>
+            <a:ext cx="1952632" cy="369332"/>
+          </a:xfrm>
+          <a:prstGeom prst="rect">
+            <a:avLst/>
+          </a:prstGeom>
+          <a:noFill/>
+        </p:spPr>
+        <p:txBody>
+          <a:bodyPr wrap="square" rtlCol="0">
+            <a:spAutoFit/>
+          </a:bodyPr>
+          <a:lstStyle/>
+          <a:p>
+            <a:r>
+              <a:rPr kumimoji="1" lang="ja-JP" altLang="en-US" dirty="0"/>
+              <a:t>牧草、水草、海草</a:t>
+            </a:r>
+          </a:p>
+        </p:txBody>
+      </p:sp>
+      <p:sp>
+        <p:nvSpPr>
+          <p:cNvPr id="18" name="テキスト ボックス 17">
+            <a:extLst>
+              <a:ext uri="{FF2B5EF4-FFF2-40B4-BE49-F238E27FC236}">
+                <a16:creationId xmlns:a16="http://schemas.microsoft.com/office/drawing/2014/main" id="{86245838-AF75-9CF2-F932-E8FB077F2286}"/>
+              </a:ext>
+            </a:extLst>
+          </p:cNvPr>
+          <p:cNvSpPr txBox="1"/>
+          <p:nvPr/>
+        </p:nvSpPr>
+        <p:spPr>
+          <a:xfrm>
+            <a:off x="2189142" y="4178315"/>
+            <a:ext cx="2518510" cy="646331"/>
+          </a:xfrm>
+          <a:prstGeom prst="rect">
+            <a:avLst/>
+          </a:prstGeom>
+          <a:noFill/>
+        </p:spPr>
+        <p:txBody>
+          <a:bodyPr wrap="square" rtlCol="0">
+            <a:spAutoFit/>
+          </a:bodyPr>
+          <a:lstStyle/>
+          <a:p>
+            <a:r>
+              <a:rPr kumimoji="1" lang="ja-JP" altLang="en-US" dirty="0"/>
+              <a:t>古紙：</a:t>
+            </a:r>
+            <a:r>
+              <a:rPr kumimoji="1" lang="en-US" altLang="ja-JP" dirty="0"/>
+              <a:t>80%</a:t>
+            </a:r>
+          </a:p>
+          <a:p>
+            <a:r>
+              <a:rPr kumimoji="1" lang="ja-JP" altLang="en-US" dirty="0"/>
+              <a:t>黒液：</a:t>
+            </a:r>
+            <a:r>
+              <a:rPr kumimoji="1" lang="en-US" altLang="ja-JP" dirty="0"/>
+              <a:t>100%</a:t>
+            </a:r>
+          </a:p>
+        </p:txBody>
+      </p:sp>
+      <p:sp>
+        <p:nvSpPr>
+          <p:cNvPr id="19" name="テキスト ボックス 18">
+            <a:extLst>
+              <a:ext uri="{FF2B5EF4-FFF2-40B4-BE49-F238E27FC236}">
+                <a16:creationId xmlns:a16="http://schemas.microsoft.com/office/drawing/2014/main" id="{DA30046F-3AE2-5AFD-3B3C-9409DA425D5F}"/>
+              </a:ext>
+            </a:extLst>
+          </p:cNvPr>
+          <p:cNvSpPr txBox="1"/>
+          <p:nvPr/>
+        </p:nvSpPr>
+        <p:spPr>
+          <a:xfrm>
+            <a:off x="2082231" y="4915323"/>
+            <a:ext cx="2651894" cy="861774"/>
+          </a:xfrm>
+          <a:prstGeom prst="rect">
+            <a:avLst/>
+          </a:prstGeom>
+          <a:noFill/>
+        </p:spPr>
+        <p:txBody>
+          <a:bodyPr wrap="square" rtlCol="0">
+            <a:spAutoFit/>
+          </a:bodyPr>
+          <a:lstStyle/>
+          <a:p>
+            <a:pPr marL="0" marR="0" lvl="0" indent="0" algn="l" defTabSz="914400" rtl="0" eaLnBrk="1" fontAlgn="auto" latinLnBrk="0" hangingPunct="1">
+              <a:lnSpc>
+                <a:spcPct val="100000"/>
+              </a:lnSpc>
+              <a:spcBef>
+                <a:spcPts val="0"/>
+              </a:spcBef>
+              <a:spcAft>
+                <a:spcPts val="0"/>
+              </a:spcAft>
+              <a:buClrTx/>
+              <a:buSzTx/>
+              <a:buFontTx/>
+              <a:buNone/>
+              <a:tabLst/>
+              <a:defRPr/>
+            </a:pPr>
+            <a:r>
+              <a:rPr kumimoji="1" lang="ja-JP" altLang="en-US" sz="1600" dirty="0"/>
+              <a:t>家畜排せつ物：</a:t>
+            </a:r>
+            <a:r>
+              <a:rPr kumimoji="1" lang="en-US" altLang="ja-JP" sz="1600" dirty="0"/>
+              <a:t>90%</a:t>
+            </a:r>
+          </a:p>
+          <a:p>
+            <a:pPr marL="0" marR="0" lvl="0" indent="0" algn="l" defTabSz="914400" rtl="0" eaLnBrk="1" fontAlgn="auto" latinLnBrk="0" hangingPunct="1">
+              <a:lnSpc>
+                <a:spcPct val="100000"/>
+              </a:lnSpc>
+              <a:spcBef>
+                <a:spcPts val="0"/>
+              </a:spcBef>
+              <a:spcAft>
+                <a:spcPts val="0"/>
+              </a:spcAft>
+              <a:buClrTx/>
+              <a:buSzTx/>
+              <a:buFontTx/>
+              <a:buNone/>
+              <a:tabLst/>
+              <a:defRPr/>
+            </a:pPr>
+            <a:r>
+              <a:rPr kumimoji="1" lang="ja-JP" altLang="en-US" sz="1600" dirty="0"/>
+              <a:t>生活排水：</a:t>
+            </a:r>
+            <a:r>
+              <a:rPr kumimoji="1" lang="en-US" altLang="ja-JP" sz="1600" dirty="0"/>
+              <a:t>77%</a:t>
+            </a:r>
+          </a:p>
+          <a:p>
+            <a:pPr marL="0" marR="0" lvl="0" indent="0" algn="l" defTabSz="914400" rtl="0" eaLnBrk="1" fontAlgn="auto" latinLnBrk="0" hangingPunct="1">
+              <a:lnSpc>
+                <a:spcPct val="100000"/>
+              </a:lnSpc>
+              <a:spcBef>
+                <a:spcPts val="0"/>
+              </a:spcBef>
+              <a:spcAft>
+                <a:spcPts val="0"/>
+              </a:spcAft>
+              <a:buClrTx/>
+              <a:buSzTx/>
+              <a:buFontTx/>
+              <a:buNone/>
+              <a:tabLst/>
+              <a:defRPr/>
+            </a:pPr>
+            <a:r>
+              <a:rPr kumimoji="1" lang="ja-JP" altLang="en-US" sz="1600" dirty="0"/>
+              <a:t>食品廃棄物：</a:t>
+            </a:r>
+            <a:r>
+              <a:rPr kumimoji="1" lang="en-US" altLang="ja-JP" sz="1600" dirty="0"/>
+              <a:t>27%</a:t>
+            </a:r>
+            <a:endParaRPr kumimoji="1" lang="ja-JP" altLang="en-US" sz="1600" dirty="0"/>
+          </a:p>
+        </p:txBody>
+      </p:sp>
+      <p:sp>
+        <p:nvSpPr>
+          <p:cNvPr id="20" name="テキスト ボックス 19">
+            <a:extLst>
+              <a:ext uri="{FF2B5EF4-FFF2-40B4-BE49-F238E27FC236}">
+                <a16:creationId xmlns:a16="http://schemas.microsoft.com/office/drawing/2014/main" id="{D041FA21-53FB-6729-0947-DBEBBD231DB9}"/>
+              </a:ext>
+            </a:extLst>
+          </p:cNvPr>
+          <p:cNvSpPr txBox="1"/>
+          <p:nvPr/>
+        </p:nvSpPr>
+        <p:spPr>
+          <a:xfrm>
+            <a:off x="5414316" y="4980505"/>
+            <a:ext cx="2726454" cy="615553"/>
+          </a:xfrm>
+          <a:prstGeom prst="rect">
+            <a:avLst/>
+          </a:prstGeom>
+          <a:noFill/>
+        </p:spPr>
+        <p:txBody>
+          <a:bodyPr wrap="square" rtlCol="0">
+            <a:spAutoFit/>
+          </a:bodyPr>
+          <a:lstStyle/>
+          <a:p>
+            <a:pPr marL="0" marR="0" lvl="0" indent="0" algn="l" defTabSz="914400" rtl="0" eaLnBrk="1" fontAlgn="auto" latinLnBrk="0" hangingPunct="1">
+              <a:lnSpc>
+                <a:spcPct val="100000"/>
+              </a:lnSpc>
+              <a:spcBef>
+                <a:spcPts val="0"/>
+              </a:spcBef>
+              <a:spcAft>
+                <a:spcPts val="0"/>
+              </a:spcAft>
+              <a:buClrTx/>
+              <a:buSzTx/>
+              <a:buFontTx/>
+              <a:buNone/>
+              <a:tabLst/>
+              <a:defRPr/>
+            </a:pPr>
+            <a:r>
+              <a:rPr kumimoji="1" lang="ja-JP" altLang="en-US" dirty="0"/>
+              <a:t>農業残渣</a:t>
+            </a:r>
+            <a:endParaRPr kumimoji="1" lang="en-US" altLang="ja-JP" dirty="0"/>
+          </a:p>
+          <a:p>
+            <a:pPr marL="0" marR="0" lvl="0" indent="0" algn="l" defTabSz="914400" rtl="0" eaLnBrk="1" fontAlgn="auto" latinLnBrk="0" hangingPunct="1">
+              <a:lnSpc>
+                <a:spcPct val="100000"/>
+              </a:lnSpc>
+              <a:spcBef>
+                <a:spcPts val="0"/>
+              </a:spcBef>
+              <a:spcAft>
+                <a:spcPts val="0"/>
+              </a:spcAft>
+              <a:buClrTx/>
+              <a:buSzTx/>
+              <a:buFontTx/>
+              <a:buNone/>
+              <a:tabLst/>
+              <a:defRPr/>
+            </a:pPr>
+            <a:r>
+              <a:rPr kumimoji="1" lang="ja-JP" altLang="en-US" sz="1600" dirty="0"/>
+              <a:t>（稲作残渣、麦わら、バガス）</a:t>
+            </a:r>
+          </a:p>
+        </p:txBody>
+      </p:sp>
+      <p:sp>
+        <p:nvSpPr>
+          <p:cNvPr id="21" name="テキスト ボックス 20">
+            <a:extLst>
+              <a:ext uri="{FF2B5EF4-FFF2-40B4-BE49-F238E27FC236}">
+                <a16:creationId xmlns:a16="http://schemas.microsoft.com/office/drawing/2014/main" id="{8B7981B1-BB46-E8B2-990B-34D2B372C0C6}"/>
+              </a:ext>
+            </a:extLst>
+          </p:cNvPr>
+          <p:cNvSpPr txBox="1"/>
+          <p:nvPr/>
+        </p:nvSpPr>
+        <p:spPr>
+          <a:xfrm>
+            <a:off x="8651193" y="5103615"/>
+            <a:ext cx="2975873" cy="369332"/>
+          </a:xfrm>
+          <a:prstGeom prst="rect">
+            <a:avLst/>
+          </a:prstGeom>
+          <a:noFill/>
+        </p:spPr>
+        <p:txBody>
+          <a:bodyPr wrap="square" rtlCol="0">
+            <a:spAutoFit/>
+          </a:bodyPr>
+          <a:lstStyle/>
+          <a:p>
+            <a:r>
+              <a:rPr kumimoji="1" lang="ja-JP" altLang="en-US" dirty="0"/>
+              <a:t>藻類、糖・でんぷん、植物油</a:t>
+            </a:r>
+          </a:p>
+        </p:txBody>
+      </p:sp>
+      <p:sp>
+        <p:nvSpPr>
+          <p:cNvPr id="22" name="テキスト ボックス 21">
+            <a:extLst>
+              <a:ext uri="{FF2B5EF4-FFF2-40B4-BE49-F238E27FC236}">
+                <a16:creationId xmlns:a16="http://schemas.microsoft.com/office/drawing/2014/main" id="{A1580EB1-7E57-F2AE-0E5F-604ED0ECC98E}"/>
+              </a:ext>
+            </a:extLst>
+          </p:cNvPr>
+          <p:cNvSpPr txBox="1"/>
+          <p:nvPr/>
+        </p:nvSpPr>
+        <p:spPr>
+          <a:xfrm>
+            <a:off x="2189142" y="1678572"/>
+            <a:ext cx="2518510" cy="646331"/>
+          </a:xfrm>
+          <a:prstGeom prst="rect">
+            <a:avLst/>
+          </a:prstGeom>
+          <a:noFill/>
+        </p:spPr>
+        <p:txBody>
+          <a:bodyPr wrap="square" rtlCol="0">
+            <a:spAutoFit/>
+          </a:bodyPr>
+          <a:lstStyle/>
+          <a:p>
+            <a:r>
+              <a:rPr kumimoji="1" lang="ja-JP" altLang="en-US" dirty="0"/>
+              <a:t>処分義務あり、</a:t>
+            </a:r>
+            <a:endParaRPr kumimoji="1" lang="en-US" altLang="ja-JP" dirty="0"/>
+          </a:p>
+          <a:p>
+            <a:r>
+              <a:rPr kumimoji="1" lang="ja-JP" altLang="en-US" dirty="0"/>
+              <a:t>処分コストが高い</a:t>
+            </a:r>
+          </a:p>
+        </p:txBody>
+      </p:sp>
+      <p:sp>
+        <p:nvSpPr>
+          <p:cNvPr id="23" name="テキスト ボックス 22">
+            <a:extLst>
+              <a:ext uri="{FF2B5EF4-FFF2-40B4-BE49-F238E27FC236}">
+                <a16:creationId xmlns:a16="http://schemas.microsoft.com/office/drawing/2014/main" id="{4061F82F-A16A-FE98-06F8-AD32A44A056A}"/>
+              </a:ext>
+            </a:extLst>
+          </p:cNvPr>
+          <p:cNvSpPr txBox="1"/>
+          <p:nvPr/>
+        </p:nvSpPr>
+        <p:spPr>
+          <a:xfrm>
+            <a:off x="5518288" y="1678572"/>
+            <a:ext cx="2518510" cy="646331"/>
+          </a:xfrm>
+          <a:prstGeom prst="rect">
+            <a:avLst/>
+          </a:prstGeom>
+          <a:noFill/>
+        </p:spPr>
+        <p:txBody>
+          <a:bodyPr wrap="square" rtlCol="0">
+            <a:spAutoFit/>
+          </a:bodyPr>
+          <a:lstStyle/>
+          <a:p>
+            <a:r>
+              <a:rPr kumimoji="1" lang="ja-JP" altLang="en-US" dirty="0"/>
+              <a:t>処分義務なし、</a:t>
+            </a:r>
+            <a:endParaRPr kumimoji="1" lang="en-US" altLang="ja-JP" dirty="0"/>
+          </a:p>
+          <a:p>
+            <a:r>
+              <a:rPr kumimoji="1" lang="ja-JP" altLang="en-US" dirty="0"/>
+              <a:t>収集コストが高い</a:t>
+            </a:r>
+          </a:p>
+        </p:txBody>
+      </p:sp>
+      <p:sp>
+        <p:nvSpPr>
+          <p:cNvPr id="24" name="テキスト ボックス 23">
+            <a:extLst>
+              <a:ext uri="{FF2B5EF4-FFF2-40B4-BE49-F238E27FC236}">
+                <a16:creationId xmlns:a16="http://schemas.microsoft.com/office/drawing/2014/main" id="{9153209A-0DA0-C157-1911-CAAAC38A7918}"/>
+              </a:ext>
+            </a:extLst>
+          </p:cNvPr>
+          <p:cNvSpPr txBox="1"/>
+          <p:nvPr/>
+        </p:nvSpPr>
+        <p:spPr>
+          <a:xfrm>
+            <a:off x="8879874" y="1678572"/>
+            <a:ext cx="2518510" cy="646331"/>
+          </a:xfrm>
+          <a:prstGeom prst="rect">
+            <a:avLst/>
+          </a:prstGeom>
+          <a:noFill/>
+        </p:spPr>
+        <p:txBody>
+          <a:bodyPr wrap="square" rtlCol="0">
+            <a:spAutoFit/>
+          </a:bodyPr>
+          <a:lstStyle/>
+          <a:p>
+            <a:r>
+              <a:rPr kumimoji="1" lang="ja-JP" altLang="en-US" dirty="0"/>
+              <a:t>エネルギー利用を目的に栽培</a:t>
+            </a:r>
+          </a:p>
+        </p:txBody>
+      </p:sp>
+      <p:sp>
+        <p:nvSpPr>
+          <p:cNvPr id="27" name="正方形/長方形 26">
+            <a:extLst>
+              <a:ext uri="{FF2B5EF4-FFF2-40B4-BE49-F238E27FC236}">
+                <a16:creationId xmlns:a16="http://schemas.microsoft.com/office/drawing/2014/main" id="{FEE387B8-94B3-B120-BE2B-54F3C1572AC3}"/>
+              </a:ext>
+            </a:extLst>
+          </p:cNvPr>
+          <p:cNvSpPr/>
+          <p:nvPr/>
+        </p:nvSpPr>
+        <p:spPr>
+          <a:xfrm>
+            <a:off x="178062" y="1798605"/>
+            <a:ext cx="1728836" cy="406265"/>
+          </a:xfrm>
+          <a:prstGeom prst="rect">
+            <a:avLst/>
+          </a:prstGeom>
+          <a:solidFill>
+            <a:schemeClr val="accent1"/>
+          </a:solidFill>
+        </p:spPr>
+        <p:style>
+          <a:lnRef idx="2">
+            <a:schemeClr val="accent1">
+              <a:shade val="50000"/>
+            </a:schemeClr>
+          </a:lnRef>
+          <a:fillRef idx="1">
+            <a:schemeClr val="accent1"/>
+          </a:fillRef>
+          <a:effectRef idx="0">
+            <a:schemeClr val="accent1"/>
+          </a:effectRef>
+          <a:fontRef idx="minor">
+            <a:schemeClr val="lt1"/>
+          </a:fontRef>
+        </p:style>
+        <p:txBody>
+          <a:bodyPr rtlCol="0" anchor="ctr"/>
+          <a:lstStyle/>
+          <a:p>
+            <a:pPr algn="ctr"/>
+            <a:r>
+              <a:rPr kumimoji="1" lang="ja-JP" altLang="en-US" sz="2000" dirty="0">
+                <a:solidFill>
+                  <a:schemeClr val="bg1"/>
+                </a:solidFill>
+              </a:rPr>
+              <a:t>特徴</a:t>
+            </a:r>
+          </a:p>
+        </p:txBody>
+      </p:sp>
+      <p:sp>
+        <p:nvSpPr>
+          <p:cNvPr id="28" name="正方形/長方形 27">
+            <a:extLst>
+              <a:ext uri="{FF2B5EF4-FFF2-40B4-BE49-F238E27FC236}">
+                <a16:creationId xmlns:a16="http://schemas.microsoft.com/office/drawing/2014/main" id="{42CA9D9E-A7C6-0170-F3DF-0D0AD0F20249}"/>
+              </a:ext>
+            </a:extLst>
+          </p:cNvPr>
+          <p:cNvSpPr/>
+          <p:nvPr/>
+        </p:nvSpPr>
+        <p:spPr>
+          <a:xfrm>
+            <a:off x="193983" y="2669124"/>
+            <a:ext cx="423518" cy="2999642"/>
+          </a:xfrm>
+          <a:prstGeom prst="rect">
+            <a:avLst/>
+          </a:prstGeom>
+          <a:solidFill>
+            <a:schemeClr val="accent1"/>
+          </a:solidFill>
+        </p:spPr>
+        <p:style>
+          <a:lnRef idx="2">
+            <a:schemeClr val="accent1">
+              <a:shade val="50000"/>
+            </a:schemeClr>
+          </a:lnRef>
+          <a:fillRef idx="1">
+            <a:schemeClr val="accent1"/>
+          </a:fillRef>
+          <a:effectRef idx="0">
+            <a:schemeClr val="accent1"/>
+          </a:effectRef>
+          <a:fontRef idx="minor">
+            <a:schemeClr val="lt1"/>
+          </a:fontRef>
+        </p:style>
+        <p:txBody>
+          <a:bodyPr rtlCol="0" anchor="ctr"/>
+          <a:lstStyle/>
+          <a:p>
+            <a:pPr algn="ctr"/>
+            <a:r>
+              <a:rPr kumimoji="1" lang="ja-JP" altLang="en-US" sz="2000" dirty="0">
+                <a:solidFill>
+                  <a:schemeClr val="bg1"/>
+                </a:solidFill>
+              </a:rPr>
+              <a:t>代表例</a:t>
+            </a:r>
+          </a:p>
+        </p:txBody>
+      </p:sp>
+      <p:sp>
+        <p:nvSpPr>
+          <p:cNvPr id="29" name="テキスト ボックス 28">
+            <a:extLst>
+              <a:ext uri="{FF2B5EF4-FFF2-40B4-BE49-F238E27FC236}">
+                <a16:creationId xmlns:a16="http://schemas.microsoft.com/office/drawing/2014/main" id="{1F4B2947-34E6-546F-34EC-DCCEAA70B21F}"/>
+              </a:ext>
+            </a:extLst>
+          </p:cNvPr>
+          <p:cNvSpPr txBox="1"/>
+          <p:nvPr/>
+        </p:nvSpPr>
+        <p:spPr>
+          <a:xfrm>
+            <a:off x="6401891" y="5802801"/>
+            <a:ext cx="5521843" cy="369332"/>
+          </a:xfrm>
+          <a:prstGeom prst="rect">
+            <a:avLst/>
+          </a:prstGeom>
+          <a:noFill/>
+        </p:spPr>
+        <p:txBody>
+          <a:bodyPr wrap="square" rtlCol="0">
+            <a:spAutoFit/>
+          </a:bodyPr>
+          <a:lstStyle/>
+          <a:p>
+            <a:pPr marL="0" marR="0" lvl="0" indent="0" algn="l" defTabSz="914400" rtl="0" eaLnBrk="1" fontAlgn="auto" latinLnBrk="0" hangingPunct="1">
+              <a:lnSpc>
+                <a:spcPct val="100000"/>
+              </a:lnSpc>
+              <a:spcBef>
+                <a:spcPts val="0"/>
+              </a:spcBef>
+              <a:spcAft>
+                <a:spcPts val="0"/>
+              </a:spcAft>
+              <a:buClrTx/>
+              <a:buSzTx/>
+              <a:buFontTx/>
+              <a:buNone/>
+              <a:tabLst/>
+              <a:defRPr/>
+            </a:pPr>
+            <a:r>
+              <a:rPr kumimoji="1" lang="en-US" altLang="ja-JP" dirty="0"/>
+              <a:t>※NEDO </a:t>
+            </a:r>
+            <a:r>
+              <a:rPr kumimoji="1" lang="ja-JP" altLang="en-US" dirty="0"/>
+              <a:t>再生可能エネルギー技術白書 第</a:t>
+            </a:r>
+            <a:r>
+              <a:rPr kumimoji="1" lang="en-US" altLang="ja-JP" dirty="0"/>
+              <a:t>2</a:t>
+            </a:r>
+            <a:r>
+              <a:rPr kumimoji="1" lang="ja-JP" altLang="en-US" dirty="0"/>
+              <a:t>版 </a:t>
+            </a:r>
+            <a:r>
+              <a:rPr kumimoji="1" lang="en-US" altLang="ja-JP" dirty="0"/>
+              <a:t>(2014)</a:t>
+            </a:r>
+            <a:endParaRPr kumimoji="1" lang="ja-JP" altLang="en-US" dirty="0"/>
+          </a:p>
+        </p:txBody>
+      </p:sp>
+      <p:sp>
+        <p:nvSpPr>
+          <p:cNvPr id="30" name="テキスト ボックス 29">
+            <a:extLst>
+              <a:ext uri="{FF2B5EF4-FFF2-40B4-BE49-F238E27FC236}">
+                <a16:creationId xmlns:a16="http://schemas.microsoft.com/office/drawing/2014/main" id="{6F79AC5A-D5A5-DD82-8E01-E8B8C6C4307D}"/>
+              </a:ext>
+            </a:extLst>
+          </p:cNvPr>
+          <p:cNvSpPr txBox="1"/>
+          <p:nvPr/>
+        </p:nvSpPr>
+        <p:spPr>
+          <a:xfrm>
+            <a:off x="3697501" y="4204629"/>
+            <a:ext cx="1292395" cy="307777"/>
+          </a:xfrm>
+          <a:prstGeom prst="rect">
+            <a:avLst/>
+          </a:prstGeom>
+          <a:noFill/>
+        </p:spPr>
+        <p:txBody>
+          <a:bodyPr wrap="square" rtlCol="0">
+            <a:spAutoFit/>
+          </a:bodyPr>
+          <a:lstStyle/>
+          <a:p>
+            <a:r>
+              <a:rPr kumimoji="1" lang="ja-JP" altLang="en-US" sz="1400" dirty="0"/>
+              <a:t>製紙汚泥</a:t>
+            </a:r>
+          </a:p>
+        </p:txBody>
+      </p:sp>
+      <p:sp>
+        <p:nvSpPr>
+          <p:cNvPr id="31" name="テキスト ボックス 30">
+            <a:extLst>
+              <a:ext uri="{FF2B5EF4-FFF2-40B4-BE49-F238E27FC236}">
+                <a16:creationId xmlns:a16="http://schemas.microsoft.com/office/drawing/2014/main" id="{1DD92357-DCD2-065E-084B-D60541DE9B5B}"/>
+              </a:ext>
+            </a:extLst>
+          </p:cNvPr>
+          <p:cNvSpPr txBox="1"/>
+          <p:nvPr/>
+        </p:nvSpPr>
+        <p:spPr>
+          <a:xfrm>
+            <a:off x="3482977" y="2415021"/>
+            <a:ext cx="1604514" cy="307777"/>
+          </a:xfrm>
+          <a:prstGeom prst="rect">
+            <a:avLst/>
+          </a:prstGeom>
+          <a:noFill/>
+        </p:spPr>
+        <p:txBody>
+          <a:bodyPr wrap="square" rtlCol="0">
+            <a:spAutoFit/>
+          </a:bodyPr>
+          <a:lstStyle/>
+          <a:p>
+            <a:r>
+              <a:rPr kumimoji="1" lang="ja-JP" altLang="en-US" sz="1400" dirty="0"/>
+              <a:t>数値は利用率</a:t>
+            </a:r>
+          </a:p>
+        </p:txBody>
+      </p:sp>
+    </p:spTree>
+    <p:extLst>
+      <p:ext uri="{BB962C8B-B14F-4D97-AF65-F5344CB8AC3E}">
+        <p14:creationId xmlns:p14="http://schemas.microsoft.com/office/powerpoint/2010/main" val="3673451005"/>
+      </p:ext>
+    </p:extLst>
+  </p:cSld>
+  <p:clrMapOvr>
+    <a:masterClrMapping/>
+  </p:clrMapOvr>
+</p:sld>
+</file>
+
+<file path=ppt/slides/slide8.xml><?xml version="1.0" encoding="utf-8"?>
+<p:sld xmlns:a="http://schemas.openxmlformats.org/drawingml/2006/main" xmlns:r="http://schemas.openxmlformats.org/officeDocument/2006/relationships" xmlns:p="http://schemas.openxmlformats.org/presentationml/2006/main">
+  <p:cSld>
+    <p:spTree>
+      <p:nvGrpSpPr>
+        <p:cNvPr id="1" name=""/>
+        <p:cNvGrpSpPr/>
+        <p:nvPr/>
+      </p:nvGrpSpPr>
+      <p:grpSpPr>
+        <a:xfrm>
+          <a:off x="0" y="0"/>
+          <a:ext cx="0" cy="0"/>
+          <a:chOff x="0" y="0"/>
+          <a:chExt cx="0" cy="0"/>
+        </a:xfrm>
+      </p:grpSpPr>
+      <p:pic>
+        <p:nvPicPr>
+          <p:cNvPr id="5" name="図 4">
+            <a:extLst>
+              <a:ext uri="{FF2B5EF4-FFF2-40B4-BE49-F238E27FC236}">
+                <a16:creationId xmlns:a16="http://schemas.microsoft.com/office/drawing/2014/main" id="{CE7ED794-519B-4410-8A30-59841D1FF7AA}"/>
+              </a:ext>
+            </a:extLst>
+          </p:cNvPr>
+          <p:cNvPicPr>
+            <a:picLocks noChangeAspect="1"/>
+          </p:cNvPicPr>
+          <p:nvPr/>
+        </p:nvPicPr>
+        <p:blipFill>
+          <a:blip r:embed="rId3"/>
+          <a:stretch>
+            <a:fillRect/>
+          </a:stretch>
+        </p:blipFill>
+        <p:spPr>
+          <a:xfrm>
+            <a:off x="5452870" y="1722171"/>
+            <a:ext cx="6358792" cy="4371669"/>
+          </a:xfrm>
+          <a:prstGeom prst="rect">
+            <a:avLst/>
+          </a:prstGeom>
+        </p:spPr>
+      </p:pic>
+      <p:sp>
+        <p:nvSpPr>
+          <p:cNvPr id="3" name="スライド番号プレースホルダー 2">
+            <a:extLst>
+              <a:ext uri="{FF2B5EF4-FFF2-40B4-BE49-F238E27FC236}">
+                <a16:creationId xmlns:a16="http://schemas.microsoft.com/office/drawing/2014/main" id="{ED23190D-575C-49DE-8293-87C3C1C8D779}"/>
+              </a:ext>
+            </a:extLst>
+          </p:cNvPr>
+          <p:cNvSpPr>
+            <a:spLocks noGrp="1"/>
+          </p:cNvSpPr>
+          <p:nvPr>
+            <p:ph type="sldNum" sz="quarter" idx="10"/>
+          </p:nvPr>
+        </p:nvSpPr>
+        <p:spPr/>
+        <p:txBody>
+          <a:bodyPr/>
+          <a:lstStyle/>
+          <a:p>
+            <a:fld id="{584EAAFE-CFE5-40AD-8E95-5BFF290DC5CF}" type="slidenum">
+              <a:rPr kumimoji="1" lang="ja-JP" altLang="en-US" smtClean="0"/>
+              <a:pPr/>
+              <a:t>8</a:t>
+            </a:fld>
+            <a:endParaRPr kumimoji="1" lang="ja-JP" altLang="en-US"/>
+          </a:p>
+        </p:txBody>
+      </p:sp>
+      <p:sp>
+        <p:nvSpPr>
+          <p:cNvPr id="10" name="タイトル 1">
+            <a:extLst>
+              <a:ext uri="{FF2B5EF4-FFF2-40B4-BE49-F238E27FC236}">
+                <a16:creationId xmlns:a16="http://schemas.microsoft.com/office/drawing/2014/main" id="{0B741DA3-801A-4F30-83B2-12C70BEDD5CB}"/>
+              </a:ext>
+            </a:extLst>
+          </p:cNvPr>
+          <p:cNvSpPr txBox="1">
+            <a:spLocks/>
+          </p:cNvSpPr>
+          <p:nvPr/>
+        </p:nvSpPr>
+        <p:spPr>
+          <a:xfrm>
+            <a:off x="517056" y="238866"/>
+            <a:ext cx="11400125" cy="518094"/>
+          </a:xfrm>
+          <a:prstGeom prst="rect">
+            <a:avLst/>
+          </a:prstGeom>
+        </p:spPr>
+        <p:txBody>
+          <a:bodyPr vert="horz" lIns="91440" tIns="45720" rIns="91440" bIns="45720" rtlCol="0" anchor="ctr">
+            <a:normAutofit/>
+          </a:bodyPr>
+          <a:lstStyle>
+            <a:lvl1pPr algn="l" defTabSz="914400" rtl="0" eaLnBrk="1" latinLnBrk="0" hangingPunct="1">
+              <a:lnSpc>
+                <a:spcPct val="90000"/>
+              </a:lnSpc>
+              <a:spcBef>
+                <a:spcPct val="0"/>
+              </a:spcBef>
+              <a:buNone/>
+              <a:defRPr kumimoji="1" sz="2800" b="1" kern="1200">
+                <a:solidFill>
+                  <a:schemeClr val="bg1"/>
+                </a:solidFill>
+                <a:latin typeface="+mj-lt"/>
+                <a:ea typeface="+mj-ea"/>
+                <a:cs typeface="+mj-cs"/>
+              </a:defRPr>
+            </a:lvl1pPr>
+          </a:lstStyle>
+          <a:p>
+            <a:r>
+              <a:rPr lang="ja-JP" altLang="en-US" dirty="0"/>
+              <a:t>バイオ燃料：エネルギーとしての利用</a:t>
+            </a:r>
+          </a:p>
+        </p:txBody>
+      </p:sp>
+      <p:sp>
+        <p:nvSpPr>
+          <p:cNvPr id="11" name="テキスト ボックス 10">
+            <a:extLst>
+              <a:ext uri="{FF2B5EF4-FFF2-40B4-BE49-F238E27FC236}">
+                <a16:creationId xmlns:a16="http://schemas.microsoft.com/office/drawing/2014/main" id="{B65E6020-5960-414D-8861-CC3A23493130}"/>
+              </a:ext>
+            </a:extLst>
+          </p:cNvPr>
+          <p:cNvSpPr txBox="1"/>
+          <p:nvPr/>
+        </p:nvSpPr>
+        <p:spPr>
+          <a:xfrm>
+            <a:off x="571985" y="-20771"/>
+            <a:ext cx="2836193" cy="338554"/>
+          </a:xfrm>
+          <a:prstGeom prst="rect">
+            <a:avLst/>
+          </a:prstGeom>
+          <a:noFill/>
+        </p:spPr>
+        <p:txBody>
+          <a:bodyPr wrap="square" rtlCol="0">
+            <a:spAutoFit/>
+          </a:bodyPr>
+          <a:lstStyle/>
+          <a:p>
+            <a:r>
+              <a:rPr kumimoji="1" lang="en-US" altLang="ja-JP" sz="1600" b="1" dirty="0">
+                <a:solidFill>
+                  <a:schemeClr val="bg1"/>
+                </a:solidFill>
+              </a:rPr>
+              <a:t>2. </a:t>
+            </a:r>
+            <a:r>
+              <a:rPr kumimoji="1" lang="ja-JP" altLang="en-US" sz="1600" b="1" dirty="0">
+                <a:solidFill>
+                  <a:schemeClr val="bg1"/>
+                </a:solidFill>
+              </a:rPr>
+              <a:t>調査活動</a:t>
+            </a:r>
+          </a:p>
+        </p:txBody>
+      </p:sp>
+      <p:sp>
+        <p:nvSpPr>
+          <p:cNvPr id="13" name="テキスト ボックス 12">
+            <a:extLst>
+              <a:ext uri="{FF2B5EF4-FFF2-40B4-BE49-F238E27FC236}">
+                <a16:creationId xmlns:a16="http://schemas.microsoft.com/office/drawing/2014/main" id="{D0AD64C4-152C-4148-9D32-1F55ECAE245A}"/>
+              </a:ext>
+            </a:extLst>
+          </p:cNvPr>
+          <p:cNvSpPr txBox="1"/>
+          <p:nvPr/>
+        </p:nvSpPr>
+        <p:spPr>
+          <a:xfrm>
+            <a:off x="1544204" y="1821488"/>
+            <a:ext cx="2465399" cy="369332"/>
+          </a:xfrm>
+          <a:prstGeom prst="rect">
+            <a:avLst/>
+          </a:prstGeom>
+          <a:noFill/>
+        </p:spPr>
+        <p:txBody>
+          <a:bodyPr wrap="square" rtlCol="0">
+            <a:spAutoFit/>
+          </a:bodyPr>
+          <a:lstStyle/>
+          <a:p>
+            <a:pPr algn="ctr"/>
+            <a:r>
+              <a:rPr kumimoji="1" lang="ja-JP" altLang="en-US" b="1" dirty="0"/>
+              <a:t>エネルギー利用の流れ</a:t>
+            </a:r>
+          </a:p>
+        </p:txBody>
+      </p:sp>
+      <p:pic>
+        <p:nvPicPr>
+          <p:cNvPr id="4" name="図 3">
+            <a:extLst>
+              <a:ext uri="{FF2B5EF4-FFF2-40B4-BE49-F238E27FC236}">
+                <a16:creationId xmlns:a16="http://schemas.microsoft.com/office/drawing/2014/main" id="{DDA194A8-BA0D-CEAB-8A49-B330A55F9895}"/>
+              </a:ext>
+            </a:extLst>
+          </p:cNvPr>
+          <p:cNvPicPr>
+            <a:picLocks noChangeAspect="1"/>
+          </p:cNvPicPr>
+          <p:nvPr/>
+        </p:nvPicPr>
+        <p:blipFill>
+          <a:blip r:embed="rId4"/>
+          <a:stretch>
+            <a:fillRect/>
+          </a:stretch>
+        </p:blipFill>
+        <p:spPr>
+          <a:xfrm>
+            <a:off x="185650" y="2382957"/>
+            <a:ext cx="5182509" cy="2793945"/>
+          </a:xfrm>
+          <a:prstGeom prst="rect">
+            <a:avLst/>
+          </a:prstGeom>
+        </p:spPr>
+      </p:pic>
+      <p:sp>
+        <p:nvSpPr>
+          <p:cNvPr id="2" name="テキスト ボックス 1">
+            <a:extLst>
+              <a:ext uri="{FF2B5EF4-FFF2-40B4-BE49-F238E27FC236}">
+                <a16:creationId xmlns:a16="http://schemas.microsoft.com/office/drawing/2014/main" id="{BEB23D2D-D88E-6478-A270-4E95385758B4}"/>
+              </a:ext>
+            </a:extLst>
+          </p:cNvPr>
+          <p:cNvSpPr txBox="1"/>
+          <p:nvPr/>
+        </p:nvSpPr>
+        <p:spPr>
+          <a:xfrm>
+            <a:off x="7031798" y="1452156"/>
+            <a:ext cx="2924127" cy="369332"/>
+          </a:xfrm>
+          <a:prstGeom prst="rect">
+            <a:avLst/>
+          </a:prstGeom>
+          <a:noFill/>
+        </p:spPr>
+        <p:txBody>
+          <a:bodyPr wrap="square" rtlCol="0">
+            <a:spAutoFit/>
+          </a:bodyPr>
+          <a:lstStyle/>
+          <a:p>
+            <a:pPr algn="ctr"/>
+            <a:r>
+              <a:rPr kumimoji="1" lang="ja-JP" altLang="en-US" b="1" dirty="0"/>
+              <a:t>炭化水素燃料への変換例</a:t>
+            </a:r>
+          </a:p>
+        </p:txBody>
+      </p:sp>
+    </p:spTree>
+    <p:extLst>
+      <p:ext uri="{BB962C8B-B14F-4D97-AF65-F5344CB8AC3E}">
+        <p14:creationId xmlns:p14="http://schemas.microsoft.com/office/powerpoint/2010/main" val="1253658750"/>
+      </p:ext>
+    </p:extLst>
+  </p:cSld>
+  <p:clrMapOvr>
+    <a:masterClrMapping/>
+  </p:clrMapOvr>
+</p:sld>
+</file>
+
+<file path=ppt/slides/slide9.xml><?xml version="1.0" encoding="utf-8"?>
+<p:sld xmlns:a="http://schemas.openxmlformats.org/drawingml/2006/main" xmlns:r="http://schemas.openxmlformats.org/officeDocument/2006/relationships" xmlns:p="http://schemas.openxmlformats.org/presentationml/2006/main">
+  <p:cSld>
+    <p:spTree>
+      <p:nvGrpSpPr>
+        <p:cNvPr id="1" name=""/>
+        <p:cNvGrpSpPr/>
+        <p:nvPr/>
+      </p:nvGrpSpPr>
+      <p:grpSpPr>
+        <a:xfrm>
+          <a:off x="0" y="0"/>
+          <a:ext cx="0" cy="0"/>
+          <a:chOff x="0" y="0"/>
+          <a:chExt cx="0" cy="0"/>
+        </a:xfrm>
+      </p:grpSpPr>
+      <p:sp>
+        <p:nvSpPr>
+          <p:cNvPr id="3" name="スライド番号プレースホルダー 2">
+            <a:extLst>
+              <a:ext uri="{FF2B5EF4-FFF2-40B4-BE49-F238E27FC236}">
+                <a16:creationId xmlns:a16="http://schemas.microsoft.com/office/drawing/2014/main" id="{ED23190D-575C-49DE-8293-87C3C1C8D779}"/>
+              </a:ext>
+            </a:extLst>
+          </p:cNvPr>
+          <p:cNvSpPr>
+            <a:spLocks noGrp="1"/>
+          </p:cNvSpPr>
+          <p:nvPr>
+            <p:ph type="sldNum" sz="quarter" idx="10"/>
+          </p:nvPr>
+        </p:nvSpPr>
+        <p:spPr/>
+        <p:txBody>
+          <a:bodyPr/>
+          <a:lstStyle/>
+          <a:p>
+            <a:fld id="{584EAAFE-CFE5-40AD-8E95-5BFF290DC5CF}" type="slidenum">
+              <a:rPr kumimoji="1" lang="ja-JP" altLang="en-US" smtClean="0"/>
+              <a:pPr/>
+              <a:t>9</a:t>
+            </a:fld>
+            <a:endParaRPr kumimoji="1" lang="ja-JP" altLang="en-US"/>
+          </a:p>
+        </p:txBody>
+      </p:sp>
+      <p:sp>
+        <p:nvSpPr>
+          <p:cNvPr id="10" name="タイトル 1">
+            <a:extLst>
+              <a:ext uri="{FF2B5EF4-FFF2-40B4-BE49-F238E27FC236}">
+                <a16:creationId xmlns:a16="http://schemas.microsoft.com/office/drawing/2014/main" id="{0B741DA3-801A-4F30-83B2-12C70BEDD5CB}"/>
+              </a:ext>
+            </a:extLst>
+          </p:cNvPr>
+          <p:cNvSpPr txBox="1">
+            <a:spLocks/>
+          </p:cNvSpPr>
+          <p:nvPr/>
+        </p:nvSpPr>
+        <p:spPr>
+          <a:xfrm>
+            <a:off x="517056" y="238866"/>
+            <a:ext cx="11400125" cy="518094"/>
+          </a:xfrm>
+          <a:prstGeom prst="rect">
+            <a:avLst/>
+          </a:prstGeom>
+        </p:spPr>
+        <p:txBody>
+          <a:bodyPr vert="horz" lIns="91440" tIns="45720" rIns="91440" bIns="45720" rtlCol="0" anchor="ctr">
+            <a:normAutofit/>
+          </a:bodyPr>
+          <a:lstStyle>
+            <a:lvl1pPr algn="l" defTabSz="914400" rtl="0" eaLnBrk="1" latinLnBrk="0" hangingPunct="1">
+              <a:lnSpc>
+                <a:spcPct val="90000"/>
+              </a:lnSpc>
+              <a:spcBef>
+                <a:spcPct val="0"/>
+              </a:spcBef>
+              <a:buNone/>
+              <a:defRPr kumimoji="1" sz="2800" b="1" kern="1200">
+                <a:solidFill>
+                  <a:schemeClr val="bg1"/>
+                </a:solidFill>
+                <a:latin typeface="+mj-lt"/>
+                <a:ea typeface="+mj-ea"/>
+                <a:cs typeface="+mj-cs"/>
+              </a:defRPr>
+            </a:lvl1pPr>
+          </a:lstStyle>
+          <a:p>
+            <a:r>
+              <a:rPr lang="ja-JP" altLang="en-US" dirty="0"/>
+              <a:t>バイオ燃料の分類</a:t>
             </a:r>
           </a:p>
         </p:txBody>
@@ -24861,62 +29448,6 @@
           </a:graphicData>
         </a:graphic>
       </p:graphicFrame>
-      <p:sp>
-        <p:nvSpPr>
-          <p:cNvPr id="12" name="正方形/長方形 11">
-            <a:extLst>
-              <a:ext uri="{FF2B5EF4-FFF2-40B4-BE49-F238E27FC236}">
-                <a16:creationId xmlns:a16="http://schemas.microsoft.com/office/drawing/2014/main" id="{59949D2D-0CC5-4040-B841-D1F010150859}"/>
-              </a:ext>
-            </a:extLst>
-          </p:cNvPr>
-          <p:cNvSpPr/>
-          <p:nvPr/>
-        </p:nvSpPr>
-        <p:spPr>
-          <a:xfrm>
-            <a:off x="304987" y="1103739"/>
-            <a:ext cx="3370185" cy="406265"/>
-          </a:xfrm>
-          <a:prstGeom prst="rect">
-            <a:avLst/>
-          </a:prstGeom>
-          <a:solidFill>
-            <a:schemeClr val="accent1"/>
-          </a:solidFill>
-        </p:spPr>
-        <p:style>
-          <a:lnRef idx="2">
-            <a:schemeClr val="accent1">
-              <a:shade val="50000"/>
-            </a:schemeClr>
-          </a:lnRef>
-          <a:fillRef idx="1">
-            <a:schemeClr val="accent1"/>
-          </a:fillRef>
-          <a:effectRef idx="0">
-            <a:schemeClr val="accent1"/>
-          </a:effectRef>
-          <a:fontRef idx="minor">
-            <a:schemeClr val="lt1"/>
-          </a:fontRef>
-        </p:style>
-        <p:txBody>
-          <a:bodyPr rtlCol="0" anchor="ctr"/>
-          <a:lstStyle/>
-          <a:p>
-            <a:pPr algn="ctr"/>
-            <a:r>
-              <a:rPr kumimoji="1" lang="ja-JP" altLang="en-US" sz="2000" dirty="0">
-                <a:solidFill>
-                  <a:schemeClr val="bg1"/>
-                </a:solidFill>
-              </a:rPr>
-              <a:t>バイオ燃料</a:t>
-            </a:r>
-          </a:p>
-        </p:txBody>
-      </p:sp>
       <p:graphicFrame>
         <p:nvGraphicFramePr>
           <p:cNvPr id="13" name="表 4">
@@ -24932,7 +29463,7 @@
           <p:nvPr>
             <p:extLst>
               <p:ext uri="{D42A27DB-BD31-4B8C-83A1-F6EECF244321}">
-                <p14:modId xmlns:p14="http://schemas.microsoft.com/office/powerpoint/2010/main" val="1697995964"/>
+                <p14:modId xmlns:p14="http://schemas.microsoft.com/office/powerpoint/2010/main" val="1120782828"/>
               </p:ext>
             </p:extLst>
           </p:nvPr>
@@ -25031,7 +29562,7 @@
                     <a:p>
                       <a:r>
                         <a:rPr kumimoji="1" lang="ja-JP" altLang="en-US" dirty="0"/>
-                        <a:t>可／非可食</a:t>
+                        <a:t>可食／非食</a:t>
                       </a:r>
                     </a:p>
                   </a:txBody>
@@ -25206,7 +29737,7 @@
                     <a:p>
                       <a:r>
                         <a:rPr kumimoji="1" lang="ja-JP" altLang="en-US" dirty="0"/>
-                        <a:t>非可食</a:t>
+                        <a:t>非食</a:t>
                       </a:r>
                     </a:p>
                   </a:txBody>
@@ -25286,7 +29817,7 @@
                     <a:p>
                       <a:r>
                         <a:rPr kumimoji="1" lang="ja-JP" altLang="en-US" dirty="0"/>
-                        <a:t>非可食</a:t>
+                        <a:t>非食</a:t>
                       </a:r>
                     </a:p>
                   </a:txBody>
@@ -25319,282 +29850,6 @@
     <p:extLst>
       <p:ext uri="{BB962C8B-B14F-4D97-AF65-F5344CB8AC3E}">
         <p14:creationId xmlns:p14="http://schemas.microsoft.com/office/powerpoint/2010/main" val="184465634"/>
-      </p:ext>
-    </p:extLst>
-  </p:cSld>
-  <p:clrMapOvr>
-    <a:masterClrMapping/>
-  </p:clrMapOvr>
-</p:sld>
-</file>
-
-<file path=ppt/slides/slide8.xml><?xml version="1.0" encoding="utf-8"?>
-<p:sld xmlns:a="http://schemas.openxmlformats.org/drawingml/2006/main" xmlns:r="http://schemas.openxmlformats.org/officeDocument/2006/relationships" xmlns:p="http://schemas.openxmlformats.org/presentationml/2006/main">
-  <p:cSld>
-    <p:spTree>
-      <p:nvGrpSpPr>
-        <p:cNvPr id="1" name=""/>
-        <p:cNvGrpSpPr/>
-        <p:nvPr/>
-      </p:nvGrpSpPr>
-      <p:grpSpPr>
-        <a:xfrm>
-          <a:off x="0" y="0"/>
-          <a:ext cx="0" cy="0"/>
-          <a:chOff x="0" y="0"/>
-          <a:chExt cx="0" cy="0"/>
-        </a:xfrm>
-      </p:grpSpPr>
-      <p:sp>
-        <p:nvSpPr>
-          <p:cNvPr id="3" name="スライド番号プレースホルダー 2">
-            <a:extLst>
-              <a:ext uri="{FF2B5EF4-FFF2-40B4-BE49-F238E27FC236}">
-                <a16:creationId xmlns:a16="http://schemas.microsoft.com/office/drawing/2014/main" id="{ED23190D-575C-49DE-8293-87C3C1C8D779}"/>
-              </a:ext>
-            </a:extLst>
-          </p:cNvPr>
-          <p:cNvSpPr>
-            <a:spLocks noGrp="1"/>
-          </p:cNvSpPr>
-          <p:nvPr>
-            <p:ph type="sldNum" sz="quarter" idx="10"/>
-          </p:nvPr>
-        </p:nvSpPr>
-        <p:spPr/>
-        <p:txBody>
-          <a:bodyPr/>
-          <a:lstStyle/>
-          <a:p>
-            <a:fld id="{584EAAFE-CFE5-40AD-8E95-5BFF290DC5CF}" type="slidenum">
-              <a:rPr kumimoji="1" lang="ja-JP" altLang="en-US" smtClean="0"/>
-              <a:pPr/>
-              <a:t>8</a:t>
-            </a:fld>
-            <a:endParaRPr kumimoji="1" lang="ja-JP" altLang="en-US"/>
-          </a:p>
-        </p:txBody>
-      </p:sp>
-      <p:sp>
-        <p:nvSpPr>
-          <p:cNvPr id="10" name="タイトル 1">
-            <a:extLst>
-              <a:ext uri="{FF2B5EF4-FFF2-40B4-BE49-F238E27FC236}">
-                <a16:creationId xmlns:a16="http://schemas.microsoft.com/office/drawing/2014/main" id="{0B741DA3-801A-4F30-83B2-12C70BEDD5CB}"/>
-              </a:ext>
-            </a:extLst>
-          </p:cNvPr>
-          <p:cNvSpPr txBox="1">
-            <a:spLocks/>
-          </p:cNvSpPr>
-          <p:nvPr/>
-        </p:nvSpPr>
-        <p:spPr>
-          <a:xfrm>
-            <a:off x="517056" y="238866"/>
-            <a:ext cx="11400125" cy="518094"/>
-          </a:xfrm>
-          <a:prstGeom prst="rect">
-            <a:avLst/>
-          </a:prstGeom>
-        </p:spPr>
-        <p:txBody>
-          <a:bodyPr vert="horz" lIns="91440" tIns="45720" rIns="91440" bIns="45720" rtlCol="0" anchor="ctr">
-            <a:normAutofit/>
-          </a:bodyPr>
-          <a:lstStyle>
-            <a:lvl1pPr algn="l" defTabSz="914400" rtl="0" eaLnBrk="1" latinLnBrk="0" hangingPunct="1">
-              <a:lnSpc>
-                <a:spcPct val="90000"/>
-              </a:lnSpc>
-              <a:spcBef>
-                <a:spcPct val="0"/>
-              </a:spcBef>
-              <a:buNone/>
-              <a:defRPr kumimoji="1" sz="2800" b="1" kern="1200">
-                <a:solidFill>
-                  <a:schemeClr val="bg1"/>
-                </a:solidFill>
-                <a:latin typeface="+mj-lt"/>
-                <a:ea typeface="+mj-ea"/>
-                <a:cs typeface="+mj-cs"/>
-              </a:defRPr>
-            </a:lvl1pPr>
-          </a:lstStyle>
-          <a:p>
-            <a:r>
-              <a:rPr lang="ja-JP" altLang="en-US" dirty="0"/>
-              <a:t>酵素糖化法による糖化工程</a:t>
-            </a:r>
-          </a:p>
-        </p:txBody>
-      </p:sp>
-      <p:sp>
-        <p:nvSpPr>
-          <p:cNvPr id="11" name="テキスト ボックス 10">
-            <a:extLst>
-              <a:ext uri="{FF2B5EF4-FFF2-40B4-BE49-F238E27FC236}">
-                <a16:creationId xmlns:a16="http://schemas.microsoft.com/office/drawing/2014/main" id="{B65E6020-5960-414D-8861-CC3A23493130}"/>
-              </a:ext>
-            </a:extLst>
-          </p:cNvPr>
-          <p:cNvSpPr txBox="1"/>
-          <p:nvPr/>
-        </p:nvSpPr>
-        <p:spPr>
-          <a:xfrm>
-            <a:off x="571985" y="-20771"/>
-            <a:ext cx="2836193" cy="338554"/>
-          </a:xfrm>
-          <a:prstGeom prst="rect">
-            <a:avLst/>
-          </a:prstGeom>
-          <a:noFill/>
-        </p:spPr>
-        <p:txBody>
-          <a:bodyPr wrap="square" rtlCol="0">
-            <a:spAutoFit/>
-          </a:bodyPr>
-          <a:lstStyle/>
-          <a:p>
-            <a:r>
-              <a:rPr kumimoji="1" lang="en-US" altLang="ja-JP" sz="1600" b="1" dirty="0">
-                <a:solidFill>
-                  <a:schemeClr val="bg1"/>
-                </a:solidFill>
-              </a:rPr>
-              <a:t>2. </a:t>
-            </a:r>
-            <a:r>
-              <a:rPr kumimoji="1" lang="ja-JP" altLang="en-US" sz="1600" b="1" dirty="0">
-                <a:solidFill>
-                  <a:schemeClr val="bg1"/>
-                </a:solidFill>
-              </a:rPr>
-              <a:t>調査活動</a:t>
-            </a:r>
-          </a:p>
-        </p:txBody>
-      </p:sp>
-      <p:pic>
-        <p:nvPicPr>
-          <p:cNvPr id="4" name="図 3">
-            <a:extLst>
-              <a:ext uri="{FF2B5EF4-FFF2-40B4-BE49-F238E27FC236}">
-                <a16:creationId xmlns:a16="http://schemas.microsoft.com/office/drawing/2014/main" id="{9C8B1E99-DD4B-4F47-9169-618BD74BFB76}"/>
-              </a:ext>
-            </a:extLst>
-          </p:cNvPr>
-          <p:cNvPicPr>
-            <a:picLocks noChangeAspect="1"/>
-          </p:cNvPicPr>
-          <p:nvPr/>
-        </p:nvPicPr>
-        <p:blipFill>
-          <a:blip r:embed="rId3"/>
-          <a:stretch>
-            <a:fillRect/>
-          </a:stretch>
-        </p:blipFill>
-        <p:spPr>
-          <a:xfrm>
-            <a:off x="4884660" y="803103"/>
-            <a:ext cx="4228067" cy="5251793"/>
-          </a:xfrm>
-          <a:prstGeom prst="rect">
-            <a:avLst/>
-          </a:prstGeom>
-        </p:spPr>
-      </p:pic>
-    </p:spTree>
-    <p:extLst>
-      <p:ext uri="{BB962C8B-B14F-4D97-AF65-F5344CB8AC3E}">
-        <p14:creationId xmlns:p14="http://schemas.microsoft.com/office/powerpoint/2010/main" val="2925774630"/>
-      </p:ext>
-    </p:extLst>
-  </p:cSld>
-  <p:clrMapOvr>
-    <a:masterClrMapping/>
-  </p:clrMapOvr>
-</p:sld>
-</file>
-
-<file path=ppt/slides/slide9.xml><?xml version="1.0" encoding="utf-8"?>
-<p:sld xmlns:a="http://schemas.openxmlformats.org/drawingml/2006/main" xmlns:r="http://schemas.openxmlformats.org/officeDocument/2006/relationships" xmlns:p="http://schemas.openxmlformats.org/presentationml/2006/main">
-  <p:cSld>
-    <p:spTree>
-      <p:nvGrpSpPr>
-        <p:cNvPr id="1" name=""/>
-        <p:cNvGrpSpPr/>
-        <p:nvPr/>
-      </p:nvGrpSpPr>
-      <p:grpSpPr>
-        <a:xfrm>
-          <a:off x="0" y="0"/>
-          <a:ext cx="0" cy="0"/>
-          <a:chOff x="0" y="0"/>
-          <a:chExt cx="0" cy="0"/>
-        </a:xfrm>
-      </p:grpSpPr>
-      <p:sp>
-        <p:nvSpPr>
-          <p:cNvPr id="3" name="スライド番号プレースホルダー 2">
-            <a:extLst>
-              <a:ext uri="{FF2B5EF4-FFF2-40B4-BE49-F238E27FC236}">
-                <a16:creationId xmlns:a16="http://schemas.microsoft.com/office/drawing/2014/main" id="{0988BD2D-070A-419A-9744-FEC20A4444F5}"/>
-              </a:ext>
-            </a:extLst>
-          </p:cNvPr>
-          <p:cNvSpPr>
-            <a:spLocks noGrp="1"/>
-          </p:cNvSpPr>
-          <p:nvPr>
-            <p:ph type="sldNum" sz="quarter" idx="11"/>
-          </p:nvPr>
-        </p:nvSpPr>
-        <p:spPr/>
-        <p:txBody>
-          <a:bodyPr/>
-          <a:lstStyle/>
-          <a:p>
-            <a:fld id="{584EAAFE-CFE5-40AD-8E95-5BFF290DC5CF}" type="slidenum">
-              <a:rPr kumimoji="1" lang="ja-JP" altLang="en-US" smtClean="0"/>
-              <a:pPr/>
-              <a:t>9</a:t>
-            </a:fld>
-            <a:endParaRPr kumimoji="1" lang="ja-JP" altLang="en-US"/>
-          </a:p>
-        </p:txBody>
-      </p:sp>
-      <p:sp>
-        <p:nvSpPr>
-          <p:cNvPr id="4" name="テキスト プレースホルダー 3">
-            <a:extLst>
-              <a:ext uri="{FF2B5EF4-FFF2-40B4-BE49-F238E27FC236}">
-                <a16:creationId xmlns:a16="http://schemas.microsoft.com/office/drawing/2014/main" id="{5501B8AA-6467-482E-AC29-39530B3DC4D2}"/>
-              </a:ext>
-            </a:extLst>
-          </p:cNvPr>
-          <p:cNvSpPr>
-            <a:spLocks noGrp="1"/>
-          </p:cNvSpPr>
-          <p:nvPr>
-            <p:ph type="body" sz="quarter" idx="12"/>
-          </p:nvPr>
-        </p:nvSpPr>
-        <p:spPr/>
-        <p:txBody>
-          <a:bodyPr/>
-          <a:lstStyle/>
-          <a:p>
-            <a:endParaRPr lang="ja-JP" altLang="en-US"/>
-          </a:p>
-        </p:txBody>
-      </p:sp>
-    </p:spTree>
-    <p:extLst>
-      <p:ext uri="{BB962C8B-B14F-4D97-AF65-F5344CB8AC3E}">
-        <p14:creationId xmlns:p14="http://schemas.microsoft.com/office/powerpoint/2010/main" val="2789773567"/>
       </p:ext>
     </p:extLst>
   </p:cSld>
